--- a/soutelino_MSL_CeP2015.pptx
+++ b/soutelino_MSL_CeP2015.pptx
@@ -6,18 +6,28 @@
     <p:sldMasterId id="2147483648" r:id="rId2"/>
   </p:sldMasterIdLst>
   <p:notesMasterIdLst>
-    <p:notesMasterId r:id="rId9"/>
+    <p:notesMasterId r:id="rId19"/>
   </p:notesMasterIdLst>
   <p:handoutMasterIdLst>
-    <p:handoutMasterId r:id="rId10"/>
+    <p:handoutMasterId r:id="rId20"/>
   </p:handoutMasterIdLst>
   <p:sldIdLst>
     <p:sldId id="278" r:id="rId3"/>
     <p:sldId id="277" r:id="rId4"/>
-    <p:sldId id="281" r:id="rId5"/>
-    <p:sldId id="283" r:id="rId6"/>
-    <p:sldId id="282" r:id="rId7"/>
-    <p:sldId id="279" r:id="rId8"/>
+    <p:sldId id="279" r:id="rId5"/>
+    <p:sldId id="288" r:id="rId6"/>
+    <p:sldId id="290" r:id="rId7"/>
+    <p:sldId id="289" r:id="rId8"/>
+    <p:sldId id="280" r:id="rId9"/>
+    <p:sldId id="281" r:id="rId10"/>
+    <p:sldId id="291" r:id="rId11"/>
+    <p:sldId id="282" r:id="rId12"/>
+    <p:sldId id="283" r:id="rId13"/>
+    <p:sldId id="284" r:id="rId14"/>
+    <p:sldId id="285" r:id="rId15"/>
+    <p:sldId id="286" r:id="rId16"/>
+    <p:sldId id="287" r:id="rId17"/>
+    <p:sldId id="292" r:id="rId18"/>
   </p:sldIdLst>
   <p:sldSz cx="12192000" cy="6858000"/>
   <p:notesSz cx="6858000" cy="9144000"/>
@@ -118,7 +128,7 @@
   </p:defaultTextStyle>
   <p:extLst>
     <p:ext uri="{EFAFB233-063F-42B5-8137-9DF3F51BA10A}">
-      <p15:sldGuideLst xmlns:p15="http://schemas.microsoft.com/office/powerpoint/2012/main" xmlns="">
+      <p15:sldGuideLst xmlns="" xmlns:p15="http://schemas.microsoft.com/office/powerpoint/2012/main">
         <p15:guide id="1" orient="horz" pos="2160">
           <p15:clr>
             <a:srgbClr val="A4A3A4"/>
@@ -132,7 +142,7 @@
       </p15:sldGuideLst>
     </p:ext>
     <p:ext uri="{2D200454-40CA-4A62-9FC3-DE9A4176ACB9}">
-      <p15:notesGuideLst xmlns:p15="http://schemas.microsoft.com/office/powerpoint/2012/main" xmlns=""/>
+      <p15:notesGuideLst xmlns="" xmlns:p15="http://schemas.microsoft.com/office/powerpoint/2012/main"/>
     </p:ext>
   </p:extLst>
 </p:presentation>
@@ -220,7 +230,7 @@
           <a:p>
             <a:fld id="{13126195-F774-438E-A1E7-456026532540}" type="datetimeFigureOut">
               <a:rPr lang="en-NZ" smtClean="0"/>
-              <a:t>28/04/2015</a:t>
+              <a:t>10/09/2015</a:t>
             </a:fld>
             <a:endParaRPr lang="en-NZ"/>
           </a:p>
@@ -385,7 +395,7 @@
           <a:p>
             <a:fld id="{BDCD3C57-CCD6-4641-BA28-01A371792D74}" type="datetimeFigureOut">
               <a:rPr lang="en-NZ" smtClean="0"/>
-              <a:t>28/04/2015</a:t>
+              <a:t>10/09/2015</a:t>
             </a:fld>
             <a:endParaRPr lang="en-NZ"/>
           </a:p>
@@ -695,7 +705,7 @@
           <a:p>
             <a:fld id="{D8739FB1-ED12-4677-9238-7697E184325F}" type="datetimeFigureOut">
               <a:rPr lang="en-NZ" smtClean="0"/>
-              <a:t>28/04/2015</a:t>
+              <a:t>10/09/2015</a:t>
             </a:fld>
             <a:endParaRPr lang="en-NZ"/>
           </a:p>
@@ -946,25 +956,16 @@
                 </a:solidFill>
                 <a:latin typeface="+mn-lt"/>
               </a:rPr>
-              <a:t>Hints and tips: Your header goes here...</a:t>
+              <a:t>On</a:t>
             </a:r>
             <a:r>
-              <a:rPr lang="en-NZ" sz="3600" b="1" dirty="0" smtClean="0">
+              <a:rPr lang="en-NZ" sz="3600" b="1" baseline="0" dirty="0" smtClean="0">
                 <a:solidFill>
                   <a:schemeClr val="bg1"/>
                 </a:solidFill>
                 <a:latin typeface="+mn-lt"/>
               </a:rPr>
-              <a:t>edit on </a:t>
-            </a:r>
-            <a:r>
-              <a:rPr lang="en-NZ" sz="3600" b="1" dirty="0" smtClean="0">
-                <a:solidFill>
-                  <a:schemeClr val="bg1"/>
-                </a:solidFill>
-                <a:latin typeface="+mn-lt"/>
-              </a:rPr>
-              <a:t>master slide view</a:t>
+              <a:t> the influence of the Southland Current on circulation patterns within Pegasus Bay</a:t>
             </a:r>
             <a:endParaRPr lang="en-NZ" sz="3600" dirty="0">
               <a:solidFill>
@@ -1171,15 +1172,53 @@
                   <a:schemeClr val="bg1"/>
                 </a:solidFill>
               </a:rPr>
-              <a:t>Presenter name here...</a:t>
+              <a:t>Rafael</a:t>
             </a:r>
             <a:r>
-              <a:rPr lang="en-NZ" dirty="0" smtClean="0">
+              <a:rPr lang="en-NZ" baseline="0" dirty="0" smtClean="0">
                 <a:solidFill>
                   <a:schemeClr val="bg1"/>
                 </a:solidFill>
               </a:rPr>
-              <a:t>edit on master</a:t>
+              <a:t> </a:t>
+            </a:r>
+            <a:r>
+              <a:rPr lang="en-NZ" baseline="0" dirty="0" err="1" smtClean="0">
+                <a:solidFill>
+                  <a:schemeClr val="bg1"/>
+                </a:solidFill>
+              </a:rPr>
+              <a:t>Soutelino</a:t>
+            </a:r>
+            <a:r>
+              <a:rPr lang="en-NZ" baseline="0" dirty="0" smtClean="0">
+                <a:solidFill>
+                  <a:schemeClr val="bg1"/>
+                </a:solidFill>
+              </a:rPr>
+              <a:t> and</a:t>
+            </a:r>
+          </a:p>
+          <a:p>
+            <a:pPr marL="0" indent="0">
+              <a:buFont typeface="Arial" panose="020B0604020202020204" pitchFamily="34" charset="0"/>
+              <a:buNone/>
+            </a:pPr>
+            <a:r>
+              <a:rPr lang="en-NZ" baseline="0" dirty="0" smtClean="0">
+                <a:solidFill>
+                  <a:schemeClr val="bg1"/>
+                </a:solidFill>
+              </a:rPr>
+              <a:t>Brett </a:t>
+            </a:r>
+            <a:r>
+              <a:rPr lang="en-NZ" baseline="0" dirty="0" err="1" smtClean="0">
+                <a:solidFill>
+                  <a:schemeClr val="bg1"/>
+                </a:solidFill>
+              </a:rPr>
+              <a:t>Beamsley</a:t>
             </a:r>
             <a:endParaRPr lang="en-NZ" dirty="0">
               <a:solidFill>
@@ -2052,6 +2091,1482 @@
 </p:sld>
 </file>
 
+<file path=ppt/slides/slide10.xml><?xml version="1.0" encoding="utf-8"?>
+<p:sld xmlns:a="http://schemas.openxmlformats.org/drawingml/2006/main" xmlns:r="http://schemas.openxmlformats.org/officeDocument/2006/relationships" xmlns:p="http://schemas.openxmlformats.org/presentationml/2006/main">
+  <p:cSld>
+    <p:spTree>
+      <p:nvGrpSpPr>
+        <p:cNvPr id="1" name=""/>
+        <p:cNvGrpSpPr/>
+        <p:nvPr/>
+      </p:nvGrpSpPr>
+      <p:grpSpPr>
+        <a:xfrm>
+          <a:off x="0" y="0"/>
+          <a:ext cx="0" cy="0"/>
+          <a:chOff x="0" y="0"/>
+          <a:chExt cx="0" cy="0"/>
+        </a:xfrm>
+      </p:grpSpPr>
+      <p:sp>
+        <p:nvSpPr>
+          <p:cNvPr id="5" name="Round Same Side Corner Rectangle 4"/>
+          <p:cNvSpPr/>
+          <p:nvPr/>
+        </p:nvSpPr>
+        <p:spPr>
+          <a:xfrm>
+            <a:off x="110808" y="6554360"/>
+            <a:ext cx="11984236" cy="312163"/>
+          </a:xfrm>
+          <a:prstGeom prst="round2SameRect">
+            <a:avLst/>
+          </a:prstGeom>
+          <a:solidFill>
+            <a:schemeClr val="accent1">
+              <a:lumMod val="75000"/>
+            </a:schemeClr>
+          </a:solidFill>
+          <a:ln>
+            <a:noFill/>
+          </a:ln>
+        </p:spPr>
+        <p:style>
+          <a:lnRef idx="1">
+            <a:schemeClr val="accent1"/>
+          </a:lnRef>
+          <a:fillRef idx="3">
+            <a:schemeClr val="accent1"/>
+          </a:fillRef>
+          <a:effectRef idx="2">
+            <a:schemeClr val="accent1"/>
+          </a:effectRef>
+          <a:fontRef idx="minor">
+            <a:schemeClr val="lt1"/>
+          </a:fontRef>
+        </p:style>
+        <p:txBody>
+          <a:bodyPr rtlCol="0" anchor="ctr"/>
+          <a:lstStyle/>
+          <a:p>
+            <a:pPr algn="ctr"/>
+            <a:endParaRPr lang="en-US"/>
+          </a:p>
+        </p:txBody>
+      </p:sp>
+      <p:sp>
+        <p:nvSpPr>
+          <p:cNvPr id="9" name="Title 1"/>
+          <p:cNvSpPr txBox="1">
+            <a:spLocks/>
+          </p:cNvSpPr>
+          <p:nvPr/>
+        </p:nvSpPr>
+        <p:spPr>
+          <a:xfrm>
+            <a:off x="10086026" y="6520612"/>
+            <a:ext cx="1957210" cy="337388"/>
+          </a:xfrm>
+          <a:prstGeom prst="rect">
+            <a:avLst/>
+          </a:prstGeom>
+        </p:spPr>
+        <p:txBody>
+          <a:bodyPr vert="horz" lIns="91440" tIns="45720" rIns="91440" bIns="45720" rtlCol="0" anchor="b">
+            <a:normAutofit fontScale="92500"/>
+          </a:bodyPr>
+          <a:lstStyle>
+            <a:lvl1pPr algn="ctr" defTabSz="914377" rtl="0" eaLnBrk="1" latinLnBrk="0" hangingPunct="1">
+              <a:lnSpc>
+                <a:spcPct val="90000"/>
+              </a:lnSpc>
+              <a:spcBef>
+                <a:spcPct val="0"/>
+              </a:spcBef>
+              <a:buNone/>
+              <a:defRPr sz="6000" kern="1200">
+                <a:solidFill>
+                  <a:schemeClr val="tx1"/>
+                </a:solidFill>
+                <a:latin typeface="+mj-lt"/>
+                <a:ea typeface="+mj-ea"/>
+                <a:cs typeface="+mj-cs"/>
+              </a:defRPr>
+            </a:lvl1pPr>
+          </a:lstStyle>
+          <a:p>
+            <a:pPr algn="l" defTabSz="0"/>
+            <a:r>
+              <a:rPr lang="en-NZ" sz="1600" b="1" dirty="0" smtClean="0">
+                <a:solidFill>
+                  <a:schemeClr val="bg1"/>
+                </a:solidFill>
+                <a:latin typeface="+mn-lt"/>
+              </a:rPr>
+              <a:t>www.metocean.co.nz</a:t>
+            </a:r>
+            <a:endParaRPr lang="en-NZ" sz="2400" dirty="0">
+              <a:solidFill>
+                <a:schemeClr val="bg1">
+                  <a:lumMod val="75000"/>
+                </a:schemeClr>
+              </a:solidFill>
+              <a:latin typeface="+mn-lt"/>
+            </a:endParaRPr>
+          </a:p>
+        </p:txBody>
+      </p:sp>
+      <p:sp>
+        <p:nvSpPr>
+          <p:cNvPr id="2" name="Title 1"/>
+          <p:cNvSpPr>
+            <a:spLocks noGrp="1"/>
+          </p:cNvSpPr>
+          <p:nvPr>
+            <p:ph type="ctrTitle" idx="4294967295"/>
+          </p:nvPr>
+        </p:nvSpPr>
+        <p:spPr>
+          <a:xfrm>
+            <a:off x="1524000" y="1122363"/>
+            <a:ext cx="9144000" cy="2387600"/>
+          </a:xfrm>
+          <a:prstGeom prst="rect">
+            <a:avLst/>
+          </a:prstGeom>
+        </p:spPr>
+        <p:txBody>
+          <a:bodyPr/>
+          <a:lstStyle/>
+          <a:p>
+            <a:r>
+              <a:rPr lang="en-NZ" dirty="0" smtClean="0"/>
+              <a:t>   </a:t>
+            </a:r>
+            <a:endParaRPr lang="en-NZ" dirty="0"/>
+          </a:p>
+        </p:txBody>
+      </p:sp>
+      <p:pic>
+        <p:nvPicPr>
+          <p:cNvPr id="3" name="Picture 2"/>
+          <p:cNvPicPr>
+            <a:picLocks noChangeAspect="1"/>
+          </p:cNvPicPr>
+          <p:nvPr/>
+        </p:nvPicPr>
+        <p:blipFill>
+          <a:blip r:embed="rId2">
+            <a:extLst>
+              <a:ext uri="{28A0092B-C50C-407E-A947-70E740481C1C}">
+                <a14:useLocalDpi xmlns:a14="http://schemas.microsoft.com/office/drawing/2010/main" val="0"/>
+              </a:ext>
+            </a:extLst>
+          </a:blip>
+          <a:stretch>
+            <a:fillRect/>
+          </a:stretch>
+        </p:blipFill>
+        <p:spPr>
+          <a:xfrm>
+            <a:off x="687897" y="1809675"/>
+            <a:ext cx="10058400" cy="4429798"/>
+          </a:xfrm>
+          <a:prstGeom prst="rect">
+            <a:avLst/>
+          </a:prstGeom>
+        </p:spPr>
+      </p:pic>
+    </p:spTree>
+    <p:extLst>
+      <p:ext uri="{BB962C8B-B14F-4D97-AF65-F5344CB8AC3E}">
+        <p14:creationId xmlns:p14="http://schemas.microsoft.com/office/powerpoint/2010/main" val="3069137719"/>
+      </p:ext>
+    </p:extLst>
+  </p:cSld>
+  <p:clrMapOvr>
+    <a:masterClrMapping/>
+  </p:clrMapOvr>
+  <p:timing>
+    <p:tnLst>
+      <p:par>
+        <p:cTn id="1" dur="indefinite" restart="never" nodeType="tmRoot"/>
+      </p:par>
+    </p:tnLst>
+  </p:timing>
+</p:sld>
+</file>
+
+<file path=ppt/slides/slide11.xml><?xml version="1.0" encoding="utf-8"?>
+<p:sld xmlns:a="http://schemas.openxmlformats.org/drawingml/2006/main" xmlns:r="http://schemas.openxmlformats.org/officeDocument/2006/relationships" xmlns:p="http://schemas.openxmlformats.org/presentationml/2006/main">
+  <p:cSld>
+    <p:spTree>
+      <p:nvGrpSpPr>
+        <p:cNvPr id="1" name=""/>
+        <p:cNvGrpSpPr/>
+        <p:nvPr/>
+      </p:nvGrpSpPr>
+      <p:grpSpPr>
+        <a:xfrm>
+          <a:off x="0" y="0"/>
+          <a:ext cx="0" cy="0"/>
+          <a:chOff x="0" y="0"/>
+          <a:chExt cx="0" cy="0"/>
+        </a:xfrm>
+      </p:grpSpPr>
+      <p:sp>
+        <p:nvSpPr>
+          <p:cNvPr id="5" name="Round Same Side Corner Rectangle 4"/>
+          <p:cNvSpPr/>
+          <p:nvPr/>
+        </p:nvSpPr>
+        <p:spPr>
+          <a:xfrm>
+            <a:off x="110808" y="6554360"/>
+            <a:ext cx="11984236" cy="312163"/>
+          </a:xfrm>
+          <a:prstGeom prst="round2SameRect">
+            <a:avLst/>
+          </a:prstGeom>
+          <a:solidFill>
+            <a:schemeClr val="accent1">
+              <a:lumMod val="75000"/>
+            </a:schemeClr>
+          </a:solidFill>
+          <a:ln>
+            <a:noFill/>
+          </a:ln>
+        </p:spPr>
+        <p:style>
+          <a:lnRef idx="1">
+            <a:schemeClr val="accent1"/>
+          </a:lnRef>
+          <a:fillRef idx="3">
+            <a:schemeClr val="accent1"/>
+          </a:fillRef>
+          <a:effectRef idx="2">
+            <a:schemeClr val="accent1"/>
+          </a:effectRef>
+          <a:fontRef idx="minor">
+            <a:schemeClr val="lt1"/>
+          </a:fontRef>
+        </p:style>
+        <p:txBody>
+          <a:bodyPr rtlCol="0" anchor="ctr"/>
+          <a:lstStyle/>
+          <a:p>
+            <a:pPr algn="ctr"/>
+            <a:endParaRPr lang="en-US"/>
+          </a:p>
+        </p:txBody>
+      </p:sp>
+      <p:sp>
+        <p:nvSpPr>
+          <p:cNvPr id="9" name="Title 1"/>
+          <p:cNvSpPr txBox="1">
+            <a:spLocks/>
+          </p:cNvSpPr>
+          <p:nvPr/>
+        </p:nvSpPr>
+        <p:spPr>
+          <a:xfrm>
+            <a:off x="10086026" y="6520612"/>
+            <a:ext cx="1957210" cy="337388"/>
+          </a:xfrm>
+          <a:prstGeom prst="rect">
+            <a:avLst/>
+          </a:prstGeom>
+        </p:spPr>
+        <p:txBody>
+          <a:bodyPr vert="horz" lIns="91440" tIns="45720" rIns="91440" bIns="45720" rtlCol="0" anchor="b">
+            <a:normAutofit fontScale="92500"/>
+          </a:bodyPr>
+          <a:lstStyle>
+            <a:lvl1pPr algn="ctr" defTabSz="914377" rtl="0" eaLnBrk="1" latinLnBrk="0" hangingPunct="1">
+              <a:lnSpc>
+                <a:spcPct val="90000"/>
+              </a:lnSpc>
+              <a:spcBef>
+                <a:spcPct val="0"/>
+              </a:spcBef>
+              <a:buNone/>
+              <a:defRPr sz="6000" kern="1200">
+                <a:solidFill>
+                  <a:schemeClr val="tx1"/>
+                </a:solidFill>
+                <a:latin typeface="+mj-lt"/>
+                <a:ea typeface="+mj-ea"/>
+                <a:cs typeface="+mj-cs"/>
+              </a:defRPr>
+            </a:lvl1pPr>
+          </a:lstStyle>
+          <a:p>
+            <a:pPr algn="l" defTabSz="0"/>
+            <a:r>
+              <a:rPr lang="en-NZ" sz="1600" b="1" dirty="0" smtClean="0">
+                <a:solidFill>
+                  <a:schemeClr val="bg1"/>
+                </a:solidFill>
+                <a:latin typeface="+mn-lt"/>
+              </a:rPr>
+              <a:t>www.metocean.co.nz</a:t>
+            </a:r>
+            <a:endParaRPr lang="en-NZ" sz="2400" dirty="0">
+              <a:solidFill>
+                <a:schemeClr val="bg1">
+                  <a:lumMod val="75000"/>
+                </a:schemeClr>
+              </a:solidFill>
+              <a:latin typeface="+mn-lt"/>
+            </a:endParaRPr>
+          </a:p>
+        </p:txBody>
+      </p:sp>
+      <p:sp>
+        <p:nvSpPr>
+          <p:cNvPr id="2" name="Title 1"/>
+          <p:cNvSpPr>
+            <a:spLocks noGrp="1"/>
+          </p:cNvSpPr>
+          <p:nvPr>
+            <p:ph type="ctrTitle" idx="4294967295"/>
+          </p:nvPr>
+        </p:nvSpPr>
+        <p:spPr>
+          <a:xfrm>
+            <a:off x="1524000" y="1122363"/>
+            <a:ext cx="9144000" cy="2387600"/>
+          </a:xfrm>
+          <a:prstGeom prst="rect">
+            <a:avLst/>
+          </a:prstGeom>
+        </p:spPr>
+        <p:txBody>
+          <a:bodyPr/>
+          <a:lstStyle/>
+          <a:p>
+            <a:r>
+              <a:rPr lang="en-NZ" dirty="0" smtClean="0"/>
+              <a:t>   </a:t>
+            </a:r>
+            <a:endParaRPr lang="en-NZ" dirty="0"/>
+          </a:p>
+        </p:txBody>
+      </p:sp>
+      <p:pic>
+        <p:nvPicPr>
+          <p:cNvPr id="2050" name="Picture 2"/>
+          <p:cNvPicPr>
+            <a:picLocks noChangeAspect="1" noChangeArrowheads="1"/>
+          </p:cNvPicPr>
+          <p:nvPr/>
+        </p:nvPicPr>
+        <p:blipFill>
+          <a:blip r:embed="rId2">
+            <a:extLst>
+              <a:ext uri="{28A0092B-C50C-407E-A947-70E740481C1C}">
+                <a14:useLocalDpi xmlns:a14="http://schemas.microsoft.com/office/drawing/2010/main" val="0"/>
+              </a:ext>
+            </a:extLst>
+          </a:blip>
+          <a:srcRect/>
+          <a:stretch>
+            <a:fillRect/>
+          </a:stretch>
+        </p:blipFill>
+        <p:spPr bwMode="auto">
+          <a:xfrm>
+            <a:off x="2768368" y="3498010"/>
+            <a:ext cx="6517866" cy="1308064"/>
+          </a:xfrm>
+          <a:prstGeom prst="rect">
+            <a:avLst/>
+          </a:prstGeom>
+          <a:noFill/>
+          <a:ln>
+            <a:noFill/>
+          </a:ln>
+          <a:effectLst/>
+          <a:extLst>
+            <a:ext uri="{909E8E84-426E-40DD-AFC4-6F175D3DCCD1}">
+              <a14:hiddenFill xmlns:a14="http://schemas.microsoft.com/office/drawing/2010/main">
+                <a:solidFill>
+                  <a:schemeClr val="accent1"/>
+                </a:solidFill>
+              </a14:hiddenFill>
+            </a:ext>
+            <a:ext uri="{91240B29-F687-4F45-9708-019B960494DF}">
+              <a14:hiddenLine xmlns:a14="http://schemas.microsoft.com/office/drawing/2010/main" w="9525">
+                <a:solidFill>
+                  <a:schemeClr val="tx1"/>
+                </a:solidFill>
+                <a:miter lim="800000"/>
+                <a:headEnd/>
+                <a:tailEnd/>
+              </a14:hiddenLine>
+            </a:ext>
+            <a:ext uri="{AF507438-7753-43E0-B8FC-AC1667EBCBE1}">
+              <a14:hiddenEffects xmlns:a14="http://schemas.microsoft.com/office/drawing/2010/main">
+                <a:effectLst>
+                  <a:outerShdw dist="35921" dir="2700000" algn="ctr" rotWithShape="0">
+                    <a:schemeClr val="bg2"/>
+                  </a:outerShdw>
+                </a:effectLst>
+              </a14:hiddenEffects>
+            </a:ext>
+          </a:extLst>
+        </p:spPr>
+      </p:pic>
+    </p:spTree>
+    <p:extLst>
+      <p:ext uri="{BB962C8B-B14F-4D97-AF65-F5344CB8AC3E}">
+        <p14:creationId xmlns:p14="http://schemas.microsoft.com/office/powerpoint/2010/main" val="3069137719"/>
+      </p:ext>
+    </p:extLst>
+  </p:cSld>
+  <p:clrMapOvr>
+    <a:masterClrMapping/>
+  </p:clrMapOvr>
+  <p:timing>
+    <p:tnLst>
+      <p:par>
+        <p:cTn id="1" dur="indefinite" restart="never" nodeType="tmRoot"/>
+      </p:par>
+    </p:tnLst>
+  </p:timing>
+</p:sld>
+</file>
+
+<file path=ppt/slides/slide12.xml><?xml version="1.0" encoding="utf-8"?>
+<p:sld xmlns:a="http://schemas.openxmlformats.org/drawingml/2006/main" xmlns:r="http://schemas.openxmlformats.org/officeDocument/2006/relationships" xmlns:p="http://schemas.openxmlformats.org/presentationml/2006/main">
+  <p:cSld>
+    <p:spTree>
+      <p:nvGrpSpPr>
+        <p:cNvPr id="1" name=""/>
+        <p:cNvGrpSpPr/>
+        <p:nvPr/>
+      </p:nvGrpSpPr>
+      <p:grpSpPr>
+        <a:xfrm>
+          <a:off x="0" y="0"/>
+          <a:ext cx="0" cy="0"/>
+          <a:chOff x="0" y="0"/>
+          <a:chExt cx="0" cy="0"/>
+        </a:xfrm>
+      </p:grpSpPr>
+      <p:sp>
+        <p:nvSpPr>
+          <p:cNvPr id="5" name="Round Same Side Corner Rectangle 4"/>
+          <p:cNvSpPr/>
+          <p:nvPr/>
+        </p:nvSpPr>
+        <p:spPr>
+          <a:xfrm>
+            <a:off x="110808" y="6554360"/>
+            <a:ext cx="11984236" cy="312163"/>
+          </a:xfrm>
+          <a:prstGeom prst="round2SameRect">
+            <a:avLst/>
+          </a:prstGeom>
+          <a:solidFill>
+            <a:schemeClr val="accent1">
+              <a:lumMod val="75000"/>
+            </a:schemeClr>
+          </a:solidFill>
+          <a:ln>
+            <a:noFill/>
+          </a:ln>
+        </p:spPr>
+        <p:style>
+          <a:lnRef idx="1">
+            <a:schemeClr val="accent1"/>
+          </a:lnRef>
+          <a:fillRef idx="3">
+            <a:schemeClr val="accent1"/>
+          </a:fillRef>
+          <a:effectRef idx="2">
+            <a:schemeClr val="accent1"/>
+          </a:effectRef>
+          <a:fontRef idx="minor">
+            <a:schemeClr val="lt1"/>
+          </a:fontRef>
+        </p:style>
+        <p:txBody>
+          <a:bodyPr rtlCol="0" anchor="ctr"/>
+          <a:lstStyle/>
+          <a:p>
+            <a:pPr algn="ctr"/>
+            <a:endParaRPr lang="en-US"/>
+          </a:p>
+        </p:txBody>
+      </p:sp>
+      <p:sp>
+        <p:nvSpPr>
+          <p:cNvPr id="9" name="Title 1"/>
+          <p:cNvSpPr txBox="1">
+            <a:spLocks/>
+          </p:cNvSpPr>
+          <p:nvPr/>
+        </p:nvSpPr>
+        <p:spPr>
+          <a:xfrm>
+            <a:off x="10086026" y="6520612"/>
+            <a:ext cx="1957210" cy="337388"/>
+          </a:xfrm>
+          <a:prstGeom prst="rect">
+            <a:avLst/>
+          </a:prstGeom>
+        </p:spPr>
+        <p:txBody>
+          <a:bodyPr vert="horz" lIns="91440" tIns="45720" rIns="91440" bIns="45720" rtlCol="0" anchor="b">
+            <a:normAutofit fontScale="92500"/>
+          </a:bodyPr>
+          <a:lstStyle>
+            <a:lvl1pPr algn="ctr" defTabSz="914377" rtl="0" eaLnBrk="1" latinLnBrk="0" hangingPunct="1">
+              <a:lnSpc>
+                <a:spcPct val="90000"/>
+              </a:lnSpc>
+              <a:spcBef>
+                <a:spcPct val="0"/>
+              </a:spcBef>
+              <a:buNone/>
+              <a:defRPr sz="6000" kern="1200">
+                <a:solidFill>
+                  <a:schemeClr val="tx1"/>
+                </a:solidFill>
+                <a:latin typeface="+mj-lt"/>
+                <a:ea typeface="+mj-ea"/>
+                <a:cs typeface="+mj-cs"/>
+              </a:defRPr>
+            </a:lvl1pPr>
+          </a:lstStyle>
+          <a:p>
+            <a:pPr algn="l" defTabSz="0"/>
+            <a:r>
+              <a:rPr lang="en-NZ" sz="1600" b="1" dirty="0" smtClean="0">
+                <a:solidFill>
+                  <a:schemeClr val="bg1"/>
+                </a:solidFill>
+                <a:latin typeface="+mn-lt"/>
+              </a:rPr>
+              <a:t>www.metocean.co.nz</a:t>
+            </a:r>
+            <a:endParaRPr lang="en-NZ" sz="2400" dirty="0">
+              <a:solidFill>
+                <a:schemeClr val="bg1">
+                  <a:lumMod val="75000"/>
+                </a:schemeClr>
+              </a:solidFill>
+              <a:latin typeface="+mn-lt"/>
+            </a:endParaRPr>
+          </a:p>
+        </p:txBody>
+      </p:sp>
+      <p:sp>
+        <p:nvSpPr>
+          <p:cNvPr id="2" name="Title 1"/>
+          <p:cNvSpPr>
+            <a:spLocks noGrp="1"/>
+          </p:cNvSpPr>
+          <p:nvPr>
+            <p:ph type="ctrTitle" idx="4294967295"/>
+          </p:nvPr>
+        </p:nvSpPr>
+        <p:spPr>
+          <a:xfrm>
+            <a:off x="1524000" y="1122363"/>
+            <a:ext cx="9144000" cy="2387600"/>
+          </a:xfrm>
+          <a:prstGeom prst="rect">
+            <a:avLst/>
+          </a:prstGeom>
+        </p:spPr>
+        <p:txBody>
+          <a:bodyPr/>
+          <a:lstStyle/>
+          <a:p>
+            <a:r>
+              <a:rPr lang="en-NZ" dirty="0" smtClean="0"/>
+              <a:t>   </a:t>
+            </a:r>
+            <a:endParaRPr lang="en-NZ" dirty="0"/>
+          </a:p>
+        </p:txBody>
+      </p:sp>
+      <p:pic>
+        <p:nvPicPr>
+          <p:cNvPr id="3" name="Picture 2"/>
+          <p:cNvPicPr>
+            <a:picLocks noChangeAspect="1"/>
+          </p:cNvPicPr>
+          <p:nvPr/>
+        </p:nvPicPr>
+        <p:blipFill>
+          <a:blip r:embed="rId2">
+            <a:extLst>
+              <a:ext uri="{28A0092B-C50C-407E-A947-70E740481C1C}">
+                <a14:useLocalDpi xmlns:a14="http://schemas.microsoft.com/office/drawing/2010/main" val="0"/>
+              </a:ext>
+            </a:extLst>
+          </a:blip>
+          <a:stretch>
+            <a:fillRect/>
+          </a:stretch>
+        </p:blipFill>
+        <p:spPr>
+          <a:xfrm>
+            <a:off x="398641" y="2364106"/>
+            <a:ext cx="11408570" cy="3843748"/>
+          </a:xfrm>
+          <a:prstGeom prst="rect">
+            <a:avLst/>
+          </a:prstGeom>
+        </p:spPr>
+      </p:pic>
+    </p:spTree>
+    <p:extLst>
+      <p:ext uri="{BB962C8B-B14F-4D97-AF65-F5344CB8AC3E}">
+        <p14:creationId xmlns:p14="http://schemas.microsoft.com/office/powerpoint/2010/main" val="3069137719"/>
+      </p:ext>
+    </p:extLst>
+  </p:cSld>
+  <p:clrMapOvr>
+    <a:masterClrMapping/>
+  </p:clrMapOvr>
+  <p:timing>
+    <p:tnLst>
+      <p:par>
+        <p:cTn id="1" dur="indefinite" restart="never" nodeType="tmRoot"/>
+      </p:par>
+    </p:tnLst>
+  </p:timing>
+</p:sld>
+</file>
+
+<file path=ppt/slides/slide13.xml><?xml version="1.0" encoding="utf-8"?>
+<p:sld xmlns:a="http://schemas.openxmlformats.org/drawingml/2006/main" xmlns:r="http://schemas.openxmlformats.org/officeDocument/2006/relationships" xmlns:p="http://schemas.openxmlformats.org/presentationml/2006/main">
+  <p:cSld>
+    <p:spTree>
+      <p:nvGrpSpPr>
+        <p:cNvPr id="1" name=""/>
+        <p:cNvGrpSpPr/>
+        <p:nvPr/>
+      </p:nvGrpSpPr>
+      <p:grpSpPr>
+        <a:xfrm>
+          <a:off x="0" y="0"/>
+          <a:ext cx="0" cy="0"/>
+          <a:chOff x="0" y="0"/>
+          <a:chExt cx="0" cy="0"/>
+        </a:xfrm>
+      </p:grpSpPr>
+      <p:sp>
+        <p:nvSpPr>
+          <p:cNvPr id="5" name="Round Same Side Corner Rectangle 4"/>
+          <p:cNvSpPr/>
+          <p:nvPr/>
+        </p:nvSpPr>
+        <p:spPr>
+          <a:xfrm>
+            <a:off x="110808" y="6554360"/>
+            <a:ext cx="11984236" cy="312163"/>
+          </a:xfrm>
+          <a:prstGeom prst="round2SameRect">
+            <a:avLst/>
+          </a:prstGeom>
+          <a:solidFill>
+            <a:schemeClr val="accent1">
+              <a:lumMod val="75000"/>
+            </a:schemeClr>
+          </a:solidFill>
+          <a:ln>
+            <a:noFill/>
+          </a:ln>
+        </p:spPr>
+        <p:style>
+          <a:lnRef idx="1">
+            <a:schemeClr val="accent1"/>
+          </a:lnRef>
+          <a:fillRef idx="3">
+            <a:schemeClr val="accent1"/>
+          </a:fillRef>
+          <a:effectRef idx="2">
+            <a:schemeClr val="accent1"/>
+          </a:effectRef>
+          <a:fontRef idx="minor">
+            <a:schemeClr val="lt1"/>
+          </a:fontRef>
+        </p:style>
+        <p:txBody>
+          <a:bodyPr rtlCol="0" anchor="ctr"/>
+          <a:lstStyle/>
+          <a:p>
+            <a:pPr algn="ctr"/>
+            <a:endParaRPr lang="en-US"/>
+          </a:p>
+        </p:txBody>
+      </p:sp>
+      <p:sp>
+        <p:nvSpPr>
+          <p:cNvPr id="9" name="Title 1"/>
+          <p:cNvSpPr txBox="1">
+            <a:spLocks/>
+          </p:cNvSpPr>
+          <p:nvPr/>
+        </p:nvSpPr>
+        <p:spPr>
+          <a:xfrm>
+            <a:off x="10086026" y="6520612"/>
+            <a:ext cx="1957210" cy="337388"/>
+          </a:xfrm>
+          <a:prstGeom prst="rect">
+            <a:avLst/>
+          </a:prstGeom>
+        </p:spPr>
+        <p:txBody>
+          <a:bodyPr vert="horz" lIns="91440" tIns="45720" rIns="91440" bIns="45720" rtlCol="0" anchor="b">
+            <a:normAutofit fontScale="92500"/>
+          </a:bodyPr>
+          <a:lstStyle>
+            <a:lvl1pPr algn="ctr" defTabSz="914377" rtl="0" eaLnBrk="1" latinLnBrk="0" hangingPunct="1">
+              <a:lnSpc>
+                <a:spcPct val="90000"/>
+              </a:lnSpc>
+              <a:spcBef>
+                <a:spcPct val="0"/>
+              </a:spcBef>
+              <a:buNone/>
+              <a:defRPr sz="6000" kern="1200">
+                <a:solidFill>
+                  <a:schemeClr val="tx1"/>
+                </a:solidFill>
+                <a:latin typeface="+mj-lt"/>
+                <a:ea typeface="+mj-ea"/>
+                <a:cs typeface="+mj-cs"/>
+              </a:defRPr>
+            </a:lvl1pPr>
+          </a:lstStyle>
+          <a:p>
+            <a:pPr algn="l" defTabSz="0"/>
+            <a:r>
+              <a:rPr lang="en-NZ" sz="1600" b="1" dirty="0" smtClean="0">
+                <a:solidFill>
+                  <a:schemeClr val="bg1"/>
+                </a:solidFill>
+                <a:latin typeface="+mn-lt"/>
+              </a:rPr>
+              <a:t>www.metocean.co.nz</a:t>
+            </a:r>
+            <a:endParaRPr lang="en-NZ" sz="2400" dirty="0">
+              <a:solidFill>
+                <a:schemeClr val="bg1">
+                  <a:lumMod val="75000"/>
+                </a:schemeClr>
+              </a:solidFill>
+              <a:latin typeface="+mn-lt"/>
+            </a:endParaRPr>
+          </a:p>
+        </p:txBody>
+      </p:sp>
+      <p:sp>
+        <p:nvSpPr>
+          <p:cNvPr id="2" name="Title 1"/>
+          <p:cNvSpPr>
+            <a:spLocks noGrp="1"/>
+          </p:cNvSpPr>
+          <p:nvPr>
+            <p:ph type="ctrTitle" idx="4294967295"/>
+          </p:nvPr>
+        </p:nvSpPr>
+        <p:spPr>
+          <a:xfrm>
+            <a:off x="1524000" y="1122363"/>
+            <a:ext cx="9144000" cy="2387600"/>
+          </a:xfrm>
+          <a:prstGeom prst="rect">
+            <a:avLst/>
+          </a:prstGeom>
+        </p:spPr>
+        <p:txBody>
+          <a:bodyPr/>
+          <a:lstStyle/>
+          <a:p>
+            <a:r>
+              <a:rPr lang="en-NZ" dirty="0" smtClean="0"/>
+              <a:t>   </a:t>
+            </a:r>
+            <a:endParaRPr lang="en-NZ" dirty="0"/>
+          </a:p>
+        </p:txBody>
+      </p:sp>
+      <p:pic>
+        <p:nvPicPr>
+          <p:cNvPr id="3" name="Picture 2"/>
+          <p:cNvPicPr>
+            <a:picLocks noChangeAspect="1"/>
+          </p:cNvPicPr>
+          <p:nvPr/>
+        </p:nvPicPr>
+        <p:blipFill>
+          <a:blip r:embed="rId2">
+            <a:extLst>
+              <a:ext uri="{28A0092B-C50C-407E-A947-70E740481C1C}">
+                <a14:useLocalDpi xmlns:a14="http://schemas.microsoft.com/office/drawing/2010/main" val="0"/>
+              </a:ext>
+            </a:extLst>
+          </a:blip>
+          <a:stretch>
+            <a:fillRect/>
+          </a:stretch>
+        </p:blipFill>
+        <p:spPr>
+          <a:xfrm>
+            <a:off x="3874538" y="1919251"/>
+            <a:ext cx="4456776" cy="4416804"/>
+          </a:xfrm>
+          <a:prstGeom prst="rect">
+            <a:avLst/>
+          </a:prstGeom>
+        </p:spPr>
+      </p:pic>
+    </p:spTree>
+    <p:extLst>
+      <p:ext uri="{BB962C8B-B14F-4D97-AF65-F5344CB8AC3E}">
+        <p14:creationId xmlns:p14="http://schemas.microsoft.com/office/powerpoint/2010/main" val="3069137719"/>
+      </p:ext>
+    </p:extLst>
+  </p:cSld>
+  <p:clrMapOvr>
+    <a:masterClrMapping/>
+  </p:clrMapOvr>
+  <p:timing>
+    <p:tnLst>
+      <p:par>
+        <p:cTn id="1" dur="indefinite" restart="never" nodeType="tmRoot"/>
+      </p:par>
+    </p:tnLst>
+  </p:timing>
+</p:sld>
+</file>
+
+<file path=ppt/slides/slide14.xml><?xml version="1.0" encoding="utf-8"?>
+<p:sld xmlns:a="http://schemas.openxmlformats.org/drawingml/2006/main" xmlns:r="http://schemas.openxmlformats.org/officeDocument/2006/relationships" xmlns:p="http://schemas.openxmlformats.org/presentationml/2006/main">
+  <p:cSld>
+    <p:spTree>
+      <p:nvGrpSpPr>
+        <p:cNvPr id="1" name=""/>
+        <p:cNvGrpSpPr/>
+        <p:nvPr/>
+      </p:nvGrpSpPr>
+      <p:grpSpPr>
+        <a:xfrm>
+          <a:off x="0" y="0"/>
+          <a:ext cx="0" cy="0"/>
+          <a:chOff x="0" y="0"/>
+          <a:chExt cx="0" cy="0"/>
+        </a:xfrm>
+      </p:grpSpPr>
+      <p:sp>
+        <p:nvSpPr>
+          <p:cNvPr id="5" name="Round Same Side Corner Rectangle 4"/>
+          <p:cNvSpPr/>
+          <p:nvPr/>
+        </p:nvSpPr>
+        <p:spPr>
+          <a:xfrm>
+            <a:off x="110808" y="6554360"/>
+            <a:ext cx="11984236" cy="312163"/>
+          </a:xfrm>
+          <a:prstGeom prst="round2SameRect">
+            <a:avLst/>
+          </a:prstGeom>
+          <a:solidFill>
+            <a:schemeClr val="accent1">
+              <a:lumMod val="75000"/>
+            </a:schemeClr>
+          </a:solidFill>
+          <a:ln>
+            <a:noFill/>
+          </a:ln>
+        </p:spPr>
+        <p:style>
+          <a:lnRef idx="1">
+            <a:schemeClr val="accent1"/>
+          </a:lnRef>
+          <a:fillRef idx="3">
+            <a:schemeClr val="accent1"/>
+          </a:fillRef>
+          <a:effectRef idx="2">
+            <a:schemeClr val="accent1"/>
+          </a:effectRef>
+          <a:fontRef idx="minor">
+            <a:schemeClr val="lt1"/>
+          </a:fontRef>
+        </p:style>
+        <p:txBody>
+          <a:bodyPr rtlCol="0" anchor="ctr"/>
+          <a:lstStyle/>
+          <a:p>
+            <a:pPr algn="ctr"/>
+            <a:endParaRPr lang="en-US"/>
+          </a:p>
+        </p:txBody>
+      </p:sp>
+      <p:sp>
+        <p:nvSpPr>
+          <p:cNvPr id="9" name="Title 1"/>
+          <p:cNvSpPr txBox="1">
+            <a:spLocks/>
+          </p:cNvSpPr>
+          <p:nvPr/>
+        </p:nvSpPr>
+        <p:spPr>
+          <a:xfrm>
+            <a:off x="10086026" y="6520612"/>
+            <a:ext cx="1957210" cy="337388"/>
+          </a:xfrm>
+          <a:prstGeom prst="rect">
+            <a:avLst/>
+          </a:prstGeom>
+        </p:spPr>
+        <p:txBody>
+          <a:bodyPr vert="horz" lIns="91440" tIns="45720" rIns="91440" bIns="45720" rtlCol="0" anchor="b">
+            <a:normAutofit fontScale="92500"/>
+          </a:bodyPr>
+          <a:lstStyle>
+            <a:lvl1pPr algn="ctr" defTabSz="914377" rtl="0" eaLnBrk="1" latinLnBrk="0" hangingPunct="1">
+              <a:lnSpc>
+                <a:spcPct val="90000"/>
+              </a:lnSpc>
+              <a:spcBef>
+                <a:spcPct val="0"/>
+              </a:spcBef>
+              <a:buNone/>
+              <a:defRPr sz="6000" kern="1200">
+                <a:solidFill>
+                  <a:schemeClr val="tx1"/>
+                </a:solidFill>
+                <a:latin typeface="+mj-lt"/>
+                <a:ea typeface="+mj-ea"/>
+                <a:cs typeface="+mj-cs"/>
+              </a:defRPr>
+            </a:lvl1pPr>
+          </a:lstStyle>
+          <a:p>
+            <a:pPr algn="l" defTabSz="0"/>
+            <a:r>
+              <a:rPr lang="en-NZ" sz="1600" b="1" dirty="0" smtClean="0">
+                <a:solidFill>
+                  <a:schemeClr val="bg1"/>
+                </a:solidFill>
+                <a:latin typeface="+mn-lt"/>
+              </a:rPr>
+              <a:t>www.metocean.co.nz</a:t>
+            </a:r>
+            <a:endParaRPr lang="en-NZ" sz="2400" dirty="0">
+              <a:solidFill>
+                <a:schemeClr val="bg1">
+                  <a:lumMod val="75000"/>
+                </a:schemeClr>
+              </a:solidFill>
+              <a:latin typeface="+mn-lt"/>
+            </a:endParaRPr>
+          </a:p>
+        </p:txBody>
+      </p:sp>
+      <p:sp>
+        <p:nvSpPr>
+          <p:cNvPr id="2" name="Title 1"/>
+          <p:cNvSpPr>
+            <a:spLocks noGrp="1"/>
+          </p:cNvSpPr>
+          <p:nvPr>
+            <p:ph type="ctrTitle" idx="4294967295"/>
+          </p:nvPr>
+        </p:nvSpPr>
+        <p:spPr>
+          <a:xfrm>
+            <a:off x="1524000" y="1122363"/>
+            <a:ext cx="9144000" cy="2387600"/>
+          </a:xfrm>
+          <a:prstGeom prst="rect">
+            <a:avLst/>
+          </a:prstGeom>
+        </p:spPr>
+        <p:txBody>
+          <a:bodyPr/>
+          <a:lstStyle/>
+          <a:p>
+            <a:r>
+              <a:rPr lang="en-NZ" dirty="0" smtClean="0"/>
+              <a:t>   </a:t>
+            </a:r>
+            <a:endParaRPr lang="en-NZ" dirty="0"/>
+          </a:p>
+        </p:txBody>
+      </p:sp>
+      <p:pic>
+        <p:nvPicPr>
+          <p:cNvPr id="3" name="Picture 2"/>
+          <p:cNvPicPr>
+            <a:picLocks noChangeAspect="1"/>
+          </p:cNvPicPr>
+          <p:nvPr/>
+        </p:nvPicPr>
+        <p:blipFill>
+          <a:blip r:embed="rId2">
+            <a:extLst>
+              <a:ext uri="{28A0092B-C50C-407E-A947-70E740481C1C}">
+                <a14:useLocalDpi xmlns:a14="http://schemas.microsoft.com/office/drawing/2010/main" val="0"/>
+              </a:ext>
+            </a:extLst>
+          </a:blip>
+          <a:stretch>
+            <a:fillRect/>
+          </a:stretch>
+        </p:blipFill>
+        <p:spPr>
+          <a:xfrm>
+            <a:off x="2220790" y="683703"/>
+            <a:ext cx="7750420" cy="5725486"/>
+          </a:xfrm>
+          <a:prstGeom prst="rect">
+            <a:avLst/>
+          </a:prstGeom>
+        </p:spPr>
+      </p:pic>
+    </p:spTree>
+    <p:extLst>
+      <p:ext uri="{BB962C8B-B14F-4D97-AF65-F5344CB8AC3E}">
+        <p14:creationId xmlns:p14="http://schemas.microsoft.com/office/powerpoint/2010/main" val="3069137719"/>
+      </p:ext>
+    </p:extLst>
+  </p:cSld>
+  <p:clrMapOvr>
+    <a:masterClrMapping/>
+  </p:clrMapOvr>
+  <p:timing>
+    <p:tnLst>
+      <p:par>
+        <p:cTn id="1" dur="indefinite" restart="never" nodeType="tmRoot"/>
+      </p:par>
+    </p:tnLst>
+  </p:timing>
+</p:sld>
+</file>
+
+<file path=ppt/slides/slide15.xml><?xml version="1.0" encoding="utf-8"?>
+<p:sld xmlns:a="http://schemas.openxmlformats.org/drawingml/2006/main" xmlns:r="http://schemas.openxmlformats.org/officeDocument/2006/relationships" xmlns:p="http://schemas.openxmlformats.org/presentationml/2006/main">
+  <p:cSld>
+    <p:spTree>
+      <p:nvGrpSpPr>
+        <p:cNvPr id="1" name=""/>
+        <p:cNvGrpSpPr/>
+        <p:nvPr/>
+      </p:nvGrpSpPr>
+      <p:grpSpPr>
+        <a:xfrm>
+          <a:off x="0" y="0"/>
+          <a:ext cx="0" cy="0"/>
+          <a:chOff x="0" y="0"/>
+          <a:chExt cx="0" cy="0"/>
+        </a:xfrm>
+      </p:grpSpPr>
+      <p:sp>
+        <p:nvSpPr>
+          <p:cNvPr id="5" name="Round Same Side Corner Rectangle 4"/>
+          <p:cNvSpPr/>
+          <p:nvPr/>
+        </p:nvSpPr>
+        <p:spPr>
+          <a:xfrm>
+            <a:off x="110808" y="6554360"/>
+            <a:ext cx="11984236" cy="312163"/>
+          </a:xfrm>
+          <a:prstGeom prst="round2SameRect">
+            <a:avLst/>
+          </a:prstGeom>
+          <a:solidFill>
+            <a:schemeClr val="accent1">
+              <a:lumMod val="75000"/>
+            </a:schemeClr>
+          </a:solidFill>
+          <a:ln>
+            <a:noFill/>
+          </a:ln>
+        </p:spPr>
+        <p:style>
+          <a:lnRef idx="1">
+            <a:schemeClr val="accent1"/>
+          </a:lnRef>
+          <a:fillRef idx="3">
+            <a:schemeClr val="accent1"/>
+          </a:fillRef>
+          <a:effectRef idx="2">
+            <a:schemeClr val="accent1"/>
+          </a:effectRef>
+          <a:fontRef idx="minor">
+            <a:schemeClr val="lt1"/>
+          </a:fontRef>
+        </p:style>
+        <p:txBody>
+          <a:bodyPr rtlCol="0" anchor="ctr"/>
+          <a:lstStyle/>
+          <a:p>
+            <a:pPr algn="ctr"/>
+            <a:endParaRPr lang="en-US"/>
+          </a:p>
+        </p:txBody>
+      </p:sp>
+      <p:sp>
+        <p:nvSpPr>
+          <p:cNvPr id="9" name="Title 1"/>
+          <p:cNvSpPr txBox="1">
+            <a:spLocks/>
+          </p:cNvSpPr>
+          <p:nvPr/>
+        </p:nvSpPr>
+        <p:spPr>
+          <a:xfrm>
+            <a:off x="10086026" y="6520612"/>
+            <a:ext cx="1957210" cy="337388"/>
+          </a:xfrm>
+          <a:prstGeom prst="rect">
+            <a:avLst/>
+          </a:prstGeom>
+        </p:spPr>
+        <p:txBody>
+          <a:bodyPr vert="horz" lIns="91440" tIns="45720" rIns="91440" bIns="45720" rtlCol="0" anchor="b">
+            <a:normAutofit fontScale="92500"/>
+          </a:bodyPr>
+          <a:lstStyle>
+            <a:lvl1pPr algn="ctr" defTabSz="914377" rtl="0" eaLnBrk="1" latinLnBrk="0" hangingPunct="1">
+              <a:lnSpc>
+                <a:spcPct val="90000"/>
+              </a:lnSpc>
+              <a:spcBef>
+                <a:spcPct val="0"/>
+              </a:spcBef>
+              <a:buNone/>
+              <a:defRPr sz="6000" kern="1200">
+                <a:solidFill>
+                  <a:schemeClr val="tx1"/>
+                </a:solidFill>
+                <a:latin typeface="+mj-lt"/>
+                <a:ea typeface="+mj-ea"/>
+                <a:cs typeface="+mj-cs"/>
+              </a:defRPr>
+            </a:lvl1pPr>
+          </a:lstStyle>
+          <a:p>
+            <a:pPr algn="l" defTabSz="0"/>
+            <a:r>
+              <a:rPr lang="en-NZ" sz="1600" b="1" dirty="0" smtClean="0">
+                <a:solidFill>
+                  <a:schemeClr val="bg1"/>
+                </a:solidFill>
+                <a:latin typeface="+mn-lt"/>
+              </a:rPr>
+              <a:t>www.metocean.co.nz</a:t>
+            </a:r>
+            <a:endParaRPr lang="en-NZ" sz="2400" dirty="0">
+              <a:solidFill>
+                <a:schemeClr val="bg1">
+                  <a:lumMod val="75000"/>
+                </a:schemeClr>
+              </a:solidFill>
+              <a:latin typeface="+mn-lt"/>
+            </a:endParaRPr>
+          </a:p>
+        </p:txBody>
+      </p:sp>
+      <p:sp>
+        <p:nvSpPr>
+          <p:cNvPr id="2" name="Title 1"/>
+          <p:cNvSpPr>
+            <a:spLocks noGrp="1"/>
+          </p:cNvSpPr>
+          <p:nvPr>
+            <p:ph type="ctrTitle" idx="4294967295"/>
+          </p:nvPr>
+        </p:nvSpPr>
+        <p:spPr>
+          <a:xfrm>
+            <a:off x="1524000" y="1122363"/>
+            <a:ext cx="9144000" cy="2387600"/>
+          </a:xfrm>
+          <a:prstGeom prst="rect">
+            <a:avLst/>
+          </a:prstGeom>
+        </p:spPr>
+        <p:txBody>
+          <a:bodyPr/>
+          <a:lstStyle/>
+          <a:p>
+            <a:r>
+              <a:rPr lang="en-NZ" dirty="0" smtClean="0"/>
+              <a:t>   </a:t>
+            </a:r>
+            <a:endParaRPr lang="en-NZ" dirty="0"/>
+          </a:p>
+        </p:txBody>
+      </p:sp>
+      <p:pic>
+        <p:nvPicPr>
+          <p:cNvPr id="3" name="Picture 2"/>
+          <p:cNvPicPr>
+            <a:picLocks noChangeAspect="1"/>
+          </p:cNvPicPr>
+          <p:nvPr/>
+        </p:nvPicPr>
+        <p:blipFill>
+          <a:blip r:embed="rId2">
+            <a:extLst>
+              <a:ext uri="{28A0092B-C50C-407E-A947-70E740481C1C}">
+                <a14:useLocalDpi xmlns:a14="http://schemas.microsoft.com/office/drawing/2010/main" val="0"/>
+              </a:ext>
+            </a:extLst>
+          </a:blip>
+          <a:stretch>
+            <a:fillRect/>
+          </a:stretch>
+        </p:blipFill>
+        <p:spPr>
+          <a:xfrm>
+            <a:off x="1006231" y="3958885"/>
+            <a:ext cx="10058400" cy="2392362"/>
+          </a:xfrm>
+          <a:prstGeom prst="rect">
+            <a:avLst/>
+          </a:prstGeom>
+        </p:spPr>
+      </p:pic>
+      <p:pic>
+        <p:nvPicPr>
+          <p:cNvPr id="4" name="Picture 3"/>
+          <p:cNvPicPr>
+            <a:picLocks noChangeAspect="1"/>
+          </p:cNvPicPr>
+          <p:nvPr/>
+        </p:nvPicPr>
+        <p:blipFill>
+          <a:blip r:embed="rId3">
+            <a:extLst>
+              <a:ext uri="{28A0092B-C50C-407E-A947-70E740481C1C}">
+                <a14:useLocalDpi xmlns:a14="http://schemas.microsoft.com/office/drawing/2010/main" val="0"/>
+              </a:ext>
+            </a:extLst>
+          </a:blip>
+          <a:stretch>
+            <a:fillRect/>
+          </a:stretch>
+        </p:blipFill>
+        <p:spPr>
+          <a:xfrm>
+            <a:off x="1006231" y="1320211"/>
+            <a:ext cx="10058400" cy="2398183"/>
+          </a:xfrm>
+          <a:prstGeom prst="rect">
+            <a:avLst/>
+          </a:prstGeom>
+        </p:spPr>
+      </p:pic>
+    </p:spTree>
+    <p:extLst>
+      <p:ext uri="{BB962C8B-B14F-4D97-AF65-F5344CB8AC3E}">
+        <p14:creationId xmlns:p14="http://schemas.microsoft.com/office/powerpoint/2010/main" val="3069137719"/>
+      </p:ext>
+    </p:extLst>
+  </p:cSld>
+  <p:clrMapOvr>
+    <a:masterClrMapping/>
+  </p:clrMapOvr>
+  <p:timing>
+    <p:tnLst>
+      <p:par>
+        <p:cTn id="1" dur="indefinite" restart="never" nodeType="tmRoot"/>
+      </p:par>
+    </p:tnLst>
+  </p:timing>
+</p:sld>
+</file>
+
+<file path=ppt/slides/slide16.xml><?xml version="1.0" encoding="utf-8"?>
+<p:sld xmlns:a="http://schemas.openxmlformats.org/drawingml/2006/main" xmlns:r="http://schemas.openxmlformats.org/officeDocument/2006/relationships" xmlns:p="http://schemas.openxmlformats.org/presentationml/2006/main">
+  <p:cSld>
+    <p:spTree>
+      <p:nvGrpSpPr>
+        <p:cNvPr id="1" name=""/>
+        <p:cNvGrpSpPr/>
+        <p:nvPr/>
+      </p:nvGrpSpPr>
+      <p:grpSpPr>
+        <a:xfrm>
+          <a:off x="0" y="0"/>
+          <a:ext cx="0" cy="0"/>
+          <a:chOff x="0" y="0"/>
+          <a:chExt cx="0" cy="0"/>
+        </a:xfrm>
+      </p:grpSpPr>
+      <p:sp>
+        <p:nvSpPr>
+          <p:cNvPr id="5" name="Round Same Side Corner Rectangle 4"/>
+          <p:cNvSpPr/>
+          <p:nvPr/>
+        </p:nvSpPr>
+        <p:spPr>
+          <a:xfrm>
+            <a:off x="110808" y="6554360"/>
+            <a:ext cx="11984236" cy="312163"/>
+          </a:xfrm>
+          <a:prstGeom prst="round2SameRect">
+            <a:avLst/>
+          </a:prstGeom>
+          <a:solidFill>
+            <a:schemeClr val="accent1">
+              <a:lumMod val="75000"/>
+            </a:schemeClr>
+          </a:solidFill>
+          <a:ln>
+            <a:noFill/>
+          </a:ln>
+        </p:spPr>
+        <p:style>
+          <a:lnRef idx="1">
+            <a:schemeClr val="accent1"/>
+          </a:lnRef>
+          <a:fillRef idx="3">
+            <a:schemeClr val="accent1"/>
+          </a:fillRef>
+          <a:effectRef idx="2">
+            <a:schemeClr val="accent1"/>
+          </a:effectRef>
+          <a:fontRef idx="minor">
+            <a:schemeClr val="lt1"/>
+          </a:fontRef>
+        </p:style>
+        <p:txBody>
+          <a:bodyPr rtlCol="0" anchor="ctr"/>
+          <a:lstStyle/>
+          <a:p>
+            <a:pPr algn="ctr"/>
+            <a:endParaRPr lang="en-US"/>
+          </a:p>
+        </p:txBody>
+      </p:sp>
+      <p:sp>
+        <p:nvSpPr>
+          <p:cNvPr id="9" name="Title 1"/>
+          <p:cNvSpPr txBox="1">
+            <a:spLocks/>
+          </p:cNvSpPr>
+          <p:nvPr/>
+        </p:nvSpPr>
+        <p:spPr>
+          <a:xfrm>
+            <a:off x="10086026" y="6520612"/>
+            <a:ext cx="1957210" cy="337388"/>
+          </a:xfrm>
+          <a:prstGeom prst="rect">
+            <a:avLst/>
+          </a:prstGeom>
+        </p:spPr>
+        <p:txBody>
+          <a:bodyPr vert="horz" lIns="91440" tIns="45720" rIns="91440" bIns="45720" rtlCol="0" anchor="b">
+            <a:normAutofit fontScale="92500"/>
+          </a:bodyPr>
+          <a:lstStyle>
+            <a:lvl1pPr algn="ctr" defTabSz="914377" rtl="0" eaLnBrk="1" latinLnBrk="0" hangingPunct="1">
+              <a:lnSpc>
+                <a:spcPct val="90000"/>
+              </a:lnSpc>
+              <a:spcBef>
+                <a:spcPct val="0"/>
+              </a:spcBef>
+              <a:buNone/>
+              <a:defRPr sz="6000" kern="1200">
+                <a:solidFill>
+                  <a:schemeClr val="tx1"/>
+                </a:solidFill>
+                <a:latin typeface="+mj-lt"/>
+                <a:ea typeface="+mj-ea"/>
+                <a:cs typeface="+mj-cs"/>
+              </a:defRPr>
+            </a:lvl1pPr>
+          </a:lstStyle>
+          <a:p>
+            <a:pPr algn="l" defTabSz="0"/>
+            <a:r>
+              <a:rPr lang="en-NZ" sz="1600" b="1" dirty="0" smtClean="0">
+                <a:solidFill>
+                  <a:schemeClr val="bg1"/>
+                </a:solidFill>
+                <a:latin typeface="+mn-lt"/>
+              </a:rPr>
+              <a:t>www.metocean.co.nz</a:t>
+            </a:r>
+            <a:endParaRPr lang="en-NZ" sz="2400" dirty="0">
+              <a:solidFill>
+                <a:schemeClr val="bg1">
+                  <a:lumMod val="75000"/>
+                </a:schemeClr>
+              </a:solidFill>
+              <a:latin typeface="+mn-lt"/>
+            </a:endParaRPr>
+          </a:p>
+        </p:txBody>
+      </p:sp>
+      <p:sp>
+        <p:nvSpPr>
+          <p:cNvPr id="2" name="Title 1"/>
+          <p:cNvSpPr>
+            <a:spLocks noGrp="1"/>
+          </p:cNvSpPr>
+          <p:nvPr>
+            <p:ph type="ctrTitle" idx="4294967295"/>
+          </p:nvPr>
+        </p:nvSpPr>
+        <p:spPr>
+          <a:xfrm>
+            <a:off x="1524000" y="1122363"/>
+            <a:ext cx="9144000" cy="2387600"/>
+          </a:xfrm>
+          <a:prstGeom prst="rect">
+            <a:avLst/>
+          </a:prstGeom>
+        </p:spPr>
+        <p:txBody>
+          <a:bodyPr/>
+          <a:lstStyle/>
+          <a:p>
+            <a:r>
+              <a:rPr lang="en-NZ" dirty="0" smtClean="0"/>
+              <a:t>   </a:t>
+            </a:r>
+            <a:endParaRPr lang="en-NZ" dirty="0"/>
+          </a:p>
+        </p:txBody>
+      </p:sp>
+    </p:spTree>
+    <p:extLst>
+      <p:ext uri="{BB962C8B-B14F-4D97-AF65-F5344CB8AC3E}">
+        <p14:creationId xmlns:p14="http://schemas.microsoft.com/office/powerpoint/2010/main" val="3069137719"/>
+      </p:ext>
+    </p:extLst>
+  </p:cSld>
+  <p:clrMapOvr>
+    <a:masterClrMapping/>
+  </p:clrMapOvr>
+  <p:timing>
+    <p:tnLst>
+      <p:par>
+        <p:cTn id="1" dur="indefinite" restart="never" nodeType="tmRoot"/>
+      </p:par>
+    </p:tnLst>
+  </p:timing>
+</p:sld>
+</file>
+
 <file path=ppt/slides/slide2.xml><?xml version="1.0" encoding="utf-8"?>
 <p:sld xmlns:a="http://schemas.openxmlformats.org/drawingml/2006/main" xmlns:r="http://schemas.openxmlformats.org/officeDocument/2006/relationships" xmlns:p="http://schemas.openxmlformats.org/presentationml/2006/main">
   <p:cSld>
@@ -2217,10 +3732,16 @@
           </a:lstStyle>
           <a:p>
             <a:r>
-              <a:rPr lang="en-US" dirty="0" smtClean="0"/>
-              <a:t>PP Hints and tips – edit on normal view</a:t>
+              <a:rPr lang="en-US" dirty="0" smtClean="0">
+                <a:latin typeface="Arial" pitchFamily="34" charset="0"/>
+                <a:cs typeface="Arial" pitchFamily="34" charset="0"/>
+              </a:rPr>
+              <a:t>Outline</a:t>
             </a:r>
-            <a:endParaRPr lang="en-NZ" dirty="0"/>
+            <a:endParaRPr lang="en-NZ" dirty="0">
+              <a:latin typeface="Arial" pitchFamily="34" charset="0"/>
+              <a:cs typeface="Arial" pitchFamily="34" charset="0"/>
+            </a:endParaRPr>
           </a:p>
         </p:txBody>
       </p:sp>
@@ -2409,35 +3930,23 @@
           </a:lstStyle>
           <a:p>
             <a:r>
-              <a:rPr lang="en-US" dirty="0" smtClean="0"/>
-              <a:t>One thing at a time please</a:t>
-            </a:r>
-          </a:p>
-          <a:p>
-            <a:pPr marL="725476" lvl="2" indent="-268288">
-              <a:tabLst>
-                <a:tab pos="268288" algn="l"/>
-              </a:tabLst>
-            </a:pPr>
-            <a:r>
-              <a:rPr lang="en-NZ" dirty="0"/>
-              <a:t>Your job as presenter is to control the flow of information so that you and your audience stay in </a:t>
+              <a:rPr lang="en-US" dirty="0" smtClean="0">
+                <a:latin typeface="Arial" pitchFamily="34" charset="0"/>
+                <a:cs typeface="Arial" pitchFamily="34" charset="0"/>
+              </a:rPr>
+              <a:t>One thing at a time </a:t>
             </a:r>
             <a:r>
-              <a:rPr lang="en-NZ" dirty="0" smtClean="0"/>
-              <a:t>sync. </a:t>
+              <a:rPr lang="en-US" dirty="0" smtClean="0">
+                <a:latin typeface="Arial" pitchFamily="34" charset="0"/>
+                <a:cs typeface="Arial" pitchFamily="34" charset="0"/>
+              </a:rPr>
+              <a:t>please</a:t>
             </a:r>
-            <a:r>
-              <a:rPr lang="en-US" dirty="0" smtClean="0"/>
-              <a:t>Your viewers will read everything that is on the screen when it is displayed</a:t>
-            </a:r>
-          </a:p>
-          <a:p>
-            <a:pPr marL="1182666" lvl="4" indent="-268288"/>
-            <a:r>
-              <a:rPr lang="en-US" dirty="0" smtClean="0"/>
-              <a:t>You should only need two, at the most three levels of bullet points</a:t>
-            </a:r>
+            <a:endParaRPr lang="en-US" dirty="0" smtClean="0">
+              <a:latin typeface="Arial" pitchFamily="34" charset="0"/>
+              <a:cs typeface="Arial" pitchFamily="34" charset="0"/>
+            </a:endParaRPr>
           </a:p>
           <a:p>
             <a:pPr marL="228594" lvl="4">
@@ -2446,24 +3955,23 @@
               </a:spcBef>
             </a:pPr>
             <a:r>
-              <a:rPr lang="en-US" sz="2800" dirty="0"/>
+              <a:rPr lang="en-US" sz="2800" dirty="0">
+                <a:latin typeface="Arial" pitchFamily="34" charset="0"/>
+                <a:cs typeface="Arial" pitchFamily="34" charset="0"/>
+              </a:rPr>
               <a:t>No </a:t>
             </a:r>
             <a:r>
-              <a:rPr lang="en-US" sz="2800" dirty="0" smtClean="0"/>
+              <a:rPr lang="en-US" sz="2800" dirty="0" smtClean="0">
+                <a:latin typeface="Arial" pitchFamily="34" charset="0"/>
+                <a:cs typeface="Arial" pitchFamily="34" charset="0"/>
+              </a:rPr>
               <a:t>Paragraphs</a:t>
             </a:r>
-          </a:p>
-          <a:p>
-            <a:pPr marL="725476" lvl="2" indent="-268288">
-              <a:tabLst>
-                <a:tab pos="268288" algn="l"/>
-              </a:tabLst>
-            </a:pPr>
-            <a:r>
-              <a:rPr lang="en-US" dirty="0" smtClean="0"/>
-              <a:t>Use the PowerPoint to illustrate your points and reinforce what you are saying</a:t>
-            </a:r>
+            <a:endParaRPr lang="en-US" dirty="0" smtClean="0">
+              <a:latin typeface="Arial" pitchFamily="34" charset="0"/>
+              <a:cs typeface="Arial" pitchFamily="34" charset="0"/>
+            </a:endParaRPr>
           </a:p>
           <a:p>
             <a:pPr marL="228594" lvl="4">
@@ -2472,33 +3980,16 @@
               </a:spcBef>
             </a:pPr>
             <a:r>
-              <a:rPr lang="en-US" sz="2800" dirty="0" smtClean="0"/>
+              <a:rPr lang="en-US" sz="2800" dirty="0" smtClean="0">
+                <a:latin typeface="Arial" pitchFamily="34" charset="0"/>
+                <a:cs typeface="Arial" pitchFamily="34" charset="0"/>
+              </a:rPr>
               <a:t>Use dark text on a light background</a:t>
             </a:r>
-            <a:endParaRPr lang="en-US" sz="2800" dirty="0"/>
-          </a:p>
-          <a:p>
-            <a:pPr marL="725476" lvl="2" indent="-268288">
-              <a:tabLst>
-                <a:tab pos="268288" algn="l"/>
-              </a:tabLst>
-            </a:pPr>
-            <a:r>
-              <a:rPr lang="en-US" dirty="0" smtClean="0"/>
-              <a:t>Especially if presenting to a large audience in an auditorium</a:t>
-            </a:r>
-          </a:p>
-          <a:p>
-            <a:pPr marL="1182665" lvl="3" indent="-268288">
-              <a:tabLst>
-                <a:tab pos="268288" algn="l"/>
-              </a:tabLst>
-            </a:pPr>
-            <a:r>
-              <a:rPr lang="en-US" dirty="0" smtClean="0"/>
-              <a:t>Light text on a dark background can be more difficult to read if room lighting is not managed correctly</a:t>
-            </a:r>
-            <a:endParaRPr lang="en-US" dirty="0"/>
+            <a:endParaRPr lang="en-US" sz="2800" dirty="0">
+              <a:latin typeface="Arial" pitchFamily="34" charset="0"/>
+              <a:cs typeface="Arial" pitchFamily="34" charset="0"/>
+            </a:endParaRPr>
           </a:p>
           <a:p>
             <a:pPr marL="228594" lvl="4">
@@ -2510,33 +4001,23 @@
               </a:tabLst>
             </a:pPr>
             <a:r>
-              <a:rPr lang="en-US" sz="2800" dirty="0"/>
-              <a:t>Align left or right </a:t>
-            </a:r>
-            <a:endParaRPr lang="en-US" sz="2800" dirty="0" smtClean="0"/>
-          </a:p>
-          <a:p>
-            <a:pPr marL="725476" lvl="2" indent="-268288">
-              <a:tabLst>
-                <a:tab pos="268288" algn="l"/>
-              </a:tabLst>
-            </a:pPr>
-            <a:r>
-              <a:rPr lang="en-US" dirty="0"/>
-              <a:t>centered </a:t>
+              <a:rPr lang="en-US" sz="2800" dirty="0" smtClean="0">
+                <a:latin typeface="Arial" pitchFamily="34" charset="0"/>
+                <a:cs typeface="Arial" pitchFamily="34" charset="0"/>
+              </a:rPr>
+              <a:t>Align </a:t>
             </a:r>
             <a:r>
-              <a:rPr lang="en-US" dirty="0"/>
-              <a:t>text is harder to read</a:t>
+              <a:rPr lang="en-US" sz="2800" dirty="0">
+                <a:latin typeface="Arial" pitchFamily="34" charset="0"/>
+                <a:cs typeface="Arial" pitchFamily="34" charset="0"/>
+              </a:rPr>
+              <a:t>left or right </a:t>
             </a:r>
-          </a:p>
-          <a:p>
-            <a:pPr marL="725476" lvl="2" indent="-268288">
-              <a:tabLst>
-                <a:tab pos="268288" algn="l"/>
-              </a:tabLst>
-            </a:pPr>
-            <a:endParaRPr lang="en-US" dirty="0"/>
+            <a:endParaRPr lang="en-US" sz="2800" dirty="0" smtClean="0">
+              <a:latin typeface="Arial" pitchFamily="34" charset="0"/>
+              <a:cs typeface="Arial" pitchFamily="34" charset="0"/>
+            </a:endParaRPr>
           </a:p>
         </p:txBody>
       </p:sp>
@@ -2716,16 +4197,18 @@
       </p:sp>
       <p:sp>
         <p:nvSpPr>
-          <p:cNvPr id="6" name="Title 1"/>
-          <p:cNvSpPr txBox="1">
-            <a:spLocks/>
+          <p:cNvPr id="2" name="Title 1"/>
+          <p:cNvSpPr>
+            <a:spLocks noGrp="1"/>
           </p:cNvSpPr>
-          <p:nvPr/>
-        </p:nvSpPr>
-        <p:spPr>
-          <a:xfrm>
-            <a:off x="838200" y="365125"/>
-            <a:ext cx="10515600" cy="662781"/>
+          <p:nvPr>
+            <p:ph type="ctrTitle" idx="4294967295"/>
+          </p:nvPr>
+        </p:nvSpPr>
+        <p:spPr>
+          <a:xfrm>
+            <a:off x="1524000" y="1122363"/>
+            <a:ext cx="9144000" cy="2387600"/>
           </a:xfrm>
           <a:prstGeom prst="rect">
             <a:avLst/>
@@ -2733,308 +4216,21 @@
         </p:spPr>
         <p:txBody>
           <a:bodyPr/>
-          <a:lstStyle>
-            <a:lvl1pPr algn="l" defTabSz="914377" rtl="0" eaLnBrk="1" latinLnBrk="0" hangingPunct="1">
-              <a:lnSpc>
-                <a:spcPct val="90000"/>
-              </a:lnSpc>
-              <a:spcBef>
-                <a:spcPct val="0"/>
-              </a:spcBef>
-              <a:buNone/>
-              <a:defRPr sz="4400" kern="1200">
-                <a:solidFill>
-                  <a:schemeClr val="tx1"/>
-                </a:solidFill>
-                <a:latin typeface="+mj-lt"/>
-                <a:ea typeface="+mj-ea"/>
-                <a:cs typeface="+mj-cs"/>
-              </a:defRPr>
-            </a:lvl1pPr>
-          </a:lstStyle>
+          <a:lstStyle/>
           <a:p>
             <a:r>
-              <a:rPr lang="en-US" dirty="0" smtClean="0"/>
-              <a:t>Images</a:t>
+              <a:rPr lang="en-NZ" dirty="0" smtClean="0"/>
+              <a:t>   </a:t>
             </a:r>
             <a:endParaRPr lang="en-NZ" dirty="0"/>
           </a:p>
         </p:txBody>
       </p:sp>
-      <p:sp>
-        <p:nvSpPr>
-          <p:cNvPr id="7" name="Content Placeholder 2"/>
-          <p:cNvSpPr txBox="1">
-            <a:spLocks/>
-          </p:cNvSpPr>
-          <p:nvPr/>
-        </p:nvSpPr>
-        <p:spPr>
-          <a:xfrm>
-            <a:off x="863367" y="1098958"/>
-            <a:ext cx="6141440" cy="5010893"/>
-          </a:xfrm>
-          <a:prstGeom prst="rect">
-            <a:avLst/>
-          </a:prstGeom>
-        </p:spPr>
-        <p:txBody>
-          <a:bodyPr/>
-          <a:lstStyle>
-            <a:lvl1pPr marL="228594" indent="-228594" algn="l" defTabSz="914377" rtl="0" eaLnBrk="1" latinLnBrk="0" hangingPunct="1">
-              <a:lnSpc>
-                <a:spcPct val="90000"/>
-              </a:lnSpc>
-              <a:spcBef>
-                <a:spcPts val="1000"/>
-              </a:spcBef>
-              <a:buFont typeface="Arial" panose="020B0604020202020204" pitchFamily="34" charset="0"/>
-              <a:buChar char="•"/>
-              <a:defRPr sz="2800" kern="1200">
-                <a:solidFill>
-                  <a:schemeClr val="tx1"/>
-                </a:solidFill>
-                <a:latin typeface="+mn-lt"/>
-                <a:ea typeface="+mn-ea"/>
-                <a:cs typeface="+mn-cs"/>
-              </a:defRPr>
-            </a:lvl1pPr>
-            <a:lvl2pPr marL="685783" indent="-228594" algn="l" defTabSz="914377" rtl="0" eaLnBrk="1" latinLnBrk="0" hangingPunct="1">
-              <a:lnSpc>
-                <a:spcPct val="90000"/>
-              </a:lnSpc>
-              <a:spcBef>
-                <a:spcPts val="500"/>
-              </a:spcBef>
-              <a:buFont typeface="Arial" panose="020B0604020202020204" pitchFamily="34" charset="0"/>
-              <a:buChar char="•"/>
-              <a:defRPr sz="2400" kern="1200">
-                <a:solidFill>
-                  <a:schemeClr val="tx1"/>
-                </a:solidFill>
-                <a:latin typeface="+mn-lt"/>
-                <a:ea typeface="+mn-ea"/>
-                <a:cs typeface="+mn-cs"/>
-              </a:defRPr>
-            </a:lvl2pPr>
-            <a:lvl3pPr marL="1142971" indent="-228594" algn="l" defTabSz="914377" rtl="0" eaLnBrk="1" latinLnBrk="0" hangingPunct="1">
-              <a:lnSpc>
-                <a:spcPct val="90000"/>
-              </a:lnSpc>
-              <a:spcBef>
-                <a:spcPts val="500"/>
-              </a:spcBef>
-              <a:buFont typeface="Arial" panose="020B0604020202020204" pitchFamily="34" charset="0"/>
-              <a:buChar char="•"/>
-              <a:defRPr sz="2000" kern="1200">
-                <a:solidFill>
-                  <a:schemeClr val="tx1"/>
-                </a:solidFill>
-                <a:latin typeface="+mn-lt"/>
-                <a:ea typeface="+mn-ea"/>
-                <a:cs typeface="+mn-cs"/>
-              </a:defRPr>
-            </a:lvl3pPr>
-            <a:lvl4pPr marL="1600160" indent="-228594" algn="l" defTabSz="914377" rtl="0" eaLnBrk="1" latinLnBrk="0" hangingPunct="1">
-              <a:lnSpc>
-                <a:spcPct val="90000"/>
-              </a:lnSpc>
-              <a:spcBef>
-                <a:spcPts val="500"/>
-              </a:spcBef>
-              <a:buFont typeface="Arial" panose="020B0604020202020204" pitchFamily="34" charset="0"/>
-              <a:buChar char="•"/>
-              <a:defRPr sz="1800" kern="1200">
-                <a:solidFill>
-                  <a:schemeClr val="tx1"/>
-                </a:solidFill>
-                <a:latin typeface="+mn-lt"/>
-                <a:ea typeface="+mn-ea"/>
-                <a:cs typeface="+mn-cs"/>
-              </a:defRPr>
-            </a:lvl4pPr>
-            <a:lvl5pPr marL="2057349" indent="-228594" algn="l" defTabSz="914377" rtl="0" eaLnBrk="1" latinLnBrk="0" hangingPunct="1">
-              <a:lnSpc>
-                <a:spcPct val="90000"/>
-              </a:lnSpc>
-              <a:spcBef>
-                <a:spcPts val="500"/>
-              </a:spcBef>
-              <a:buFont typeface="Arial" panose="020B0604020202020204" pitchFamily="34" charset="0"/>
-              <a:buChar char="•"/>
-              <a:defRPr sz="1800" kern="1200">
-                <a:solidFill>
-                  <a:schemeClr val="tx1"/>
-                </a:solidFill>
-                <a:latin typeface="+mn-lt"/>
-                <a:ea typeface="+mn-ea"/>
-                <a:cs typeface="+mn-cs"/>
-              </a:defRPr>
-            </a:lvl5pPr>
-            <a:lvl6pPr marL="2514537" indent="-228594" algn="l" defTabSz="914377" rtl="0" eaLnBrk="1" latinLnBrk="0" hangingPunct="1">
-              <a:lnSpc>
-                <a:spcPct val="90000"/>
-              </a:lnSpc>
-              <a:spcBef>
-                <a:spcPts val="500"/>
-              </a:spcBef>
-              <a:buFont typeface="Arial" panose="020B0604020202020204" pitchFamily="34" charset="0"/>
-              <a:buChar char="•"/>
-              <a:defRPr sz="1800" kern="1200">
-                <a:solidFill>
-                  <a:schemeClr val="tx1"/>
-                </a:solidFill>
-                <a:latin typeface="+mn-lt"/>
-                <a:ea typeface="+mn-ea"/>
-                <a:cs typeface="+mn-cs"/>
-              </a:defRPr>
-            </a:lvl6pPr>
-            <a:lvl7pPr marL="2971726" indent="-228594" algn="l" defTabSz="914377" rtl="0" eaLnBrk="1" latinLnBrk="0" hangingPunct="1">
-              <a:lnSpc>
-                <a:spcPct val="90000"/>
-              </a:lnSpc>
-              <a:spcBef>
-                <a:spcPts val="500"/>
-              </a:spcBef>
-              <a:buFont typeface="Arial" panose="020B0604020202020204" pitchFamily="34" charset="0"/>
-              <a:buChar char="•"/>
-              <a:defRPr sz="1800" kern="1200">
-                <a:solidFill>
-                  <a:schemeClr val="tx1"/>
-                </a:solidFill>
-                <a:latin typeface="+mn-lt"/>
-                <a:ea typeface="+mn-ea"/>
-                <a:cs typeface="+mn-cs"/>
-              </a:defRPr>
-            </a:lvl7pPr>
-            <a:lvl8pPr marL="3428914" indent="-228594" algn="l" defTabSz="914377" rtl="0" eaLnBrk="1" latinLnBrk="0" hangingPunct="1">
-              <a:lnSpc>
-                <a:spcPct val="90000"/>
-              </a:lnSpc>
-              <a:spcBef>
-                <a:spcPts val="500"/>
-              </a:spcBef>
-              <a:buFont typeface="Arial" panose="020B0604020202020204" pitchFamily="34" charset="0"/>
-              <a:buChar char="•"/>
-              <a:defRPr sz="1800" kern="1200">
-                <a:solidFill>
-                  <a:schemeClr val="tx1"/>
-                </a:solidFill>
-                <a:latin typeface="+mn-lt"/>
-                <a:ea typeface="+mn-ea"/>
-                <a:cs typeface="+mn-cs"/>
-              </a:defRPr>
-            </a:lvl8pPr>
-            <a:lvl9pPr marL="3886103" indent="-228594" algn="l" defTabSz="914377" rtl="0" eaLnBrk="1" latinLnBrk="0" hangingPunct="1">
-              <a:lnSpc>
-                <a:spcPct val="90000"/>
-              </a:lnSpc>
-              <a:spcBef>
-                <a:spcPts val="500"/>
-              </a:spcBef>
-              <a:buFont typeface="Arial" panose="020B0604020202020204" pitchFamily="34" charset="0"/>
-              <a:buChar char="•"/>
-              <a:defRPr sz="1800" kern="1200">
-                <a:solidFill>
-                  <a:schemeClr val="tx1"/>
-                </a:solidFill>
-                <a:latin typeface="+mn-lt"/>
-                <a:ea typeface="+mn-ea"/>
-                <a:cs typeface="+mn-cs"/>
-              </a:defRPr>
-            </a:lvl9pPr>
-          </a:lstStyle>
-          <a:p>
-            <a:r>
-              <a:rPr lang="en-US" dirty="0" smtClean="0"/>
-              <a:t>Images are important for MSL Presentations</a:t>
-            </a:r>
-          </a:p>
-          <a:p>
-            <a:pPr marL="228594" lvl="1">
-              <a:spcBef>
-                <a:spcPts val="1000"/>
-              </a:spcBef>
-              <a:tabLst>
-                <a:tab pos="268288" algn="l"/>
-              </a:tabLst>
-            </a:pPr>
-            <a:r>
-              <a:rPr lang="en-US" sz="2800" dirty="0"/>
-              <a:t>Images can be placed at the side of the text or below </a:t>
-            </a:r>
-            <a:r>
-              <a:rPr lang="en-US" sz="2800" dirty="0" smtClean="0"/>
-              <a:t>- which </a:t>
-            </a:r>
-            <a:r>
-              <a:rPr lang="en-US" sz="2800" dirty="0"/>
-              <a:t>ever looks the </a:t>
-            </a:r>
-            <a:r>
-              <a:rPr lang="en-US" sz="2800" dirty="0" smtClean="0"/>
-              <a:t>best</a:t>
-            </a:r>
-          </a:p>
-          <a:p>
-            <a:pPr marL="228594" lvl="1">
-              <a:spcBef>
-                <a:spcPts val="1000"/>
-              </a:spcBef>
-              <a:tabLst>
-                <a:tab pos="268288" algn="l"/>
-              </a:tabLst>
-            </a:pPr>
-            <a:r>
-              <a:rPr lang="en-US" sz="2800" dirty="0" smtClean="0"/>
-              <a:t>Use more slides and less crowding if you have a lot of images. </a:t>
-            </a:r>
-          </a:p>
-          <a:p>
-            <a:pPr marL="228594" lvl="1">
-              <a:spcBef>
-                <a:spcPts val="1000"/>
-              </a:spcBef>
-              <a:tabLst>
-                <a:tab pos="268288" algn="l"/>
-              </a:tabLst>
-            </a:pPr>
-            <a:r>
-              <a:rPr lang="en-US" sz="2800" dirty="0" smtClean="0"/>
-              <a:t>On each slide only use images that support the message of that slide</a:t>
-            </a:r>
-          </a:p>
-          <a:p>
-            <a:pPr marL="0" lvl="1" indent="0">
-              <a:spcBef>
-                <a:spcPts val="1000"/>
-              </a:spcBef>
-              <a:buNone/>
-              <a:tabLst>
-                <a:tab pos="268288" algn="l"/>
-              </a:tabLst>
-            </a:pPr>
-            <a:endParaRPr lang="en-US" sz="2800" dirty="0" smtClean="0"/>
-          </a:p>
-          <a:p>
-            <a:pPr marL="0" lvl="1" indent="0">
-              <a:spcBef>
-                <a:spcPts val="1000"/>
-              </a:spcBef>
-              <a:buNone/>
-              <a:tabLst>
-                <a:tab pos="268288" algn="l"/>
-              </a:tabLst>
-            </a:pPr>
-            <a:endParaRPr lang="en-US" sz="2800" dirty="0"/>
-          </a:p>
-        </p:txBody>
-      </p:sp>
       <p:pic>
         <p:nvPicPr>
-          <p:cNvPr id="2050" name="Picture 2"/>
+          <p:cNvPr id="3" name="Picture 2"/>
           <p:cNvPicPr>
-            <a:picLocks noChangeAspect="1" noChangeArrowheads="1"/>
+            <a:picLocks noChangeAspect="1"/>
           </p:cNvPicPr>
           <p:nvPr/>
         </p:nvPicPr>
@@ -3046,58 +4242,24 @@
               </a:ext>
             </a:extLst>
           </a:blip>
-          <a:srcRect/>
           <a:stretch>
             <a:fillRect/>
           </a:stretch>
         </p:blipFill>
-        <p:spPr bwMode="auto">
-          <a:xfrm>
-            <a:off x="7510288" y="931515"/>
-            <a:ext cx="3843512" cy="5480001"/>
+        <p:spPr>
+          <a:xfrm>
+            <a:off x="1573131" y="1050682"/>
+            <a:ext cx="9045737" cy="4756635"/>
           </a:xfrm>
           <a:prstGeom prst="rect">
             <a:avLst/>
           </a:prstGeom>
-          <a:noFill/>
-          <a:ln>
-            <a:noFill/>
-          </a:ln>
-          <a:effectLst/>
-          <a:extLst>
-            <a:ext uri="{909E8E84-426E-40DD-AFC4-6F175D3DCCD1}">
-              <a14:hiddenFill xmlns:a14="http://schemas.microsoft.com/office/drawing/2010/main">
-                <a:solidFill>
-                  <a:schemeClr val="accent1"/>
-                </a:solidFill>
-              </a14:hiddenFill>
-            </a:ext>
-            <a:ext uri="{91240B29-F687-4F45-9708-019B960494DF}">
-              <a14:hiddenLine xmlns:a14="http://schemas.microsoft.com/office/drawing/2010/main" w="9525">
-                <a:solidFill>
-                  <a:schemeClr val="tx1"/>
-                </a:solidFill>
-                <a:miter lim="800000"/>
-                <a:headEnd/>
-                <a:tailEnd/>
-              </a14:hiddenLine>
-            </a:ext>
-            <a:ext uri="{AF507438-7753-43E0-B8FC-AC1667EBCBE1}">
-              <a14:hiddenEffects xmlns:a14="http://schemas.microsoft.com/office/drawing/2010/main">
-                <a:effectLst>
-                  <a:outerShdw dist="35921" dir="2700000" algn="ctr" rotWithShape="0">
-                    <a:schemeClr val="bg2"/>
-                  </a:outerShdw>
-                </a:effectLst>
-              </a14:hiddenEffects>
-            </a:ext>
-          </a:extLst>
         </p:spPr>
       </p:pic>
     </p:spTree>
     <p:extLst>
       <p:ext uri="{BB962C8B-B14F-4D97-AF65-F5344CB8AC3E}">
-        <p14:creationId xmlns:p14="http://schemas.microsoft.com/office/powerpoint/2010/main" val="2200496139"/>
+        <p14:creationId xmlns:p14="http://schemas.microsoft.com/office/powerpoint/2010/main" val="1889264246"/>
       </p:ext>
     </p:extLst>
   </p:cSld>
@@ -3241,6 +4403,37 @@
       </p:sp>
       <p:sp>
         <p:nvSpPr>
+          <p:cNvPr id="2" name="Title 1"/>
+          <p:cNvSpPr>
+            <a:spLocks noGrp="1"/>
+          </p:cNvSpPr>
+          <p:nvPr>
+            <p:ph type="ctrTitle" idx="4294967295"/>
+          </p:nvPr>
+        </p:nvSpPr>
+        <p:spPr>
+          <a:xfrm>
+            <a:off x="1524000" y="1122363"/>
+            <a:ext cx="9144000" cy="2387600"/>
+          </a:xfrm>
+          <a:prstGeom prst="rect">
+            <a:avLst/>
+          </a:prstGeom>
+        </p:spPr>
+        <p:txBody>
+          <a:bodyPr/>
+          <a:lstStyle/>
+          <a:p>
+            <a:r>
+              <a:rPr lang="en-NZ" dirty="0" smtClean="0"/>
+              <a:t>   </a:t>
+            </a:r>
+            <a:endParaRPr lang="en-NZ" dirty="0"/>
+          </a:p>
+        </p:txBody>
+      </p:sp>
+      <p:sp>
+        <p:nvSpPr>
           <p:cNvPr id="6" name="Title 1"/>
           <p:cNvSpPr txBox="1">
             <a:spLocks/>
@@ -3249,8 +4442,8 @@
         </p:nvSpPr>
         <p:spPr>
           <a:xfrm>
-            <a:off x="838200" y="365125"/>
-            <a:ext cx="10515600" cy="662781"/>
+            <a:off x="838199" y="365125"/>
+            <a:ext cx="11057389" cy="662781"/>
           </a:xfrm>
           <a:prstGeom prst="rect">
             <a:avLst/>
@@ -3279,404 +4472,23 @@
           </a:lstStyle>
           <a:p>
             <a:r>
-              <a:rPr lang="en-US" dirty="0" smtClean="0"/>
-              <a:t>Other hints and tips</a:t>
+              <a:rPr lang="en-US" dirty="0" smtClean="0">
+                <a:latin typeface="Arial" pitchFamily="34" charset="0"/>
+                <a:cs typeface="Arial" pitchFamily="34" charset="0"/>
+              </a:rPr>
+              <a:t>Forcing Mechanisms</a:t>
             </a:r>
-            <a:endParaRPr lang="en-NZ" dirty="0"/>
-          </a:p>
-        </p:txBody>
-      </p:sp>
-      <p:sp>
-        <p:nvSpPr>
-          <p:cNvPr id="7" name="Content Placeholder 2"/>
-          <p:cNvSpPr txBox="1">
-            <a:spLocks/>
-          </p:cNvSpPr>
-          <p:nvPr/>
-        </p:nvSpPr>
-        <p:spPr>
-          <a:xfrm>
-            <a:off x="863367" y="1166070"/>
-            <a:ext cx="10201264" cy="5010893"/>
-          </a:xfrm>
-          <a:prstGeom prst="rect">
-            <a:avLst/>
-          </a:prstGeom>
-        </p:spPr>
-        <p:txBody>
-          <a:bodyPr/>
-          <a:lstStyle>
-            <a:lvl1pPr marL="228594" indent="-228594" algn="l" defTabSz="914377" rtl="0" eaLnBrk="1" latinLnBrk="0" hangingPunct="1">
-              <a:lnSpc>
-                <a:spcPct val="90000"/>
-              </a:lnSpc>
-              <a:spcBef>
-                <a:spcPts val="1000"/>
-              </a:spcBef>
-              <a:buFont typeface="Arial" panose="020B0604020202020204" pitchFamily="34" charset="0"/>
-              <a:buChar char="•"/>
-              <a:defRPr sz="2800" kern="1200">
-                <a:solidFill>
-                  <a:schemeClr val="tx1"/>
-                </a:solidFill>
-                <a:latin typeface="+mn-lt"/>
-                <a:ea typeface="+mn-ea"/>
-                <a:cs typeface="+mn-cs"/>
-              </a:defRPr>
-            </a:lvl1pPr>
-            <a:lvl2pPr marL="685783" indent="-228594" algn="l" defTabSz="914377" rtl="0" eaLnBrk="1" latinLnBrk="0" hangingPunct="1">
-              <a:lnSpc>
-                <a:spcPct val="90000"/>
-              </a:lnSpc>
-              <a:spcBef>
-                <a:spcPts val="500"/>
-              </a:spcBef>
-              <a:buFont typeface="Arial" panose="020B0604020202020204" pitchFamily="34" charset="0"/>
-              <a:buChar char="•"/>
-              <a:defRPr sz="2400" kern="1200">
-                <a:solidFill>
-                  <a:schemeClr val="tx1"/>
-                </a:solidFill>
-                <a:latin typeface="+mn-lt"/>
-                <a:ea typeface="+mn-ea"/>
-                <a:cs typeface="+mn-cs"/>
-              </a:defRPr>
-            </a:lvl2pPr>
-            <a:lvl3pPr marL="1142971" indent="-228594" algn="l" defTabSz="914377" rtl="0" eaLnBrk="1" latinLnBrk="0" hangingPunct="1">
-              <a:lnSpc>
-                <a:spcPct val="90000"/>
-              </a:lnSpc>
-              <a:spcBef>
-                <a:spcPts val="500"/>
-              </a:spcBef>
-              <a:buFont typeface="Arial" panose="020B0604020202020204" pitchFamily="34" charset="0"/>
-              <a:buChar char="•"/>
-              <a:defRPr sz="2000" kern="1200">
-                <a:solidFill>
-                  <a:schemeClr val="tx1"/>
-                </a:solidFill>
-                <a:latin typeface="+mn-lt"/>
-                <a:ea typeface="+mn-ea"/>
-                <a:cs typeface="+mn-cs"/>
-              </a:defRPr>
-            </a:lvl3pPr>
-            <a:lvl4pPr marL="1600160" indent="-228594" algn="l" defTabSz="914377" rtl="0" eaLnBrk="1" latinLnBrk="0" hangingPunct="1">
-              <a:lnSpc>
-                <a:spcPct val="90000"/>
-              </a:lnSpc>
-              <a:spcBef>
-                <a:spcPts val="500"/>
-              </a:spcBef>
-              <a:buFont typeface="Arial" panose="020B0604020202020204" pitchFamily="34" charset="0"/>
-              <a:buChar char="•"/>
-              <a:defRPr sz="1800" kern="1200">
-                <a:solidFill>
-                  <a:schemeClr val="tx1"/>
-                </a:solidFill>
-                <a:latin typeface="+mn-lt"/>
-                <a:ea typeface="+mn-ea"/>
-                <a:cs typeface="+mn-cs"/>
-              </a:defRPr>
-            </a:lvl4pPr>
-            <a:lvl5pPr marL="2057349" indent="-228594" algn="l" defTabSz="914377" rtl="0" eaLnBrk="1" latinLnBrk="0" hangingPunct="1">
-              <a:lnSpc>
-                <a:spcPct val="90000"/>
-              </a:lnSpc>
-              <a:spcBef>
-                <a:spcPts val="500"/>
-              </a:spcBef>
-              <a:buFont typeface="Arial" panose="020B0604020202020204" pitchFamily="34" charset="0"/>
-              <a:buChar char="•"/>
-              <a:defRPr sz="1800" kern="1200">
-                <a:solidFill>
-                  <a:schemeClr val="tx1"/>
-                </a:solidFill>
-                <a:latin typeface="+mn-lt"/>
-                <a:ea typeface="+mn-ea"/>
-                <a:cs typeface="+mn-cs"/>
-              </a:defRPr>
-            </a:lvl5pPr>
-            <a:lvl6pPr marL="2514537" indent="-228594" algn="l" defTabSz="914377" rtl="0" eaLnBrk="1" latinLnBrk="0" hangingPunct="1">
-              <a:lnSpc>
-                <a:spcPct val="90000"/>
-              </a:lnSpc>
-              <a:spcBef>
-                <a:spcPts val="500"/>
-              </a:spcBef>
-              <a:buFont typeface="Arial" panose="020B0604020202020204" pitchFamily="34" charset="0"/>
-              <a:buChar char="•"/>
-              <a:defRPr sz="1800" kern="1200">
-                <a:solidFill>
-                  <a:schemeClr val="tx1"/>
-                </a:solidFill>
-                <a:latin typeface="+mn-lt"/>
-                <a:ea typeface="+mn-ea"/>
-                <a:cs typeface="+mn-cs"/>
-              </a:defRPr>
-            </a:lvl6pPr>
-            <a:lvl7pPr marL="2971726" indent="-228594" algn="l" defTabSz="914377" rtl="0" eaLnBrk="1" latinLnBrk="0" hangingPunct="1">
-              <a:lnSpc>
-                <a:spcPct val="90000"/>
-              </a:lnSpc>
-              <a:spcBef>
-                <a:spcPts val="500"/>
-              </a:spcBef>
-              <a:buFont typeface="Arial" panose="020B0604020202020204" pitchFamily="34" charset="0"/>
-              <a:buChar char="•"/>
-              <a:defRPr sz="1800" kern="1200">
-                <a:solidFill>
-                  <a:schemeClr val="tx1"/>
-                </a:solidFill>
-                <a:latin typeface="+mn-lt"/>
-                <a:ea typeface="+mn-ea"/>
-                <a:cs typeface="+mn-cs"/>
-              </a:defRPr>
-            </a:lvl7pPr>
-            <a:lvl8pPr marL="3428914" indent="-228594" algn="l" defTabSz="914377" rtl="0" eaLnBrk="1" latinLnBrk="0" hangingPunct="1">
-              <a:lnSpc>
-                <a:spcPct val="90000"/>
-              </a:lnSpc>
-              <a:spcBef>
-                <a:spcPts val="500"/>
-              </a:spcBef>
-              <a:buFont typeface="Arial" panose="020B0604020202020204" pitchFamily="34" charset="0"/>
-              <a:buChar char="•"/>
-              <a:defRPr sz="1800" kern="1200">
-                <a:solidFill>
-                  <a:schemeClr val="tx1"/>
-                </a:solidFill>
-                <a:latin typeface="+mn-lt"/>
-                <a:ea typeface="+mn-ea"/>
-                <a:cs typeface="+mn-cs"/>
-              </a:defRPr>
-            </a:lvl8pPr>
-            <a:lvl9pPr marL="3886103" indent="-228594" algn="l" defTabSz="914377" rtl="0" eaLnBrk="1" latinLnBrk="0" hangingPunct="1">
-              <a:lnSpc>
-                <a:spcPct val="90000"/>
-              </a:lnSpc>
-              <a:spcBef>
-                <a:spcPts val="500"/>
-              </a:spcBef>
-              <a:buFont typeface="Arial" panose="020B0604020202020204" pitchFamily="34" charset="0"/>
-              <a:buChar char="•"/>
-              <a:defRPr sz="1800" kern="1200">
-                <a:solidFill>
-                  <a:schemeClr val="tx1"/>
-                </a:solidFill>
-                <a:latin typeface="+mn-lt"/>
-                <a:ea typeface="+mn-ea"/>
-                <a:cs typeface="+mn-cs"/>
-              </a:defRPr>
-            </a:lvl9pPr>
-          </a:lstStyle>
-          <a:p>
-            <a:pPr marL="0" lvl="1" indent="0">
-              <a:spcBef>
-                <a:spcPts val="1000"/>
-              </a:spcBef>
-              <a:buNone/>
-              <a:tabLst>
-                <a:tab pos="268288" algn="l"/>
-              </a:tabLst>
-            </a:pPr>
-            <a:endParaRPr lang="en-US" sz="2800" dirty="0"/>
-          </a:p>
-        </p:txBody>
-      </p:sp>
-      <p:sp>
-        <p:nvSpPr>
-          <p:cNvPr id="2" name="Rectangle 1"/>
-          <p:cNvSpPr/>
-          <p:nvPr/>
-        </p:nvSpPr>
-        <p:spPr>
-          <a:xfrm>
-            <a:off x="863367" y="1121434"/>
-            <a:ext cx="9004545" cy="2952603"/>
-          </a:xfrm>
-          <a:prstGeom prst="rect">
-            <a:avLst/>
-          </a:prstGeom>
-        </p:spPr>
-        <p:txBody>
-          <a:bodyPr wrap="square">
-            <a:spAutoFit/>
-          </a:bodyPr>
-          <a:lstStyle/>
-          <a:p>
-            <a:pPr marL="227013" indent="-227013" defTabSz="914377">
-              <a:lnSpc>
-                <a:spcPct val="90000"/>
-              </a:lnSpc>
-              <a:spcBef>
-                <a:spcPts val="1000"/>
-              </a:spcBef>
-              <a:buFont typeface="Arial" panose="020B0604020202020204" pitchFamily="34" charset="0"/>
-              <a:buChar char="•"/>
-            </a:pPr>
-            <a:r>
-              <a:rPr lang="en-NZ" sz="2800" dirty="0" smtClean="0"/>
-              <a:t>Have a beginning, a middle and an end</a:t>
-            </a:r>
-          </a:p>
-          <a:p>
-            <a:pPr marL="725476" lvl="2" indent="-268288" defTabSz="914377">
-              <a:lnSpc>
-                <a:spcPct val="90000"/>
-              </a:lnSpc>
-              <a:spcBef>
-                <a:spcPts val="500"/>
-              </a:spcBef>
-              <a:buFont typeface="Arial" panose="020B0604020202020204" pitchFamily="34" charset="0"/>
-              <a:buChar char="•"/>
-              <a:tabLst>
-                <a:tab pos="268288" algn="l"/>
-              </a:tabLst>
-            </a:pPr>
-            <a:r>
-              <a:rPr lang="en-NZ" sz="2000" dirty="0" smtClean="0"/>
-              <a:t>Tell </a:t>
-            </a:r>
-            <a:r>
-              <a:rPr lang="en-NZ" sz="2000" dirty="0"/>
-              <a:t>your audience what you are going to tell them, tell it, and then summarize it</a:t>
-            </a:r>
-            <a:r>
-              <a:rPr lang="en-NZ" sz="2000" dirty="0"/>
-              <a:t>. </a:t>
-            </a:r>
-            <a:endParaRPr lang="en-NZ" sz="2000" dirty="0" smtClean="0"/>
-          </a:p>
-          <a:p>
-            <a:pPr marL="725476" lvl="2" indent="-268288" defTabSz="914377">
-              <a:lnSpc>
-                <a:spcPct val="90000"/>
-              </a:lnSpc>
-              <a:spcBef>
-                <a:spcPts val="500"/>
-              </a:spcBef>
-              <a:buFont typeface="Arial" panose="020B0604020202020204" pitchFamily="34" charset="0"/>
-              <a:buChar char="•"/>
-              <a:tabLst>
-                <a:tab pos="268288" algn="l"/>
-              </a:tabLst>
-            </a:pPr>
-            <a:r>
-              <a:rPr lang="en-NZ" sz="2000" dirty="0" smtClean="0"/>
-              <a:t>Having trouble? Write </a:t>
-            </a:r>
-            <a:r>
-              <a:rPr lang="en-NZ" sz="2000" dirty="0"/>
-              <a:t>your last slide first - if you don't know where you are going, it is unlikely you will be able to get </a:t>
-            </a:r>
-            <a:r>
-              <a:rPr lang="en-NZ" sz="2000" dirty="0" smtClean="0"/>
-              <a:t>there</a:t>
-            </a:r>
-          </a:p>
-          <a:p>
-            <a:pPr marL="1182676" lvl="3" indent="-268288" defTabSz="914377">
-              <a:lnSpc>
-                <a:spcPct val="90000"/>
-              </a:lnSpc>
-              <a:spcBef>
-                <a:spcPts val="500"/>
-              </a:spcBef>
-              <a:buFont typeface="Arial" panose="020B0604020202020204" pitchFamily="34" charset="0"/>
-              <a:buChar char="•"/>
-              <a:tabLst>
-                <a:tab pos="268288" algn="l"/>
-              </a:tabLst>
-            </a:pPr>
-            <a:r>
-              <a:rPr lang="en-NZ" sz="2000" dirty="0" smtClean="0"/>
-              <a:t> </a:t>
-            </a:r>
-            <a:r>
-              <a:rPr lang="en-NZ" sz="2000" dirty="0"/>
-              <a:t>Plan your conclusion first; know what you want to convey. Make the rest of your slides lead to and support the final result.</a:t>
-            </a:r>
-            <a:endParaRPr lang="en-NZ" sz="2000" dirty="0" smtClean="0"/>
-          </a:p>
-          <a:p>
-            <a:pPr marL="725476" lvl="2" indent="-268288" defTabSz="914377">
-              <a:lnSpc>
-                <a:spcPct val="90000"/>
-              </a:lnSpc>
-              <a:spcBef>
-                <a:spcPts val="500"/>
-              </a:spcBef>
-              <a:buFont typeface="Arial" panose="020B0604020202020204" pitchFamily="34" charset="0"/>
-              <a:buChar char="•"/>
-              <a:tabLst>
-                <a:tab pos="268288" algn="l"/>
-              </a:tabLst>
-            </a:pPr>
-            <a:endParaRPr lang="en-NZ" sz="2000" dirty="0"/>
-          </a:p>
-          <a:p>
-            <a:endParaRPr lang="en-NZ" dirty="0"/>
-          </a:p>
-        </p:txBody>
-      </p:sp>
-      <p:pic>
-        <p:nvPicPr>
-          <p:cNvPr id="4101" name="Picture 5"/>
-          <p:cNvPicPr>
-            <a:picLocks noChangeAspect="1" noChangeArrowheads="1"/>
-          </p:cNvPicPr>
-          <p:nvPr/>
-        </p:nvPicPr>
-        <p:blipFill>
-          <a:blip r:embed="rId2">
-            <a:extLst>
-              <a:ext uri="{28A0092B-C50C-407E-A947-70E740481C1C}">
-                <a14:useLocalDpi xmlns:a14="http://schemas.microsoft.com/office/drawing/2010/main" val="0"/>
-              </a:ext>
-            </a:extLst>
-          </a:blip>
-          <a:srcRect/>
-          <a:stretch>
-            <a:fillRect/>
-          </a:stretch>
-        </p:blipFill>
-        <p:spPr bwMode="auto">
-          <a:xfrm>
-            <a:off x="3556167" y="3864396"/>
-            <a:ext cx="5109659" cy="2404546"/>
-          </a:xfrm>
-          <a:prstGeom prst="rect">
-            <a:avLst/>
-          </a:prstGeom>
-          <a:noFill/>
-          <a:ln>
-            <a:noFill/>
-          </a:ln>
-          <a:extLst>
-            <a:ext uri="{909E8E84-426E-40DD-AFC4-6F175D3DCCD1}">
-              <a14:hiddenFill xmlns:a14="http://schemas.microsoft.com/office/drawing/2010/main">
-                <a:solidFill>
-                  <a:schemeClr val="accent1"/>
-                </a:solidFill>
-              </a14:hiddenFill>
-            </a:ext>
-            <a:ext uri="{91240B29-F687-4F45-9708-019B960494DF}">
-              <a14:hiddenLine xmlns:a14="http://schemas.microsoft.com/office/drawing/2010/main" w="9525">
-                <a:solidFill>
-                  <a:schemeClr val="tx1"/>
-                </a:solidFill>
-                <a:miter lim="800000"/>
-                <a:headEnd/>
-                <a:tailEnd/>
-              </a14:hiddenLine>
-            </a:ext>
-          </a:extLst>
-        </p:spPr>
-      </p:pic>
+            <a:endParaRPr lang="en-NZ" dirty="0">
+              <a:latin typeface="Arial" pitchFamily="34" charset="0"/>
+              <a:cs typeface="Arial" pitchFamily="34" charset="0"/>
+            </a:endParaRPr>
+          </a:p>
+        </p:txBody>
+      </p:sp>
     </p:spTree>
     <p:extLst>
       <p:ext uri="{BB962C8B-B14F-4D97-AF65-F5344CB8AC3E}">
-        <p14:creationId xmlns:p14="http://schemas.microsoft.com/office/powerpoint/2010/main" val="1268206527"/>
+        <p14:creationId xmlns:p14="http://schemas.microsoft.com/office/powerpoint/2010/main" val="3069137719"/>
       </p:ext>
     </p:extLst>
   </p:cSld>
@@ -3820,6 +4632,37 @@
       </p:sp>
       <p:sp>
         <p:nvSpPr>
+          <p:cNvPr id="2" name="Title 1"/>
+          <p:cNvSpPr>
+            <a:spLocks noGrp="1"/>
+          </p:cNvSpPr>
+          <p:nvPr>
+            <p:ph type="ctrTitle" idx="4294967295"/>
+          </p:nvPr>
+        </p:nvSpPr>
+        <p:spPr>
+          <a:xfrm>
+            <a:off x="1524000" y="1122363"/>
+            <a:ext cx="9144000" cy="2387600"/>
+          </a:xfrm>
+          <a:prstGeom prst="rect">
+            <a:avLst/>
+          </a:prstGeom>
+        </p:spPr>
+        <p:txBody>
+          <a:bodyPr/>
+          <a:lstStyle/>
+          <a:p>
+            <a:r>
+              <a:rPr lang="en-NZ" dirty="0" smtClean="0"/>
+              <a:t>   </a:t>
+            </a:r>
+            <a:endParaRPr lang="en-NZ" dirty="0"/>
+          </a:p>
+        </p:txBody>
+      </p:sp>
+      <p:sp>
+        <p:nvSpPr>
           <p:cNvPr id="6" name="Title 1"/>
           <p:cNvSpPr txBox="1">
             <a:spLocks/>
@@ -3828,8 +4671,8 @@
         </p:nvSpPr>
         <p:spPr>
           <a:xfrm>
-            <a:off x="838200" y="365125"/>
-            <a:ext cx="10515600" cy="662781"/>
+            <a:off x="838199" y="365125"/>
+            <a:ext cx="11057389" cy="662781"/>
           </a:xfrm>
           <a:prstGeom prst="rect">
             <a:avLst/>
@@ -3858,290 +4701,53 @@
           </a:lstStyle>
           <a:p>
             <a:r>
-              <a:rPr lang="en-US" dirty="0" smtClean="0"/>
-              <a:t>Break the rules</a:t>
+              <a:rPr lang="en-US" dirty="0" smtClean="0">
+                <a:latin typeface="Arial" pitchFamily="34" charset="0"/>
+                <a:cs typeface="Arial" pitchFamily="34" charset="0"/>
+              </a:rPr>
+              <a:t>Hindcast Methodology</a:t>
             </a:r>
-            <a:endParaRPr lang="en-NZ" dirty="0"/>
-          </a:p>
-        </p:txBody>
-      </p:sp>
-      <p:sp>
-        <p:nvSpPr>
-          <p:cNvPr id="7" name="Content Placeholder 2"/>
-          <p:cNvSpPr txBox="1">
-            <a:spLocks/>
-          </p:cNvSpPr>
+            <a:endParaRPr lang="en-NZ" dirty="0">
+              <a:latin typeface="Arial" pitchFamily="34" charset="0"/>
+              <a:cs typeface="Arial" pitchFamily="34" charset="0"/>
+            </a:endParaRPr>
+          </a:p>
+        </p:txBody>
+      </p:sp>
+      <p:pic>
+        <p:nvPicPr>
+          <p:cNvPr id="8" name="Picture 7"/>
+          <p:cNvPicPr>
+            <a:picLocks noChangeAspect="1"/>
+          </p:cNvPicPr>
           <p:nvPr/>
-        </p:nvSpPr>
-        <p:spPr>
-          <a:xfrm>
-            <a:off x="863367" y="1124125"/>
-            <a:ext cx="10515600" cy="1384183"/>
+        </p:nvPicPr>
+        <p:blipFill>
+          <a:blip r:embed="rId2" cstate="print">
+            <a:extLst>
+              <a:ext uri="{28A0092B-C50C-407E-A947-70E740481C1C}">
+                <a14:useLocalDpi xmlns:a14="http://schemas.microsoft.com/office/drawing/2010/main" val="0"/>
+              </a:ext>
+            </a:extLst>
+          </a:blip>
+          <a:stretch>
+            <a:fillRect/>
+          </a:stretch>
+        </p:blipFill>
+        <p:spPr>
+          <a:xfrm>
+            <a:off x="243281" y="2534919"/>
+            <a:ext cx="11698950" cy="3648958"/>
           </a:xfrm>
           <a:prstGeom prst="rect">
             <a:avLst/>
           </a:prstGeom>
         </p:spPr>
-        <p:txBody>
-          <a:bodyPr/>
-          <a:lstStyle>
-            <a:lvl1pPr marL="228594" indent="-228594" algn="l" defTabSz="914377" rtl="0" eaLnBrk="1" latinLnBrk="0" hangingPunct="1">
-              <a:lnSpc>
-                <a:spcPct val="90000"/>
-              </a:lnSpc>
-              <a:spcBef>
-                <a:spcPts val="1000"/>
-              </a:spcBef>
-              <a:buFont typeface="Arial" panose="020B0604020202020204" pitchFamily="34" charset="0"/>
-              <a:buChar char="•"/>
-              <a:defRPr sz="2800" kern="1200">
-                <a:solidFill>
-                  <a:schemeClr val="tx1"/>
-                </a:solidFill>
-                <a:latin typeface="+mn-lt"/>
-                <a:ea typeface="+mn-ea"/>
-                <a:cs typeface="+mn-cs"/>
-              </a:defRPr>
-            </a:lvl1pPr>
-            <a:lvl2pPr marL="685783" indent="-228594" algn="l" defTabSz="914377" rtl="0" eaLnBrk="1" latinLnBrk="0" hangingPunct="1">
-              <a:lnSpc>
-                <a:spcPct val="90000"/>
-              </a:lnSpc>
-              <a:spcBef>
-                <a:spcPts val="500"/>
-              </a:spcBef>
-              <a:buFont typeface="Arial" panose="020B0604020202020204" pitchFamily="34" charset="0"/>
-              <a:buChar char="•"/>
-              <a:defRPr sz="2400" kern="1200">
-                <a:solidFill>
-                  <a:schemeClr val="tx1"/>
-                </a:solidFill>
-                <a:latin typeface="+mn-lt"/>
-                <a:ea typeface="+mn-ea"/>
-                <a:cs typeface="+mn-cs"/>
-              </a:defRPr>
-            </a:lvl2pPr>
-            <a:lvl3pPr marL="1142971" indent="-228594" algn="l" defTabSz="914377" rtl="0" eaLnBrk="1" latinLnBrk="0" hangingPunct="1">
-              <a:lnSpc>
-                <a:spcPct val="90000"/>
-              </a:lnSpc>
-              <a:spcBef>
-                <a:spcPts val="500"/>
-              </a:spcBef>
-              <a:buFont typeface="Arial" panose="020B0604020202020204" pitchFamily="34" charset="0"/>
-              <a:buChar char="•"/>
-              <a:defRPr sz="2000" kern="1200">
-                <a:solidFill>
-                  <a:schemeClr val="tx1"/>
-                </a:solidFill>
-                <a:latin typeface="+mn-lt"/>
-                <a:ea typeface="+mn-ea"/>
-                <a:cs typeface="+mn-cs"/>
-              </a:defRPr>
-            </a:lvl3pPr>
-            <a:lvl4pPr marL="1600160" indent="-228594" algn="l" defTabSz="914377" rtl="0" eaLnBrk="1" latinLnBrk="0" hangingPunct="1">
-              <a:lnSpc>
-                <a:spcPct val="90000"/>
-              </a:lnSpc>
-              <a:spcBef>
-                <a:spcPts val="500"/>
-              </a:spcBef>
-              <a:buFont typeface="Arial" panose="020B0604020202020204" pitchFamily="34" charset="0"/>
-              <a:buChar char="•"/>
-              <a:defRPr sz="1800" kern="1200">
-                <a:solidFill>
-                  <a:schemeClr val="tx1"/>
-                </a:solidFill>
-                <a:latin typeface="+mn-lt"/>
-                <a:ea typeface="+mn-ea"/>
-                <a:cs typeface="+mn-cs"/>
-              </a:defRPr>
-            </a:lvl4pPr>
-            <a:lvl5pPr marL="2057349" indent="-228594" algn="l" defTabSz="914377" rtl="0" eaLnBrk="1" latinLnBrk="0" hangingPunct="1">
-              <a:lnSpc>
-                <a:spcPct val="90000"/>
-              </a:lnSpc>
-              <a:spcBef>
-                <a:spcPts val="500"/>
-              </a:spcBef>
-              <a:buFont typeface="Arial" panose="020B0604020202020204" pitchFamily="34" charset="0"/>
-              <a:buChar char="•"/>
-              <a:defRPr sz="1800" kern="1200">
-                <a:solidFill>
-                  <a:schemeClr val="tx1"/>
-                </a:solidFill>
-                <a:latin typeface="+mn-lt"/>
-                <a:ea typeface="+mn-ea"/>
-                <a:cs typeface="+mn-cs"/>
-              </a:defRPr>
-            </a:lvl5pPr>
-            <a:lvl6pPr marL="2514537" indent="-228594" algn="l" defTabSz="914377" rtl="0" eaLnBrk="1" latinLnBrk="0" hangingPunct="1">
-              <a:lnSpc>
-                <a:spcPct val="90000"/>
-              </a:lnSpc>
-              <a:spcBef>
-                <a:spcPts val="500"/>
-              </a:spcBef>
-              <a:buFont typeface="Arial" panose="020B0604020202020204" pitchFamily="34" charset="0"/>
-              <a:buChar char="•"/>
-              <a:defRPr sz="1800" kern="1200">
-                <a:solidFill>
-                  <a:schemeClr val="tx1"/>
-                </a:solidFill>
-                <a:latin typeface="+mn-lt"/>
-                <a:ea typeface="+mn-ea"/>
-                <a:cs typeface="+mn-cs"/>
-              </a:defRPr>
-            </a:lvl6pPr>
-            <a:lvl7pPr marL="2971726" indent="-228594" algn="l" defTabSz="914377" rtl="0" eaLnBrk="1" latinLnBrk="0" hangingPunct="1">
-              <a:lnSpc>
-                <a:spcPct val="90000"/>
-              </a:lnSpc>
-              <a:spcBef>
-                <a:spcPts val="500"/>
-              </a:spcBef>
-              <a:buFont typeface="Arial" panose="020B0604020202020204" pitchFamily="34" charset="0"/>
-              <a:buChar char="•"/>
-              <a:defRPr sz="1800" kern="1200">
-                <a:solidFill>
-                  <a:schemeClr val="tx1"/>
-                </a:solidFill>
-                <a:latin typeface="+mn-lt"/>
-                <a:ea typeface="+mn-ea"/>
-                <a:cs typeface="+mn-cs"/>
-              </a:defRPr>
-            </a:lvl7pPr>
-            <a:lvl8pPr marL="3428914" indent="-228594" algn="l" defTabSz="914377" rtl="0" eaLnBrk="1" latinLnBrk="0" hangingPunct="1">
-              <a:lnSpc>
-                <a:spcPct val="90000"/>
-              </a:lnSpc>
-              <a:spcBef>
-                <a:spcPts val="500"/>
-              </a:spcBef>
-              <a:buFont typeface="Arial" panose="020B0604020202020204" pitchFamily="34" charset="0"/>
-              <a:buChar char="•"/>
-              <a:defRPr sz="1800" kern="1200">
-                <a:solidFill>
-                  <a:schemeClr val="tx1"/>
-                </a:solidFill>
-                <a:latin typeface="+mn-lt"/>
-                <a:ea typeface="+mn-ea"/>
-                <a:cs typeface="+mn-cs"/>
-              </a:defRPr>
-            </a:lvl8pPr>
-            <a:lvl9pPr marL="3886103" indent="-228594" algn="l" defTabSz="914377" rtl="0" eaLnBrk="1" latinLnBrk="0" hangingPunct="1">
-              <a:lnSpc>
-                <a:spcPct val="90000"/>
-              </a:lnSpc>
-              <a:spcBef>
-                <a:spcPts val="500"/>
-              </a:spcBef>
-              <a:buFont typeface="Arial" panose="020B0604020202020204" pitchFamily="34" charset="0"/>
-              <a:buChar char="•"/>
-              <a:defRPr sz="1800" kern="1200">
-                <a:solidFill>
-                  <a:schemeClr val="tx1"/>
-                </a:solidFill>
-                <a:latin typeface="+mn-lt"/>
-                <a:ea typeface="+mn-ea"/>
-                <a:cs typeface="+mn-cs"/>
-              </a:defRPr>
-            </a:lvl9pPr>
-          </a:lstStyle>
-          <a:p>
-            <a:pPr marL="457188" lvl="2" indent="0">
-              <a:buNone/>
-              <a:tabLst>
-                <a:tab pos="268288" algn="l"/>
-              </a:tabLst>
-            </a:pPr>
-            <a:r>
-              <a:rPr lang="en-US" sz="2800" dirty="0" smtClean="0"/>
-              <a:t>There are times when the PowerPoint rules won’t apply. If there’s a good reason to break the rule, break it. </a:t>
-            </a:r>
-          </a:p>
-          <a:p>
-            <a:pPr marL="457188" lvl="2" indent="0">
-              <a:buNone/>
-              <a:tabLst>
-                <a:tab pos="268288" algn="l"/>
-              </a:tabLst>
-            </a:pPr>
-            <a:endParaRPr lang="en-US" dirty="0" smtClean="0"/>
-          </a:p>
-        </p:txBody>
-      </p:sp>
-      <p:sp>
-        <p:nvSpPr>
-          <p:cNvPr id="3" name="TextBox 2"/>
-          <p:cNvSpPr txBox="1"/>
-          <p:nvPr/>
-        </p:nvSpPr>
-        <p:spPr>
-          <a:xfrm>
-            <a:off x="6501468" y="5830349"/>
-            <a:ext cx="4739780" cy="215444"/>
-          </a:xfrm>
-          <a:prstGeom prst="rect">
-            <a:avLst/>
-          </a:prstGeom>
-          <a:noFill/>
-        </p:spPr>
-        <p:txBody>
-          <a:bodyPr wrap="square" rtlCol="0">
-            <a:spAutoFit/>
-          </a:bodyPr>
-          <a:lstStyle/>
-          <a:p>
-            <a:r>
-              <a:rPr lang="en-NZ" sz="800" dirty="0"/>
-              <a:t>http://www.lifehack.org/articles/technology/10-tips-for-more-effective-powerpoint-presentations.html</a:t>
-            </a:r>
-          </a:p>
-        </p:txBody>
-      </p:sp>
-      <p:sp>
-        <p:nvSpPr>
-          <p:cNvPr id="2" name="TextBox 1"/>
-          <p:cNvSpPr txBox="1"/>
-          <p:nvPr/>
-        </p:nvSpPr>
-        <p:spPr>
-          <a:xfrm>
-            <a:off x="3162649" y="2550253"/>
-            <a:ext cx="5901655" cy="2677656"/>
-          </a:xfrm>
-          <a:prstGeom prst="rect">
-            <a:avLst/>
-          </a:prstGeom>
-          <a:noFill/>
-        </p:spPr>
-        <p:txBody>
-          <a:bodyPr wrap="square" rtlCol="0">
-            <a:spAutoFit/>
-          </a:bodyPr>
-          <a:lstStyle/>
-          <a:p>
-            <a:pPr algn="just"/>
-            <a:r>
-              <a:rPr lang="en-NZ" sz="2400" dirty="0"/>
-              <a:t>“Rule breaking is perfectly acceptable </a:t>
-            </a:r>
-            <a:r>
-              <a:rPr lang="en-NZ" sz="2400" dirty="0" err="1"/>
-              <a:t>behavior</a:t>
-            </a:r>
-            <a:r>
-              <a:rPr lang="en-NZ" sz="2400" dirty="0"/>
-              <a:t> – it’s ignoring the rules or breaking them because you just don’t know any better that leads to shoddy boring presentations that lead to boredom, depression, psychopathic breaks, and eventually death. And you don’t want that, do you?”</a:t>
-            </a:r>
-          </a:p>
-        </p:txBody>
-      </p:sp>
+      </p:pic>
     </p:spTree>
     <p:extLst>
       <p:ext uri="{BB962C8B-B14F-4D97-AF65-F5344CB8AC3E}">
-        <p14:creationId xmlns:p14="http://schemas.microsoft.com/office/powerpoint/2010/main" val="1028906868"/>
+        <p14:creationId xmlns:p14="http://schemas.microsoft.com/office/powerpoint/2010/main" val="3069137719"/>
       </p:ext>
     </p:extLst>
   </p:cSld>
@@ -4314,10 +4920,738 @@
           </a:p>
         </p:txBody>
       </p:sp>
+      <p:sp>
+        <p:nvSpPr>
+          <p:cNvPr id="6" name="Title 1"/>
+          <p:cNvSpPr txBox="1">
+            <a:spLocks/>
+          </p:cNvSpPr>
+          <p:nvPr/>
+        </p:nvSpPr>
+        <p:spPr>
+          <a:xfrm>
+            <a:off x="838199" y="365125"/>
+            <a:ext cx="11057389" cy="662781"/>
+          </a:xfrm>
+          <a:prstGeom prst="rect">
+            <a:avLst/>
+          </a:prstGeom>
+        </p:spPr>
+        <p:txBody>
+          <a:bodyPr/>
+          <a:lstStyle>
+            <a:lvl1pPr algn="l" defTabSz="914377" rtl="0" eaLnBrk="1" latinLnBrk="0" hangingPunct="1">
+              <a:lnSpc>
+                <a:spcPct val="90000"/>
+              </a:lnSpc>
+              <a:spcBef>
+                <a:spcPct val="0"/>
+              </a:spcBef>
+              <a:buNone/>
+              <a:defRPr sz="4400" kern="1200">
+                <a:solidFill>
+                  <a:schemeClr val="tx1"/>
+                </a:solidFill>
+                <a:latin typeface="+mj-lt"/>
+                <a:ea typeface="+mj-ea"/>
+                <a:cs typeface="+mj-cs"/>
+              </a:defRPr>
+            </a:lvl1pPr>
+          </a:lstStyle>
+          <a:p>
+            <a:r>
+              <a:rPr lang="en-US" dirty="0" smtClean="0">
+                <a:latin typeface="Arial" pitchFamily="34" charset="0"/>
+                <a:cs typeface="Arial" pitchFamily="34" charset="0"/>
+              </a:rPr>
+              <a:t>ROMS</a:t>
+            </a:r>
+            <a:endParaRPr lang="en-NZ" dirty="0">
+              <a:latin typeface="Arial" pitchFamily="34" charset="0"/>
+              <a:cs typeface="Arial" pitchFamily="34" charset="0"/>
+            </a:endParaRPr>
+          </a:p>
+        </p:txBody>
+      </p:sp>
     </p:spTree>
     <p:extLst>
       <p:ext uri="{BB962C8B-B14F-4D97-AF65-F5344CB8AC3E}">
-        <p14:creationId xmlns:p14="http://schemas.microsoft.com/office/powerpoint/2010/main" val="1889264246"/>
+        <p14:creationId xmlns:p14="http://schemas.microsoft.com/office/powerpoint/2010/main" val="3069137719"/>
+      </p:ext>
+    </p:extLst>
+  </p:cSld>
+  <p:clrMapOvr>
+    <a:masterClrMapping/>
+  </p:clrMapOvr>
+  <p:timing>
+    <p:tnLst>
+      <p:par>
+        <p:cTn id="1" dur="indefinite" restart="never" nodeType="tmRoot"/>
+      </p:par>
+    </p:tnLst>
+  </p:timing>
+</p:sld>
+</file>
+
+<file path=ppt/slides/slide7.xml><?xml version="1.0" encoding="utf-8"?>
+<p:sld xmlns:a="http://schemas.openxmlformats.org/drawingml/2006/main" xmlns:r="http://schemas.openxmlformats.org/officeDocument/2006/relationships" xmlns:p="http://schemas.openxmlformats.org/presentationml/2006/main">
+  <p:cSld>
+    <p:spTree>
+      <p:nvGrpSpPr>
+        <p:cNvPr id="1" name=""/>
+        <p:cNvGrpSpPr/>
+        <p:nvPr/>
+      </p:nvGrpSpPr>
+      <p:grpSpPr>
+        <a:xfrm>
+          <a:off x="0" y="0"/>
+          <a:ext cx="0" cy="0"/>
+          <a:chOff x="0" y="0"/>
+          <a:chExt cx="0" cy="0"/>
+        </a:xfrm>
+      </p:grpSpPr>
+      <p:sp>
+        <p:nvSpPr>
+          <p:cNvPr id="5" name="Round Same Side Corner Rectangle 4"/>
+          <p:cNvSpPr/>
+          <p:nvPr/>
+        </p:nvSpPr>
+        <p:spPr>
+          <a:xfrm>
+            <a:off x="110808" y="6554360"/>
+            <a:ext cx="11984236" cy="312163"/>
+          </a:xfrm>
+          <a:prstGeom prst="round2SameRect">
+            <a:avLst/>
+          </a:prstGeom>
+          <a:solidFill>
+            <a:schemeClr val="accent1">
+              <a:lumMod val="75000"/>
+            </a:schemeClr>
+          </a:solidFill>
+          <a:ln>
+            <a:noFill/>
+          </a:ln>
+        </p:spPr>
+        <p:style>
+          <a:lnRef idx="1">
+            <a:schemeClr val="accent1"/>
+          </a:lnRef>
+          <a:fillRef idx="3">
+            <a:schemeClr val="accent1"/>
+          </a:fillRef>
+          <a:effectRef idx="2">
+            <a:schemeClr val="accent1"/>
+          </a:effectRef>
+          <a:fontRef idx="minor">
+            <a:schemeClr val="lt1"/>
+          </a:fontRef>
+        </p:style>
+        <p:txBody>
+          <a:bodyPr rtlCol="0" anchor="ctr"/>
+          <a:lstStyle/>
+          <a:p>
+            <a:pPr algn="ctr"/>
+            <a:endParaRPr lang="en-US"/>
+          </a:p>
+        </p:txBody>
+      </p:sp>
+      <p:sp>
+        <p:nvSpPr>
+          <p:cNvPr id="9" name="Title 1"/>
+          <p:cNvSpPr txBox="1">
+            <a:spLocks/>
+          </p:cNvSpPr>
+          <p:nvPr/>
+        </p:nvSpPr>
+        <p:spPr>
+          <a:xfrm>
+            <a:off x="10086026" y="6520612"/>
+            <a:ext cx="1957210" cy="337388"/>
+          </a:xfrm>
+          <a:prstGeom prst="rect">
+            <a:avLst/>
+          </a:prstGeom>
+        </p:spPr>
+        <p:txBody>
+          <a:bodyPr vert="horz" lIns="91440" tIns="45720" rIns="91440" bIns="45720" rtlCol="0" anchor="b">
+            <a:normAutofit fontScale="92500"/>
+          </a:bodyPr>
+          <a:lstStyle>
+            <a:lvl1pPr algn="ctr" defTabSz="914377" rtl="0" eaLnBrk="1" latinLnBrk="0" hangingPunct="1">
+              <a:lnSpc>
+                <a:spcPct val="90000"/>
+              </a:lnSpc>
+              <a:spcBef>
+                <a:spcPct val="0"/>
+              </a:spcBef>
+              <a:buNone/>
+              <a:defRPr sz="6000" kern="1200">
+                <a:solidFill>
+                  <a:schemeClr val="tx1"/>
+                </a:solidFill>
+                <a:latin typeface="+mj-lt"/>
+                <a:ea typeface="+mj-ea"/>
+                <a:cs typeface="+mj-cs"/>
+              </a:defRPr>
+            </a:lvl1pPr>
+          </a:lstStyle>
+          <a:p>
+            <a:pPr algn="l" defTabSz="0"/>
+            <a:r>
+              <a:rPr lang="en-NZ" sz="1600" b="1" dirty="0" smtClean="0">
+                <a:solidFill>
+                  <a:schemeClr val="bg1"/>
+                </a:solidFill>
+                <a:latin typeface="+mn-lt"/>
+              </a:rPr>
+              <a:t>www.metocean.co.nz</a:t>
+            </a:r>
+            <a:endParaRPr lang="en-NZ" sz="2400" dirty="0">
+              <a:solidFill>
+                <a:schemeClr val="bg1">
+                  <a:lumMod val="75000"/>
+                </a:schemeClr>
+              </a:solidFill>
+              <a:latin typeface="+mn-lt"/>
+            </a:endParaRPr>
+          </a:p>
+        </p:txBody>
+      </p:sp>
+      <p:sp>
+        <p:nvSpPr>
+          <p:cNvPr id="2" name="Title 1"/>
+          <p:cNvSpPr>
+            <a:spLocks noGrp="1"/>
+          </p:cNvSpPr>
+          <p:nvPr>
+            <p:ph type="ctrTitle" idx="4294967295"/>
+          </p:nvPr>
+        </p:nvSpPr>
+        <p:spPr>
+          <a:xfrm>
+            <a:off x="1524000" y="1122363"/>
+            <a:ext cx="9144000" cy="2387600"/>
+          </a:xfrm>
+          <a:prstGeom prst="rect">
+            <a:avLst/>
+          </a:prstGeom>
+        </p:spPr>
+        <p:txBody>
+          <a:bodyPr/>
+          <a:lstStyle/>
+          <a:p>
+            <a:r>
+              <a:rPr lang="en-NZ" dirty="0" smtClean="0"/>
+              <a:t>   </a:t>
+            </a:r>
+            <a:endParaRPr lang="en-NZ" dirty="0"/>
+          </a:p>
+        </p:txBody>
+      </p:sp>
+      <p:pic>
+        <p:nvPicPr>
+          <p:cNvPr id="3" name="Picture 2"/>
+          <p:cNvPicPr>
+            <a:picLocks noChangeAspect="1"/>
+          </p:cNvPicPr>
+          <p:nvPr/>
+        </p:nvPicPr>
+        <p:blipFill>
+          <a:blip r:embed="rId2">
+            <a:extLst>
+              <a:ext uri="{28A0092B-C50C-407E-A947-70E740481C1C}">
+                <a14:useLocalDpi xmlns:a14="http://schemas.microsoft.com/office/drawing/2010/main" val="0"/>
+              </a:ext>
+            </a:extLst>
+          </a:blip>
+          <a:stretch>
+            <a:fillRect/>
+          </a:stretch>
+        </p:blipFill>
+        <p:spPr>
+          <a:xfrm>
+            <a:off x="872455" y="2004777"/>
+            <a:ext cx="10058400" cy="4149405"/>
+          </a:xfrm>
+          <a:prstGeom prst="rect">
+            <a:avLst/>
+          </a:prstGeom>
+        </p:spPr>
+      </p:pic>
+    </p:spTree>
+    <p:extLst>
+      <p:ext uri="{BB962C8B-B14F-4D97-AF65-F5344CB8AC3E}">
+        <p14:creationId xmlns:p14="http://schemas.microsoft.com/office/powerpoint/2010/main" val="3069137719"/>
+      </p:ext>
+    </p:extLst>
+  </p:cSld>
+  <p:clrMapOvr>
+    <a:masterClrMapping/>
+  </p:clrMapOvr>
+  <p:timing>
+    <p:tnLst>
+      <p:par>
+        <p:cTn id="1" dur="indefinite" restart="never" nodeType="tmRoot"/>
+      </p:par>
+    </p:tnLst>
+  </p:timing>
+</p:sld>
+</file>
+
+<file path=ppt/slides/slide8.xml><?xml version="1.0" encoding="utf-8"?>
+<p:sld xmlns:a="http://schemas.openxmlformats.org/drawingml/2006/main" xmlns:r="http://schemas.openxmlformats.org/officeDocument/2006/relationships" xmlns:p="http://schemas.openxmlformats.org/presentationml/2006/main">
+  <p:cSld>
+    <p:spTree>
+      <p:nvGrpSpPr>
+        <p:cNvPr id="1" name=""/>
+        <p:cNvGrpSpPr/>
+        <p:nvPr/>
+      </p:nvGrpSpPr>
+      <p:grpSpPr>
+        <a:xfrm>
+          <a:off x="0" y="0"/>
+          <a:ext cx="0" cy="0"/>
+          <a:chOff x="0" y="0"/>
+          <a:chExt cx="0" cy="0"/>
+        </a:xfrm>
+      </p:grpSpPr>
+      <p:sp>
+        <p:nvSpPr>
+          <p:cNvPr id="5" name="Round Same Side Corner Rectangle 4"/>
+          <p:cNvSpPr/>
+          <p:nvPr/>
+        </p:nvSpPr>
+        <p:spPr>
+          <a:xfrm>
+            <a:off x="110808" y="6554360"/>
+            <a:ext cx="11984236" cy="312163"/>
+          </a:xfrm>
+          <a:prstGeom prst="round2SameRect">
+            <a:avLst/>
+          </a:prstGeom>
+          <a:solidFill>
+            <a:schemeClr val="accent1">
+              <a:lumMod val="75000"/>
+            </a:schemeClr>
+          </a:solidFill>
+          <a:ln>
+            <a:noFill/>
+          </a:ln>
+        </p:spPr>
+        <p:style>
+          <a:lnRef idx="1">
+            <a:schemeClr val="accent1"/>
+          </a:lnRef>
+          <a:fillRef idx="3">
+            <a:schemeClr val="accent1"/>
+          </a:fillRef>
+          <a:effectRef idx="2">
+            <a:schemeClr val="accent1"/>
+          </a:effectRef>
+          <a:fontRef idx="minor">
+            <a:schemeClr val="lt1"/>
+          </a:fontRef>
+        </p:style>
+        <p:txBody>
+          <a:bodyPr rtlCol="0" anchor="ctr"/>
+          <a:lstStyle/>
+          <a:p>
+            <a:pPr algn="ctr"/>
+            <a:endParaRPr lang="en-US"/>
+          </a:p>
+        </p:txBody>
+      </p:sp>
+      <p:sp>
+        <p:nvSpPr>
+          <p:cNvPr id="9" name="Title 1"/>
+          <p:cNvSpPr txBox="1">
+            <a:spLocks/>
+          </p:cNvSpPr>
+          <p:nvPr/>
+        </p:nvSpPr>
+        <p:spPr>
+          <a:xfrm>
+            <a:off x="10086026" y="6520612"/>
+            <a:ext cx="1957210" cy="337388"/>
+          </a:xfrm>
+          <a:prstGeom prst="rect">
+            <a:avLst/>
+          </a:prstGeom>
+        </p:spPr>
+        <p:txBody>
+          <a:bodyPr vert="horz" lIns="91440" tIns="45720" rIns="91440" bIns="45720" rtlCol="0" anchor="b">
+            <a:normAutofit fontScale="92500"/>
+          </a:bodyPr>
+          <a:lstStyle>
+            <a:lvl1pPr algn="ctr" defTabSz="914377" rtl="0" eaLnBrk="1" latinLnBrk="0" hangingPunct="1">
+              <a:lnSpc>
+                <a:spcPct val="90000"/>
+              </a:lnSpc>
+              <a:spcBef>
+                <a:spcPct val="0"/>
+              </a:spcBef>
+              <a:buNone/>
+              <a:defRPr sz="6000" kern="1200">
+                <a:solidFill>
+                  <a:schemeClr val="tx1"/>
+                </a:solidFill>
+                <a:latin typeface="+mj-lt"/>
+                <a:ea typeface="+mj-ea"/>
+                <a:cs typeface="+mj-cs"/>
+              </a:defRPr>
+            </a:lvl1pPr>
+          </a:lstStyle>
+          <a:p>
+            <a:pPr algn="l" defTabSz="0"/>
+            <a:r>
+              <a:rPr lang="en-NZ" sz="1600" b="1" dirty="0" smtClean="0">
+                <a:solidFill>
+                  <a:schemeClr val="bg1"/>
+                </a:solidFill>
+                <a:latin typeface="+mn-lt"/>
+              </a:rPr>
+              <a:t>www.metocean.co.nz</a:t>
+            </a:r>
+            <a:endParaRPr lang="en-NZ" sz="2400" dirty="0">
+              <a:solidFill>
+                <a:schemeClr val="bg1">
+                  <a:lumMod val="75000"/>
+                </a:schemeClr>
+              </a:solidFill>
+              <a:latin typeface="+mn-lt"/>
+            </a:endParaRPr>
+          </a:p>
+        </p:txBody>
+      </p:sp>
+      <p:sp>
+        <p:nvSpPr>
+          <p:cNvPr id="2" name="Title 1"/>
+          <p:cNvSpPr>
+            <a:spLocks noGrp="1"/>
+          </p:cNvSpPr>
+          <p:nvPr>
+            <p:ph type="ctrTitle" idx="4294967295"/>
+          </p:nvPr>
+        </p:nvSpPr>
+        <p:spPr>
+          <a:xfrm>
+            <a:off x="1524000" y="1122363"/>
+            <a:ext cx="9144000" cy="2387600"/>
+          </a:xfrm>
+          <a:prstGeom prst="rect">
+            <a:avLst/>
+          </a:prstGeom>
+        </p:spPr>
+        <p:txBody>
+          <a:bodyPr/>
+          <a:lstStyle/>
+          <a:p>
+            <a:r>
+              <a:rPr lang="en-NZ" dirty="0" smtClean="0"/>
+              <a:t>   </a:t>
+            </a:r>
+            <a:endParaRPr lang="en-NZ" dirty="0"/>
+          </a:p>
+        </p:txBody>
+      </p:sp>
+      <p:pic>
+        <p:nvPicPr>
+          <p:cNvPr id="1026" name="Picture 2"/>
+          <p:cNvPicPr>
+            <a:picLocks noChangeAspect="1" noChangeArrowheads="1"/>
+          </p:cNvPicPr>
+          <p:nvPr/>
+        </p:nvPicPr>
+        <p:blipFill>
+          <a:blip r:embed="rId2">
+            <a:extLst>
+              <a:ext uri="{28A0092B-C50C-407E-A947-70E740481C1C}">
+                <a14:useLocalDpi xmlns:a14="http://schemas.microsoft.com/office/drawing/2010/main" val="0"/>
+              </a:ext>
+            </a:extLst>
+          </a:blip>
+          <a:srcRect/>
+          <a:stretch>
+            <a:fillRect/>
+          </a:stretch>
+        </p:blipFill>
+        <p:spPr bwMode="auto">
+          <a:xfrm>
+            <a:off x="1635854" y="1072979"/>
+            <a:ext cx="8631892" cy="5185002"/>
+          </a:xfrm>
+          <a:prstGeom prst="rect">
+            <a:avLst/>
+          </a:prstGeom>
+          <a:noFill/>
+          <a:ln>
+            <a:noFill/>
+          </a:ln>
+          <a:effectLst/>
+          <a:extLst>
+            <a:ext uri="{909E8E84-426E-40DD-AFC4-6F175D3DCCD1}">
+              <a14:hiddenFill xmlns:a14="http://schemas.microsoft.com/office/drawing/2010/main">
+                <a:solidFill>
+                  <a:schemeClr val="accent1"/>
+                </a:solidFill>
+              </a14:hiddenFill>
+            </a:ext>
+            <a:ext uri="{91240B29-F687-4F45-9708-019B960494DF}">
+              <a14:hiddenLine xmlns:a14="http://schemas.microsoft.com/office/drawing/2010/main" w="9525">
+                <a:solidFill>
+                  <a:schemeClr val="tx1"/>
+                </a:solidFill>
+                <a:miter lim="800000"/>
+                <a:headEnd/>
+                <a:tailEnd/>
+              </a14:hiddenLine>
+            </a:ext>
+            <a:ext uri="{AF507438-7753-43E0-B8FC-AC1667EBCBE1}">
+              <a14:hiddenEffects xmlns:a14="http://schemas.microsoft.com/office/drawing/2010/main">
+                <a:effectLst>
+                  <a:outerShdw dist="35921" dir="2700000" algn="ctr" rotWithShape="0">
+                    <a:schemeClr val="bg2"/>
+                  </a:outerShdw>
+                </a:effectLst>
+              </a14:hiddenEffects>
+            </a:ext>
+          </a:extLst>
+        </p:spPr>
+      </p:pic>
+    </p:spTree>
+    <p:extLst>
+      <p:ext uri="{BB962C8B-B14F-4D97-AF65-F5344CB8AC3E}">
+        <p14:creationId xmlns:p14="http://schemas.microsoft.com/office/powerpoint/2010/main" val="3069137719"/>
+      </p:ext>
+    </p:extLst>
+  </p:cSld>
+  <p:clrMapOvr>
+    <a:masterClrMapping/>
+  </p:clrMapOvr>
+  <p:timing>
+    <p:tnLst>
+      <p:par>
+        <p:cTn id="1" dur="indefinite" restart="never" nodeType="tmRoot"/>
+      </p:par>
+    </p:tnLst>
+  </p:timing>
+</p:sld>
+</file>
+
+<file path=ppt/slides/slide9.xml><?xml version="1.0" encoding="utf-8"?>
+<p:sld xmlns:a="http://schemas.openxmlformats.org/drawingml/2006/main" xmlns:r="http://schemas.openxmlformats.org/officeDocument/2006/relationships" xmlns:p="http://schemas.openxmlformats.org/presentationml/2006/main">
+  <p:cSld>
+    <p:spTree>
+      <p:nvGrpSpPr>
+        <p:cNvPr id="1" name=""/>
+        <p:cNvGrpSpPr/>
+        <p:nvPr/>
+      </p:nvGrpSpPr>
+      <p:grpSpPr>
+        <a:xfrm>
+          <a:off x="0" y="0"/>
+          <a:ext cx="0" cy="0"/>
+          <a:chOff x="0" y="0"/>
+          <a:chExt cx="0" cy="0"/>
+        </a:xfrm>
+      </p:grpSpPr>
+      <p:sp>
+        <p:nvSpPr>
+          <p:cNvPr id="5" name="Round Same Side Corner Rectangle 4"/>
+          <p:cNvSpPr/>
+          <p:nvPr/>
+        </p:nvSpPr>
+        <p:spPr>
+          <a:xfrm>
+            <a:off x="110808" y="6554360"/>
+            <a:ext cx="11984236" cy="312163"/>
+          </a:xfrm>
+          <a:prstGeom prst="round2SameRect">
+            <a:avLst/>
+          </a:prstGeom>
+          <a:solidFill>
+            <a:schemeClr val="accent1">
+              <a:lumMod val="75000"/>
+            </a:schemeClr>
+          </a:solidFill>
+          <a:ln>
+            <a:noFill/>
+          </a:ln>
+        </p:spPr>
+        <p:style>
+          <a:lnRef idx="1">
+            <a:schemeClr val="accent1"/>
+          </a:lnRef>
+          <a:fillRef idx="3">
+            <a:schemeClr val="accent1"/>
+          </a:fillRef>
+          <a:effectRef idx="2">
+            <a:schemeClr val="accent1"/>
+          </a:effectRef>
+          <a:fontRef idx="minor">
+            <a:schemeClr val="lt1"/>
+          </a:fontRef>
+        </p:style>
+        <p:txBody>
+          <a:bodyPr rtlCol="0" anchor="ctr"/>
+          <a:lstStyle/>
+          <a:p>
+            <a:pPr algn="ctr"/>
+            <a:endParaRPr lang="en-US"/>
+          </a:p>
+        </p:txBody>
+      </p:sp>
+      <p:sp>
+        <p:nvSpPr>
+          <p:cNvPr id="9" name="Title 1"/>
+          <p:cNvSpPr txBox="1">
+            <a:spLocks/>
+          </p:cNvSpPr>
+          <p:nvPr/>
+        </p:nvSpPr>
+        <p:spPr>
+          <a:xfrm>
+            <a:off x="10086026" y="6520612"/>
+            <a:ext cx="1957210" cy="337388"/>
+          </a:xfrm>
+          <a:prstGeom prst="rect">
+            <a:avLst/>
+          </a:prstGeom>
+        </p:spPr>
+        <p:txBody>
+          <a:bodyPr vert="horz" lIns="91440" tIns="45720" rIns="91440" bIns="45720" rtlCol="0" anchor="b">
+            <a:normAutofit fontScale="92500"/>
+          </a:bodyPr>
+          <a:lstStyle>
+            <a:lvl1pPr algn="ctr" defTabSz="914377" rtl="0" eaLnBrk="1" latinLnBrk="0" hangingPunct="1">
+              <a:lnSpc>
+                <a:spcPct val="90000"/>
+              </a:lnSpc>
+              <a:spcBef>
+                <a:spcPct val="0"/>
+              </a:spcBef>
+              <a:buNone/>
+              <a:defRPr sz="6000" kern="1200">
+                <a:solidFill>
+                  <a:schemeClr val="tx1"/>
+                </a:solidFill>
+                <a:latin typeface="+mj-lt"/>
+                <a:ea typeface="+mj-ea"/>
+                <a:cs typeface="+mj-cs"/>
+              </a:defRPr>
+            </a:lvl1pPr>
+          </a:lstStyle>
+          <a:p>
+            <a:pPr algn="l" defTabSz="0"/>
+            <a:r>
+              <a:rPr lang="en-NZ" sz="1600" b="1" dirty="0" smtClean="0">
+                <a:solidFill>
+                  <a:schemeClr val="bg1"/>
+                </a:solidFill>
+                <a:latin typeface="+mn-lt"/>
+              </a:rPr>
+              <a:t>www.metocean.co.nz</a:t>
+            </a:r>
+            <a:endParaRPr lang="en-NZ" sz="2400" dirty="0">
+              <a:solidFill>
+                <a:schemeClr val="bg1">
+                  <a:lumMod val="75000"/>
+                </a:schemeClr>
+              </a:solidFill>
+              <a:latin typeface="+mn-lt"/>
+            </a:endParaRPr>
+          </a:p>
+        </p:txBody>
+      </p:sp>
+      <p:sp>
+        <p:nvSpPr>
+          <p:cNvPr id="2" name="Title 1"/>
+          <p:cNvSpPr>
+            <a:spLocks noGrp="1"/>
+          </p:cNvSpPr>
+          <p:nvPr>
+            <p:ph type="ctrTitle" idx="4294967295"/>
+          </p:nvPr>
+        </p:nvSpPr>
+        <p:spPr>
+          <a:xfrm>
+            <a:off x="1524000" y="1122363"/>
+            <a:ext cx="9144000" cy="2387600"/>
+          </a:xfrm>
+          <a:prstGeom prst="rect">
+            <a:avLst/>
+          </a:prstGeom>
+        </p:spPr>
+        <p:txBody>
+          <a:bodyPr/>
+          <a:lstStyle/>
+          <a:p>
+            <a:r>
+              <a:rPr lang="en-NZ" dirty="0" smtClean="0"/>
+              <a:t>   </a:t>
+            </a:r>
+            <a:endParaRPr lang="en-NZ" dirty="0"/>
+          </a:p>
+        </p:txBody>
+      </p:sp>
+      <p:sp>
+        <p:nvSpPr>
+          <p:cNvPr id="6" name="Title 1"/>
+          <p:cNvSpPr txBox="1">
+            <a:spLocks/>
+          </p:cNvSpPr>
+          <p:nvPr/>
+        </p:nvSpPr>
+        <p:spPr>
+          <a:xfrm>
+            <a:off x="838199" y="365125"/>
+            <a:ext cx="11057389" cy="662781"/>
+          </a:xfrm>
+          <a:prstGeom prst="rect">
+            <a:avLst/>
+          </a:prstGeom>
+        </p:spPr>
+        <p:txBody>
+          <a:bodyPr/>
+          <a:lstStyle>
+            <a:lvl1pPr algn="l" defTabSz="914377" rtl="0" eaLnBrk="1" latinLnBrk="0" hangingPunct="1">
+              <a:lnSpc>
+                <a:spcPct val="90000"/>
+              </a:lnSpc>
+              <a:spcBef>
+                <a:spcPct val="0"/>
+              </a:spcBef>
+              <a:buNone/>
+              <a:defRPr sz="4400" kern="1200">
+                <a:solidFill>
+                  <a:schemeClr val="tx1"/>
+                </a:solidFill>
+                <a:latin typeface="+mj-lt"/>
+                <a:ea typeface="+mj-ea"/>
+                <a:cs typeface="+mj-cs"/>
+              </a:defRPr>
+            </a:lvl1pPr>
+          </a:lstStyle>
+          <a:p>
+            <a:r>
+              <a:rPr lang="en-US" dirty="0" smtClean="0">
+                <a:latin typeface="Arial" pitchFamily="34" charset="0"/>
+                <a:cs typeface="Arial" pitchFamily="34" charset="0"/>
+              </a:rPr>
+              <a:t>Month animation</a:t>
+            </a:r>
+            <a:endParaRPr lang="en-NZ" dirty="0">
+              <a:latin typeface="Arial" pitchFamily="34" charset="0"/>
+              <a:cs typeface="Arial" pitchFamily="34" charset="0"/>
+            </a:endParaRPr>
+          </a:p>
+        </p:txBody>
+      </p:sp>
+    </p:spTree>
+    <p:extLst>
+      <p:ext uri="{BB962C8B-B14F-4D97-AF65-F5344CB8AC3E}">
+        <p14:creationId xmlns:p14="http://schemas.microsoft.com/office/powerpoint/2010/main" val="3069137719"/>
       </p:ext>
     </p:extLst>
   </p:cSld>
@@ -4377,7 +5711,7 @@
     </a:clrScheme>
     <a:fontScheme name="Office">
       <a:majorFont>
-        <a:latin typeface="Calibri Light" panose="020F0302020204030204"/>
+        <a:latin typeface="Calibri Light"/>
         <a:ea typeface=""/>
         <a:cs typeface=""/>
         <a:font script="Jpan" typeface="ＭＳ Ｐゴシック"/>
@@ -4412,7 +5746,7 @@
         <a:font script="Geor" typeface="Sylfaen"/>
       </a:majorFont>
       <a:minorFont>
-        <a:latin typeface="Calibri" panose="020F0502020204030204"/>
+        <a:latin typeface="Calibri"/>
         <a:ea typeface=""/>
         <a:cs typeface=""/>
         <a:font script="Jpan" typeface="ＭＳ Ｐゴシック"/>
@@ -4589,7 +5923,7 @@
   <a:extraClrSchemeLst/>
   <a:extLst>
     <a:ext uri="{05A4C25C-085E-4340-85A3-A5531E510DB2}">
-      <thm15:themeFamily xmlns:thm15="http://schemas.microsoft.com/office/thememl/2012/main" xmlns="" name="Office Theme" id="{62F939B6-93AF-4DB8-9C6B-D6C7DFDC589F}" vid="{4A3C46E8-61CC-4603-A589-7422A47A8E4A}"/>
+      <thm15:themeFamily xmlns="" xmlns:thm15="http://schemas.microsoft.com/office/thememl/2012/main" name="Office Theme" id="{62F939B6-93AF-4DB8-9C6B-D6C7DFDC589F}" vid="{4A3C46E8-61CC-4603-A589-7422A47A8E4A}"/>
     </a:ext>
   </a:extLst>
 </a:theme>
@@ -4850,7 +6184,7 @@
   <a:extraClrSchemeLst/>
   <a:extLst>
     <a:ext uri="{05A4C25C-085E-4340-85A3-A5531E510DB2}">
-      <thm15:themeFamily xmlns:thm15="http://schemas.microsoft.com/office/thememl/2012/main" xmlns="" name="Office Theme" id="{62F939B6-93AF-4DB8-9C6B-D6C7DFDC589F}" vid="{4A3C46E8-61CC-4603-A589-7422A47A8E4A}"/>
+      <thm15:themeFamily xmlns="" xmlns:thm15="http://schemas.microsoft.com/office/thememl/2012/main" name="Office Theme" id="{62F939B6-93AF-4DB8-9C6B-D6C7DFDC589F}" vid="{4A3C46E8-61CC-4603-A589-7422A47A8E4A}"/>
     </a:ext>
   </a:extLst>
 </a:theme>
@@ -4899,7 +6233,7 @@
     </a:clrScheme>
     <a:fontScheme name="Office">
       <a:majorFont>
-        <a:latin typeface="Calibri Light" panose="020F0302020204030204"/>
+        <a:latin typeface="Calibri Light"/>
         <a:ea typeface=""/>
         <a:cs typeface=""/>
         <a:font script="Jpan" typeface="ＭＳ Ｐゴシック"/>
@@ -4934,7 +6268,7 @@
         <a:font script="Geor" typeface="Sylfaen"/>
       </a:majorFont>
       <a:minorFont>
-        <a:latin typeface="Calibri" panose="020F0502020204030204"/>
+        <a:latin typeface="Calibri"/>
         <a:ea typeface=""/>
         <a:cs typeface=""/>
         <a:font script="Jpan" typeface="ＭＳ Ｐゴシック"/>
@@ -5111,7 +6445,7 @@
   <a:extraClrSchemeLst/>
   <a:extLst>
     <a:ext uri="{05A4C25C-085E-4340-85A3-A5531E510DB2}">
-      <thm15:themeFamily xmlns:thm15="http://schemas.microsoft.com/office/thememl/2012/main" xmlns="" name="Office Theme" id="{62F939B6-93AF-4DB8-9C6B-D6C7DFDC589F}" vid="{4A3C46E8-61CC-4603-A589-7422A47A8E4A}"/>
+      <thm15:themeFamily xmlns="" xmlns:thm15="http://schemas.microsoft.com/office/thememl/2012/main" name="Office Theme" id="{62F939B6-93AF-4DB8-9C6B-D6C7DFDC589F}" vid="{4A3C46E8-61CC-4603-A589-7422A47A8E4A}"/>
     </a:ext>
   </a:extLst>
 </a:theme>
@@ -5160,7 +6494,7 @@
     </a:clrScheme>
     <a:fontScheme name="Office">
       <a:majorFont>
-        <a:latin typeface="Calibri Light" panose="020F0302020204030204"/>
+        <a:latin typeface="Calibri Light"/>
         <a:ea typeface=""/>
         <a:cs typeface=""/>
         <a:font script="Jpan" typeface="ＭＳ Ｐゴシック"/>
@@ -5195,7 +6529,7 @@
         <a:font script="Geor" typeface="Sylfaen"/>
       </a:majorFont>
       <a:minorFont>
-        <a:latin typeface="Calibri" panose="020F0502020204030204"/>
+        <a:latin typeface="Calibri"/>
         <a:ea typeface=""/>
         <a:cs typeface=""/>
         <a:font script="Jpan" typeface="ＭＳ Ｐゴシック"/>
@@ -5372,7 +6706,7 @@
   <a:extraClrSchemeLst/>
   <a:extLst>
     <a:ext uri="{05A4C25C-085E-4340-85A3-A5531E510DB2}">
-      <thm15:themeFamily xmlns:thm15="http://schemas.microsoft.com/office/thememl/2012/main" xmlns="" name="Office Theme" id="{62F939B6-93AF-4DB8-9C6B-D6C7DFDC589F}" vid="{4A3C46E8-61CC-4603-A589-7422A47A8E4A}"/>
+      <thm15:themeFamily xmlns="" xmlns:thm15="http://schemas.microsoft.com/office/thememl/2012/main" name="Office Theme" id="{62F939B6-93AF-4DB8-9C6B-D6C7DFDC589F}" vid="{4A3C46E8-61CC-4603-A589-7422A47A8E4A}"/>
     </a:ext>
   </a:extLst>
 </a:theme>

--- a/soutelino_MSL_CeP2015.pptx
+++ b/soutelino_MSL_CeP2015.pptx
@@ -4442,7 +4442,7 @@
         </p:nvSpPr>
         <p:spPr>
           <a:xfrm>
-            <a:off x="838199" y="365125"/>
+            <a:off x="234191" y="188956"/>
             <a:ext cx="11057389" cy="662781"/>
           </a:xfrm>
           <a:prstGeom prst="rect">
@@ -4472,16 +4472,1035 @@
           </a:lstStyle>
           <a:p>
             <a:r>
-              <a:rPr lang="en-US" dirty="0" smtClean="0">
+              <a:rPr lang="en-US" sz="2800" dirty="0" smtClean="0">
                 <a:latin typeface="Arial" pitchFamily="34" charset="0"/>
                 <a:cs typeface="Arial" pitchFamily="34" charset="0"/>
               </a:rPr>
               <a:t>Forcing Mechanisms</a:t>
             </a:r>
-            <a:endParaRPr lang="en-NZ" dirty="0">
+            <a:endParaRPr lang="en-NZ" sz="2800" dirty="0">
               <a:latin typeface="Arial" pitchFamily="34" charset="0"/>
               <a:cs typeface="Arial" pitchFamily="34" charset="0"/>
             </a:endParaRPr>
+          </a:p>
+        </p:txBody>
+      </p:sp>
+      <p:pic>
+        <p:nvPicPr>
+          <p:cNvPr id="3074" name="Picture 2"/>
+          <p:cNvPicPr>
+            <a:picLocks noChangeAspect="1" noChangeArrowheads="1"/>
+          </p:cNvPicPr>
+          <p:nvPr/>
+        </p:nvPicPr>
+        <p:blipFill>
+          <a:blip r:embed="rId2">
+            <a:extLst>
+              <a:ext uri="{28A0092B-C50C-407E-A947-70E740481C1C}">
+                <a14:useLocalDpi xmlns:a14="http://schemas.microsoft.com/office/drawing/2010/main" val="0"/>
+              </a:ext>
+            </a:extLst>
+          </a:blip>
+          <a:srcRect/>
+          <a:stretch>
+            <a:fillRect/>
+          </a:stretch>
+        </p:blipFill>
+        <p:spPr bwMode="auto">
+          <a:xfrm>
+            <a:off x="279642" y="753989"/>
+            <a:ext cx="11646568" cy="1980822"/>
+          </a:xfrm>
+          <a:prstGeom prst="rect">
+            <a:avLst/>
+          </a:prstGeom>
+          <a:noFill/>
+          <a:ln>
+            <a:noFill/>
+          </a:ln>
+          <a:effectLst/>
+          <a:extLst>
+            <a:ext uri="{909E8E84-426E-40DD-AFC4-6F175D3DCCD1}">
+              <a14:hiddenFill xmlns:a14="http://schemas.microsoft.com/office/drawing/2010/main">
+                <a:solidFill>
+                  <a:schemeClr val="accent1"/>
+                </a:solidFill>
+              </a14:hiddenFill>
+            </a:ext>
+            <a:ext uri="{91240B29-F687-4F45-9708-019B960494DF}">
+              <a14:hiddenLine xmlns:a14="http://schemas.microsoft.com/office/drawing/2010/main" w="9525">
+                <a:solidFill>
+                  <a:schemeClr val="tx1"/>
+                </a:solidFill>
+                <a:miter lim="800000"/>
+                <a:headEnd/>
+                <a:tailEnd/>
+              </a14:hiddenLine>
+            </a:ext>
+            <a:ext uri="{AF507438-7753-43E0-B8FC-AC1667EBCBE1}">
+              <a14:hiddenEffects xmlns:a14="http://schemas.microsoft.com/office/drawing/2010/main">
+                <a:effectLst>
+                  <a:outerShdw dist="35921" dir="2700000" algn="ctr" rotWithShape="0">
+                    <a:schemeClr val="bg2"/>
+                  </a:outerShdw>
+                </a:effectLst>
+              </a14:hiddenEffects>
+            </a:ext>
+          </a:extLst>
+        </p:spPr>
+      </p:pic>
+      <p:pic>
+        <p:nvPicPr>
+          <p:cNvPr id="3075" name="Picture 3"/>
+          <p:cNvPicPr>
+            <a:picLocks noChangeAspect="1" noChangeArrowheads="1"/>
+          </p:cNvPicPr>
+          <p:nvPr/>
+        </p:nvPicPr>
+        <p:blipFill>
+          <a:blip r:embed="rId3">
+            <a:extLst>
+              <a:ext uri="{28A0092B-C50C-407E-A947-70E740481C1C}">
+                <a14:useLocalDpi xmlns:a14="http://schemas.microsoft.com/office/drawing/2010/main" val="0"/>
+              </a:ext>
+            </a:extLst>
+          </a:blip>
+          <a:srcRect/>
+          <a:stretch>
+            <a:fillRect/>
+          </a:stretch>
+        </p:blipFill>
+        <p:spPr bwMode="auto">
+          <a:xfrm>
+            <a:off x="279642" y="2950288"/>
+            <a:ext cx="3406172" cy="3366622"/>
+          </a:xfrm>
+          <a:prstGeom prst="rect">
+            <a:avLst/>
+          </a:prstGeom>
+          <a:noFill/>
+          <a:ln>
+            <a:noFill/>
+          </a:ln>
+          <a:effectLst/>
+          <a:extLst>
+            <a:ext uri="{909E8E84-426E-40DD-AFC4-6F175D3DCCD1}">
+              <a14:hiddenFill xmlns:a14="http://schemas.microsoft.com/office/drawing/2010/main">
+                <a:solidFill>
+                  <a:schemeClr val="accent1"/>
+                </a:solidFill>
+              </a14:hiddenFill>
+            </a:ext>
+            <a:ext uri="{91240B29-F687-4F45-9708-019B960494DF}">
+              <a14:hiddenLine xmlns:a14="http://schemas.microsoft.com/office/drawing/2010/main" w="9525">
+                <a:solidFill>
+                  <a:schemeClr val="tx1"/>
+                </a:solidFill>
+                <a:miter lim="800000"/>
+                <a:headEnd/>
+                <a:tailEnd/>
+              </a14:hiddenLine>
+            </a:ext>
+            <a:ext uri="{AF507438-7753-43E0-B8FC-AC1667EBCBE1}">
+              <a14:hiddenEffects xmlns:a14="http://schemas.microsoft.com/office/drawing/2010/main">
+                <a:effectLst>
+                  <a:outerShdw dist="35921" dir="2700000" algn="ctr" rotWithShape="0">
+                    <a:schemeClr val="bg2"/>
+                  </a:outerShdw>
+                </a:effectLst>
+              </a14:hiddenEffects>
+            </a:ext>
+          </a:extLst>
+        </p:spPr>
+      </p:pic>
+      <p:pic>
+        <p:nvPicPr>
+          <p:cNvPr id="3078" name="Picture 6"/>
+          <p:cNvPicPr>
+            <a:picLocks noChangeAspect="1" noChangeArrowheads="1"/>
+          </p:cNvPicPr>
+          <p:nvPr/>
+        </p:nvPicPr>
+        <p:blipFill>
+          <a:blip r:embed="rId4">
+            <a:extLst>
+              <a:ext uri="{28A0092B-C50C-407E-A947-70E740481C1C}">
+                <a14:useLocalDpi xmlns:a14="http://schemas.microsoft.com/office/drawing/2010/main" val="0"/>
+              </a:ext>
+            </a:extLst>
+          </a:blip>
+          <a:srcRect/>
+          <a:stretch>
+            <a:fillRect/>
+          </a:stretch>
+        </p:blipFill>
+        <p:spPr bwMode="auto">
+          <a:xfrm>
+            <a:off x="4513277" y="2953935"/>
+            <a:ext cx="3447875" cy="3362975"/>
+          </a:xfrm>
+          <a:prstGeom prst="rect">
+            <a:avLst/>
+          </a:prstGeom>
+          <a:noFill/>
+          <a:ln>
+            <a:noFill/>
+          </a:ln>
+          <a:effectLst/>
+          <a:extLst>
+            <a:ext uri="{909E8E84-426E-40DD-AFC4-6F175D3DCCD1}">
+              <a14:hiddenFill xmlns:a14="http://schemas.microsoft.com/office/drawing/2010/main">
+                <a:solidFill>
+                  <a:schemeClr val="accent1"/>
+                </a:solidFill>
+              </a14:hiddenFill>
+            </a:ext>
+            <a:ext uri="{91240B29-F687-4F45-9708-019B960494DF}">
+              <a14:hiddenLine xmlns:a14="http://schemas.microsoft.com/office/drawing/2010/main" w="9525">
+                <a:solidFill>
+                  <a:schemeClr val="tx1"/>
+                </a:solidFill>
+                <a:miter lim="800000"/>
+                <a:headEnd/>
+                <a:tailEnd/>
+              </a14:hiddenLine>
+            </a:ext>
+            <a:ext uri="{AF507438-7753-43E0-B8FC-AC1667EBCBE1}">
+              <a14:hiddenEffects xmlns:a14="http://schemas.microsoft.com/office/drawing/2010/main">
+                <a:effectLst>
+                  <a:outerShdw dist="35921" dir="2700000" algn="ctr" rotWithShape="0">
+                    <a:schemeClr val="bg2"/>
+                  </a:outerShdw>
+                </a:effectLst>
+              </a14:hiddenEffects>
+            </a:ext>
+          </a:extLst>
+        </p:spPr>
+      </p:pic>
+      <p:sp>
+        <p:nvSpPr>
+          <p:cNvPr id="11" name="Title 1"/>
+          <p:cNvSpPr txBox="1">
+            <a:spLocks/>
+          </p:cNvSpPr>
+          <p:nvPr/>
+        </p:nvSpPr>
+        <p:spPr>
+          <a:xfrm>
+            <a:off x="4732088" y="1381081"/>
+            <a:ext cx="5501058" cy="498054"/>
+          </a:xfrm>
+          <a:prstGeom prst="rect">
+            <a:avLst/>
+          </a:prstGeom>
+        </p:spPr>
+        <p:txBody>
+          <a:bodyPr/>
+          <a:lstStyle>
+            <a:lvl1pPr algn="l" defTabSz="914377" rtl="0" eaLnBrk="1" latinLnBrk="0" hangingPunct="1">
+              <a:lnSpc>
+                <a:spcPct val="90000"/>
+              </a:lnSpc>
+              <a:spcBef>
+                <a:spcPct val="0"/>
+              </a:spcBef>
+              <a:buNone/>
+              <a:defRPr sz="4400" kern="1200">
+                <a:solidFill>
+                  <a:schemeClr val="tx1"/>
+                </a:solidFill>
+                <a:latin typeface="+mj-lt"/>
+                <a:ea typeface="+mj-ea"/>
+                <a:cs typeface="+mj-cs"/>
+              </a:defRPr>
+            </a:lvl1pPr>
+          </a:lstStyle>
+          <a:p>
+            <a:r>
+              <a:rPr lang="en-US" sz="2000" dirty="0" smtClean="0">
+                <a:latin typeface="Arial" pitchFamily="34" charset="0"/>
+                <a:cs typeface="Arial" pitchFamily="34" charset="0"/>
+              </a:rPr>
+              <a:t>Rossby Waves: ~10-30 days,  ~100-200 km</a:t>
+            </a:r>
+            <a:endParaRPr lang="en-NZ" sz="2000" dirty="0">
+              <a:latin typeface="Arial" pitchFamily="34" charset="0"/>
+              <a:cs typeface="Arial" pitchFamily="34" charset="0"/>
+            </a:endParaRPr>
+          </a:p>
+        </p:txBody>
+      </p:sp>
+      <p:pic>
+        <p:nvPicPr>
+          <p:cNvPr id="3079" name="Picture 7"/>
+          <p:cNvPicPr>
+            <a:picLocks noChangeAspect="1" noChangeArrowheads="1"/>
+          </p:cNvPicPr>
+          <p:nvPr/>
+        </p:nvPicPr>
+        <p:blipFill>
+          <a:blip r:embed="rId5">
+            <a:extLst>
+              <a:ext uri="{28A0092B-C50C-407E-A947-70E740481C1C}">
+                <a14:useLocalDpi xmlns:a14="http://schemas.microsoft.com/office/drawing/2010/main" val="0"/>
+              </a:ext>
+            </a:extLst>
+          </a:blip>
+          <a:srcRect/>
+          <a:stretch>
+            <a:fillRect/>
+          </a:stretch>
+        </p:blipFill>
+        <p:spPr bwMode="auto">
+          <a:xfrm>
+            <a:off x="8894611" y="2953936"/>
+            <a:ext cx="2677071" cy="3362974"/>
+          </a:xfrm>
+          <a:prstGeom prst="rect">
+            <a:avLst/>
+          </a:prstGeom>
+          <a:noFill/>
+          <a:ln>
+            <a:noFill/>
+          </a:ln>
+          <a:effectLst/>
+          <a:extLst>
+            <a:ext uri="{909E8E84-426E-40DD-AFC4-6F175D3DCCD1}">
+              <a14:hiddenFill xmlns:a14="http://schemas.microsoft.com/office/drawing/2010/main">
+                <a:solidFill>
+                  <a:schemeClr val="accent1"/>
+                </a:solidFill>
+              </a14:hiddenFill>
+            </a:ext>
+            <a:ext uri="{91240B29-F687-4F45-9708-019B960494DF}">
+              <a14:hiddenLine xmlns:a14="http://schemas.microsoft.com/office/drawing/2010/main" w="9525">
+                <a:solidFill>
+                  <a:schemeClr val="tx1"/>
+                </a:solidFill>
+                <a:miter lim="800000"/>
+                <a:headEnd/>
+                <a:tailEnd/>
+              </a14:hiddenLine>
+            </a:ext>
+            <a:ext uri="{AF507438-7753-43E0-B8FC-AC1667EBCBE1}">
+              <a14:hiddenEffects xmlns:a14="http://schemas.microsoft.com/office/drawing/2010/main">
+                <a:effectLst>
+                  <a:outerShdw dist="35921" dir="2700000" algn="ctr" rotWithShape="0">
+                    <a:schemeClr val="bg2"/>
+                  </a:outerShdw>
+                </a:effectLst>
+              </a14:hiddenEffects>
+            </a:ext>
+          </a:extLst>
+        </p:spPr>
+      </p:pic>
+      <p:cxnSp>
+        <p:nvCxnSpPr>
+          <p:cNvPr id="4" name="Straight Arrow Connector 3"/>
+          <p:cNvCxnSpPr/>
+          <p:nvPr/>
+        </p:nvCxnSpPr>
+        <p:spPr>
+          <a:xfrm flipH="1">
+            <a:off x="4932727" y="1879135"/>
+            <a:ext cx="4253218" cy="0"/>
+          </a:xfrm>
+          <a:prstGeom prst="straightConnector1">
+            <a:avLst/>
+          </a:prstGeom>
+          <a:ln>
+            <a:tailEnd type="arrow"/>
+          </a:ln>
+        </p:spPr>
+        <p:style>
+          <a:lnRef idx="1">
+            <a:schemeClr val="dk1"/>
+          </a:lnRef>
+          <a:fillRef idx="0">
+            <a:schemeClr val="dk1"/>
+          </a:fillRef>
+          <a:effectRef idx="0">
+            <a:schemeClr val="dk1"/>
+          </a:effectRef>
+          <a:fontRef idx="minor">
+            <a:schemeClr val="tx1"/>
+          </a:fontRef>
+        </p:style>
+      </p:cxnSp>
+      <p:cxnSp>
+        <p:nvCxnSpPr>
+          <p:cNvPr id="16" name="Straight Arrow Connector 15"/>
+          <p:cNvCxnSpPr/>
+          <p:nvPr/>
+        </p:nvCxnSpPr>
+        <p:spPr>
+          <a:xfrm flipH="1">
+            <a:off x="748019" y="2123814"/>
+            <a:ext cx="1510018" cy="0"/>
+          </a:xfrm>
+          <a:prstGeom prst="straightConnector1">
+            <a:avLst/>
+          </a:prstGeom>
+          <a:ln>
+            <a:tailEnd type="arrow"/>
+          </a:ln>
+        </p:spPr>
+        <p:style>
+          <a:lnRef idx="1">
+            <a:schemeClr val="dk1"/>
+          </a:lnRef>
+          <a:fillRef idx="0">
+            <a:schemeClr val="dk1"/>
+          </a:fillRef>
+          <a:effectRef idx="0">
+            <a:schemeClr val="dk1"/>
+          </a:effectRef>
+          <a:fontRef idx="minor">
+            <a:schemeClr val="tx1"/>
+          </a:fontRef>
+        </p:style>
+      </p:cxnSp>
+      <p:cxnSp>
+        <p:nvCxnSpPr>
+          <p:cNvPr id="17" name="Straight Arrow Connector 16"/>
+          <p:cNvCxnSpPr/>
+          <p:nvPr/>
+        </p:nvCxnSpPr>
+        <p:spPr>
+          <a:xfrm flipH="1">
+            <a:off x="4934125" y="2048313"/>
+            <a:ext cx="4251820" cy="0"/>
+          </a:xfrm>
+          <a:prstGeom prst="straightConnector1">
+            <a:avLst/>
+          </a:prstGeom>
+          <a:ln>
+            <a:tailEnd type="arrow"/>
+          </a:ln>
+        </p:spPr>
+        <p:style>
+          <a:lnRef idx="1">
+            <a:schemeClr val="dk1"/>
+          </a:lnRef>
+          <a:fillRef idx="0">
+            <a:schemeClr val="dk1"/>
+          </a:fillRef>
+          <a:effectRef idx="0">
+            <a:schemeClr val="dk1"/>
+          </a:effectRef>
+          <a:fontRef idx="minor">
+            <a:schemeClr val="tx1"/>
+          </a:fontRef>
+        </p:style>
+      </p:cxnSp>
+      <p:cxnSp>
+        <p:nvCxnSpPr>
+          <p:cNvPr id="18" name="Straight Arrow Connector 17"/>
+          <p:cNvCxnSpPr/>
+          <p:nvPr/>
+        </p:nvCxnSpPr>
+        <p:spPr>
+          <a:xfrm flipH="1">
+            <a:off x="4943912" y="2217491"/>
+            <a:ext cx="4242033" cy="0"/>
+          </a:xfrm>
+          <a:prstGeom prst="straightConnector1">
+            <a:avLst/>
+          </a:prstGeom>
+          <a:ln>
+            <a:tailEnd type="arrow"/>
+          </a:ln>
+        </p:spPr>
+        <p:style>
+          <a:lnRef idx="1">
+            <a:schemeClr val="dk1"/>
+          </a:lnRef>
+          <a:fillRef idx="0">
+            <a:schemeClr val="dk1"/>
+          </a:fillRef>
+          <a:effectRef idx="0">
+            <a:schemeClr val="dk1"/>
+          </a:effectRef>
+          <a:fontRef idx="minor">
+            <a:schemeClr val="tx1"/>
+          </a:fontRef>
+        </p:style>
+      </p:cxnSp>
+      <p:sp>
+        <p:nvSpPr>
+          <p:cNvPr id="22" name="Title 1"/>
+          <p:cNvSpPr txBox="1">
+            <a:spLocks/>
+          </p:cNvSpPr>
+          <p:nvPr/>
+        </p:nvSpPr>
+        <p:spPr>
+          <a:xfrm>
+            <a:off x="722152" y="1480121"/>
+            <a:ext cx="687200" cy="662781"/>
+          </a:xfrm>
+          <a:prstGeom prst="rect">
+            <a:avLst/>
+          </a:prstGeom>
+        </p:spPr>
+        <p:txBody>
+          <a:bodyPr/>
+          <a:lstStyle>
+            <a:lvl1pPr algn="l" defTabSz="914377" rtl="0" eaLnBrk="1" latinLnBrk="0" hangingPunct="1">
+              <a:lnSpc>
+                <a:spcPct val="90000"/>
+              </a:lnSpc>
+              <a:spcBef>
+                <a:spcPct val="0"/>
+              </a:spcBef>
+              <a:buNone/>
+              <a:defRPr sz="4400" kern="1200">
+                <a:solidFill>
+                  <a:schemeClr val="tx1"/>
+                </a:solidFill>
+                <a:latin typeface="+mj-lt"/>
+                <a:ea typeface="+mj-ea"/>
+                <a:cs typeface="+mj-cs"/>
+              </a:defRPr>
+            </a:lvl1pPr>
+          </a:lstStyle>
+          <a:p>
+            <a:r>
+              <a:rPr lang="en-US" sz="1400" dirty="0" smtClean="0">
+                <a:latin typeface="Arial" pitchFamily="34" charset="0"/>
+                <a:cs typeface="Arial" pitchFamily="34" charset="0"/>
+              </a:rPr>
+              <a:t>NZ</a:t>
+            </a:r>
+            <a:endParaRPr lang="en-NZ" sz="1400" dirty="0">
+              <a:latin typeface="Arial" pitchFamily="34" charset="0"/>
+              <a:cs typeface="Arial" pitchFamily="34" charset="0"/>
+            </a:endParaRPr>
+          </a:p>
+        </p:txBody>
+      </p:sp>
+      <p:sp>
+        <p:nvSpPr>
+          <p:cNvPr id="23" name="Title 1"/>
+          <p:cNvSpPr txBox="1">
+            <a:spLocks/>
+          </p:cNvSpPr>
+          <p:nvPr/>
+        </p:nvSpPr>
+        <p:spPr>
+          <a:xfrm>
+            <a:off x="11582610" y="2204909"/>
+            <a:ext cx="687200" cy="662781"/>
+          </a:xfrm>
+          <a:prstGeom prst="rect">
+            <a:avLst/>
+          </a:prstGeom>
+        </p:spPr>
+        <p:txBody>
+          <a:bodyPr/>
+          <a:lstStyle>
+            <a:lvl1pPr algn="l" defTabSz="914377" rtl="0" eaLnBrk="1" latinLnBrk="0" hangingPunct="1">
+              <a:lnSpc>
+                <a:spcPct val="90000"/>
+              </a:lnSpc>
+              <a:spcBef>
+                <a:spcPct val="0"/>
+              </a:spcBef>
+              <a:buNone/>
+              <a:defRPr sz="4400" kern="1200">
+                <a:solidFill>
+                  <a:schemeClr val="tx1"/>
+                </a:solidFill>
+                <a:latin typeface="+mj-lt"/>
+                <a:ea typeface="+mj-ea"/>
+                <a:cs typeface="+mj-cs"/>
+              </a:defRPr>
+            </a:lvl1pPr>
+          </a:lstStyle>
+          <a:p>
+            <a:r>
+              <a:rPr lang="en-US" sz="1400" dirty="0" smtClean="0">
+                <a:latin typeface="Arial" pitchFamily="34" charset="0"/>
+                <a:cs typeface="Arial" pitchFamily="34" charset="0"/>
+              </a:rPr>
+              <a:t>Chile</a:t>
+            </a:r>
+            <a:endParaRPr lang="en-NZ" sz="1400" dirty="0">
+              <a:latin typeface="Arial" pitchFamily="34" charset="0"/>
+              <a:cs typeface="Arial" pitchFamily="34" charset="0"/>
+            </a:endParaRPr>
+          </a:p>
+        </p:txBody>
+      </p:sp>
+      <p:cxnSp>
+        <p:nvCxnSpPr>
+          <p:cNvPr id="14" name="Straight Connector 13"/>
+          <p:cNvCxnSpPr/>
+          <p:nvPr/>
+        </p:nvCxnSpPr>
+        <p:spPr>
+          <a:xfrm flipV="1">
+            <a:off x="1907348" y="5075339"/>
+            <a:ext cx="0" cy="234892"/>
+          </a:xfrm>
+          <a:prstGeom prst="line">
+            <a:avLst/>
+          </a:prstGeom>
+        </p:spPr>
+        <p:style>
+          <a:lnRef idx="1">
+            <a:schemeClr val="dk1"/>
+          </a:lnRef>
+          <a:fillRef idx="0">
+            <a:schemeClr val="dk1"/>
+          </a:fillRef>
+          <a:effectRef idx="0">
+            <a:schemeClr val="dk1"/>
+          </a:effectRef>
+          <a:fontRef idx="minor">
+            <a:schemeClr val="tx1"/>
+          </a:fontRef>
+        </p:style>
+      </p:cxnSp>
+      <p:sp>
+        <p:nvSpPr>
+          <p:cNvPr id="28" name="Title 1"/>
+          <p:cNvSpPr txBox="1">
+            <a:spLocks/>
+          </p:cNvSpPr>
+          <p:nvPr/>
+        </p:nvSpPr>
+        <p:spPr>
+          <a:xfrm>
+            <a:off x="1175988" y="5050172"/>
+            <a:ext cx="848685" cy="662781"/>
+          </a:xfrm>
+          <a:prstGeom prst="rect">
+            <a:avLst/>
+          </a:prstGeom>
+        </p:spPr>
+        <p:txBody>
+          <a:bodyPr/>
+          <a:lstStyle>
+            <a:lvl1pPr algn="l" defTabSz="914377" rtl="0" eaLnBrk="1" latinLnBrk="0" hangingPunct="1">
+              <a:lnSpc>
+                <a:spcPct val="90000"/>
+              </a:lnSpc>
+              <a:spcBef>
+                <a:spcPct val="0"/>
+              </a:spcBef>
+              <a:buNone/>
+              <a:defRPr sz="4400" kern="1200">
+                <a:solidFill>
+                  <a:schemeClr val="tx1"/>
+                </a:solidFill>
+                <a:latin typeface="+mj-lt"/>
+                <a:ea typeface="+mj-ea"/>
+                <a:cs typeface="+mj-cs"/>
+              </a:defRPr>
+            </a:lvl1pPr>
+          </a:lstStyle>
+          <a:p>
+            <a:r>
+              <a:rPr lang="en-US" sz="1400" dirty="0" smtClean="0">
+                <a:latin typeface="Arial" pitchFamily="34" charset="0"/>
+                <a:cs typeface="Arial" pitchFamily="34" charset="0"/>
+              </a:rPr>
+              <a:t>100 km</a:t>
+            </a:r>
+            <a:endParaRPr lang="en-NZ" sz="1400" dirty="0">
+              <a:latin typeface="Arial" pitchFamily="34" charset="0"/>
+              <a:cs typeface="Arial" pitchFamily="34" charset="0"/>
+            </a:endParaRPr>
+          </a:p>
+        </p:txBody>
+      </p:sp>
+      <p:sp>
+        <p:nvSpPr>
+          <p:cNvPr id="29" name="Title 1"/>
+          <p:cNvSpPr txBox="1">
+            <a:spLocks/>
+          </p:cNvSpPr>
+          <p:nvPr/>
+        </p:nvSpPr>
+        <p:spPr>
+          <a:xfrm>
+            <a:off x="2649839" y="5079508"/>
+            <a:ext cx="1792065" cy="662781"/>
+          </a:xfrm>
+          <a:prstGeom prst="rect">
+            <a:avLst/>
+          </a:prstGeom>
+        </p:spPr>
+        <p:txBody>
+          <a:bodyPr/>
+          <a:lstStyle>
+            <a:lvl1pPr algn="l" defTabSz="914377" rtl="0" eaLnBrk="1" latinLnBrk="0" hangingPunct="1">
+              <a:lnSpc>
+                <a:spcPct val="90000"/>
+              </a:lnSpc>
+              <a:spcBef>
+                <a:spcPct val="0"/>
+              </a:spcBef>
+              <a:buNone/>
+              <a:defRPr sz="4400" kern="1200">
+                <a:solidFill>
+                  <a:schemeClr val="tx1"/>
+                </a:solidFill>
+                <a:latin typeface="+mj-lt"/>
+                <a:ea typeface="+mj-ea"/>
+                <a:cs typeface="+mj-cs"/>
+              </a:defRPr>
+            </a:lvl1pPr>
+          </a:lstStyle>
+          <a:p>
+            <a:r>
+              <a:rPr lang="en-US" sz="1400" dirty="0" smtClean="0">
+                <a:latin typeface="Arial" pitchFamily="34" charset="0"/>
+                <a:cs typeface="Arial" pitchFamily="34" charset="0"/>
+              </a:rPr>
+              <a:t>Rossby Waves</a:t>
+            </a:r>
+          </a:p>
+        </p:txBody>
+      </p:sp>
+      <p:cxnSp>
+        <p:nvCxnSpPr>
+          <p:cNvPr id="30" name="Straight Arrow Connector 29"/>
+          <p:cNvCxnSpPr/>
+          <p:nvPr/>
+        </p:nvCxnSpPr>
+        <p:spPr>
+          <a:xfrm flipH="1">
+            <a:off x="3003259" y="5381562"/>
+            <a:ext cx="682555" cy="0"/>
+          </a:xfrm>
+          <a:prstGeom prst="straightConnector1">
+            <a:avLst/>
+          </a:prstGeom>
+          <a:ln>
+            <a:tailEnd type="arrow"/>
+          </a:ln>
+        </p:spPr>
+        <p:style>
+          <a:lnRef idx="1">
+            <a:schemeClr val="dk1"/>
+          </a:lnRef>
+          <a:fillRef idx="0">
+            <a:schemeClr val="dk1"/>
+          </a:fillRef>
+          <a:effectRef idx="0">
+            <a:schemeClr val="dk1"/>
+          </a:effectRef>
+          <a:fontRef idx="minor">
+            <a:schemeClr val="tx1"/>
+          </a:fontRef>
+        </p:style>
+      </p:cxnSp>
+      <p:sp>
+        <p:nvSpPr>
+          <p:cNvPr id="32" name="Title 1"/>
+          <p:cNvSpPr txBox="1">
+            <a:spLocks/>
+          </p:cNvSpPr>
+          <p:nvPr/>
+        </p:nvSpPr>
+        <p:spPr>
+          <a:xfrm>
+            <a:off x="1757815" y="5561850"/>
+            <a:ext cx="1792065" cy="662781"/>
+          </a:xfrm>
+          <a:prstGeom prst="rect">
+            <a:avLst/>
+          </a:prstGeom>
+        </p:spPr>
+        <p:txBody>
+          <a:bodyPr/>
+          <a:lstStyle>
+            <a:lvl1pPr algn="l" defTabSz="914377" rtl="0" eaLnBrk="1" latinLnBrk="0" hangingPunct="1">
+              <a:lnSpc>
+                <a:spcPct val="90000"/>
+              </a:lnSpc>
+              <a:spcBef>
+                <a:spcPct val="0"/>
+              </a:spcBef>
+              <a:buNone/>
+              <a:defRPr sz="4400" kern="1200">
+                <a:solidFill>
+                  <a:schemeClr val="tx1"/>
+                </a:solidFill>
+                <a:latin typeface="+mj-lt"/>
+                <a:ea typeface="+mj-ea"/>
+                <a:cs typeface="+mj-cs"/>
+              </a:defRPr>
+            </a:lvl1pPr>
+          </a:lstStyle>
+          <a:p>
+            <a:endParaRPr lang="en-US" sz="1400" dirty="0" smtClean="0">
+              <a:latin typeface="Arial" pitchFamily="34" charset="0"/>
+              <a:cs typeface="Arial" pitchFamily="34" charset="0"/>
+            </a:endParaRPr>
+          </a:p>
+          <a:p>
+            <a:r>
+              <a:rPr lang="en-US" sz="1400" dirty="0" smtClean="0">
+                <a:latin typeface="Arial" pitchFamily="34" charset="0"/>
+                <a:cs typeface="Arial" pitchFamily="34" charset="0"/>
+              </a:rPr>
+              <a:t>Southland Current</a:t>
+            </a:r>
+          </a:p>
+        </p:txBody>
+      </p:sp>
+      <p:cxnSp>
+        <p:nvCxnSpPr>
+          <p:cNvPr id="33" name="Straight Connector 32"/>
+          <p:cNvCxnSpPr/>
+          <p:nvPr/>
+        </p:nvCxnSpPr>
+        <p:spPr>
+          <a:xfrm flipV="1">
+            <a:off x="5922276" y="4118995"/>
+            <a:ext cx="0" cy="831909"/>
+          </a:xfrm>
+          <a:prstGeom prst="line">
+            <a:avLst/>
+          </a:prstGeom>
+        </p:spPr>
+        <p:style>
+          <a:lnRef idx="1">
+            <a:schemeClr val="dk1"/>
+          </a:lnRef>
+          <a:fillRef idx="0">
+            <a:schemeClr val="dk1"/>
+          </a:fillRef>
+          <a:effectRef idx="0">
+            <a:schemeClr val="dk1"/>
+          </a:effectRef>
+          <a:fontRef idx="minor">
+            <a:schemeClr val="tx1"/>
+          </a:fontRef>
+        </p:style>
+      </p:cxnSp>
+      <p:sp>
+        <p:nvSpPr>
+          <p:cNvPr id="35" name="Title 1"/>
+          <p:cNvSpPr txBox="1">
+            <a:spLocks/>
+          </p:cNvSpPr>
+          <p:nvPr/>
+        </p:nvSpPr>
+        <p:spPr>
+          <a:xfrm>
+            <a:off x="5204102" y="4396505"/>
+            <a:ext cx="848685" cy="662781"/>
+          </a:xfrm>
+          <a:prstGeom prst="rect">
+            <a:avLst/>
+          </a:prstGeom>
+        </p:spPr>
+        <p:txBody>
+          <a:bodyPr/>
+          <a:lstStyle>
+            <a:lvl1pPr algn="l" defTabSz="914377" rtl="0" eaLnBrk="1" latinLnBrk="0" hangingPunct="1">
+              <a:lnSpc>
+                <a:spcPct val="90000"/>
+              </a:lnSpc>
+              <a:spcBef>
+                <a:spcPct val="0"/>
+              </a:spcBef>
+              <a:buNone/>
+              <a:defRPr sz="4400" kern="1200">
+                <a:solidFill>
+                  <a:schemeClr val="tx1"/>
+                </a:solidFill>
+                <a:latin typeface="+mj-lt"/>
+                <a:ea typeface="+mj-ea"/>
+                <a:cs typeface="+mj-cs"/>
+              </a:defRPr>
+            </a:lvl1pPr>
+          </a:lstStyle>
+          <a:p>
+            <a:r>
+              <a:rPr lang="en-US" sz="1400" dirty="0" smtClean="0">
+                <a:latin typeface="Arial" pitchFamily="34" charset="0"/>
+                <a:cs typeface="Arial" pitchFamily="34" charset="0"/>
+              </a:rPr>
+              <a:t>100 km</a:t>
+            </a:r>
+            <a:endParaRPr lang="en-NZ" sz="1400" dirty="0">
+              <a:latin typeface="Arial" pitchFamily="34" charset="0"/>
+              <a:cs typeface="Arial" pitchFamily="34" charset="0"/>
+            </a:endParaRPr>
+          </a:p>
+        </p:txBody>
+      </p:sp>
+      <p:sp>
+        <p:nvSpPr>
+          <p:cNvPr id="36" name="Title 1"/>
+          <p:cNvSpPr txBox="1">
+            <a:spLocks/>
+          </p:cNvSpPr>
+          <p:nvPr/>
+        </p:nvSpPr>
+        <p:spPr>
+          <a:xfrm>
+            <a:off x="4479721" y="2761039"/>
+            <a:ext cx="2139193" cy="930117"/>
+          </a:xfrm>
+          <a:prstGeom prst="rect">
+            <a:avLst/>
+          </a:prstGeom>
+        </p:spPr>
+        <p:txBody>
+          <a:bodyPr/>
+          <a:lstStyle>
+            <a:lvl1pPr algn="l" defTabSz="914377" rtl="0" eaLnBrk="1" latinLnBrk="0" hangingPunct="1">
+              <a:lnSpc>
+                <a:spcPct val="90000"/>
+              </a:lnSpc>
+              <a:spcBef>
+                <a:spcPct val="0"/>
+              </a:spcBef>
+              <a:buNone/>
+              <a:defRPr sz="4400" kern="1200">
+                <a:solidFill>
+                  <a:schemeClr val="tx1"/>
+                </a:solidFill>
+                <a:latin typeface="+mj-lt"/>
+                <a:ea typeface="+mj-ea"/>
+                <a:cs typeface="+mj-cs"/>
+              </a:defRPr>
+            </a:lvl1pPr>
+          </a:lstStyle>
+          <a:p>
+            <a:endParaRPr lang="en-US" sz="1400" dirty="0" smtClean="0">
+              <a:latin typeface="Arial" pitchFamily="34" charset="0"/>
+              <a:cs typeface="Arial" pitchFamily="34" charset="0"/>
+            </a:endParaRPr>
+          </a:p>
+          <a:p>
+            <a:r>
+              <a:rPr lang="en-US" sz="1400" dirty="0" smtClean="0">
+                <a:latin typeface="Arial" pitchFamily="34" charset="0"/>
+                <a:cs typeface="Arial" pitchFamily="34" charset="0"/>
+              </a:rPr>
+              <a:t>Eddies +</a:t>
+            </a:r>
+            <a:r>
+              <a:rPr lang="en-US" sz="1400" dirty="0">
+                <a:latin typeface="Arial" pitchFamily="34" charset="0"/>
+                <a:cs typeface="Arial" pitchFamily="34" charset="0"/>
+              </a:rPr>
+              <a:t> </a:t>
+            </a:r>
+            <a:r>
+              <a:rPr lang="en-US" sz="1400" dirty="0" smtClean="0">
+                <a:latin typeface="Arial" pitchFamily="34" charset="0"/>
+                <a:cs typeface="Arial" pitchFamily="34" charset="0"/>
+              </a:rPr>
+              <a:t>topography +</a:t>
+            </a:r>
+          </a:p>
+          <a:p>
+            <a:r>
+              <a:rPr lang="en-US" sz="1400" dirty="0" smtClean="0">
+                <a:latin typeface="Arial" pitchFamily="34" charset="0"/>
+                <a:cs typeface="Arial" pitchFamily="34" charset="0"/>
+              </a:rPr>
+              <a:t>Local BC instabilities</a:t>
+            </a:r>
+          </a:p>
+          <a:p>
+            <a:r>
+              <a:rPr lang="en-US" sz="1400" dirty="0" smtClean="0">
+                <a:latin typeface="Arial" pitchFamily="34" charset="0"/>
+                <a:cs typeface="Arial" pitchFamily="34" charset="0"/>
+              </a:rPr>
+              <a:t>Southland current eddy</a:t>
+            </a:r>
+          </a:p>
+        </p:txBody>
+      </p:sp>
+      <p:sp>
+        <p:nvSpPr>
+          <p:cNvPr id="37" name="Title 1"/>
+          <p:cNvSpPr txBox="1">
+            <a:spLocks/>
+          </p:cNvSpPr>
+          <p:nvPr/>
+        </p:nvSpPr>
+        <p:spPr>
+          <a:xfrm>
+            <a:off x="8860171" y="2767022"/>
+            <a:ext cx="2103792" cy="1351972"/>
+          </a:xfrm>
+          <a:prstGeom prst="rect">
+            <a:avLst/>
+          </a:prstGeom>
+        </p:spPr>
+        <p:txBody>
+          <a:bodyPr/>
+          <a:lstStyle>
+            <a:lvl1pPr algn="l" defTabSz="914377" rtl="0" eaLnBrk="1" latinLnBrk="0" hangingPunct="1">
+              <a:lnSpc>
+                <a:spcPct val="90000"/>
+              </a:lnSpc>
+              <a:spcBef>
+                <a:spcPct val="0"/>
+              </a:spcBef>
+              <a:buNone/>
+              <a:defRPr sz="4400" kern="1200">
+                <a:solidFill>
+                  <a:schemeClr val="tx1"/>
+                </a:solidFill>
+                <a:latin typeface="+mj-lt"/>
+                <a:ea typeface="+mj-ea"/>
+                <a:cs typeface="+mj-cs"/>
+              </a:defRPr>
+            </a:lvl1pPr>
+          </a:lstStyle>
+          <a:p>
+            <a:endParaRPr lang="en-US" sz="1400" dirty="0" smtClean="0">
+              <a:latin typeface="Arial" pitchFamily="34" charset="0"/>
+              <a:cs typeface="Arial" pitchFamily="34" charset="0"/>
+            </a:endParaRPr>
+          </a:p>
+          <a:p>
+            <a:r>
+              <a:rPr lang="en-US" sz="1400" dirty="0" smtClean="0">
+                <a:latin typeface="Arial" pitchFamily="34" charset="0"/>
+                <a:cs typeface="Arial" pitchFamily="34" charset="0"/>
+              </a:rPr>
+              <a:t>Coastal jets and waves</a:t>
+            </a:r>
+          </a:p>
+          <a:p>
+            <a:r>
+              <a:rPr lang="en-US" sz="1400" dirty="0" smtClean="0">
+                <a:latin typeface="Arial" pitchFamily="34" charset="0"/>
+                <a:cs typeface="Arial" pitchFamily="34" charset="0"/>
+              </a:rPr>
+              <a:t>Frontal structures</a:t>
+            </a:r>
+          </a:p>
+          <a:p>
+            <a:r>
+              <a:rPr lang="en-US" sz="1400" dirty="0" smtClean="0">
+                <a:latin typeface="Arial" pitchFamily="34" charset="0"/>
+                <a:cs typeface="Arial" pitchFamily="34" charset="0"/>
+              </a:rPr>
+              <a:t>Tides</a:t>
+            </a:r>
+          </a:p>
+          <a:p>
+            <a:r>
+              <a:rPr lang="en-US" sz="1400" dirty="0" smtClean="0">
+                <a:latin typeface="Arial" pitchFamily="34" charset="0"/>
+                <a:cs typeface="Arial" pitchFamily="34" charset="0"/>
+              </a:rPr>
+              <a:t>Winds</a:t>
+            </a:r>
           </a:p>
         </p:txBody>
       </p:sp>

--- a/soutelino_MSL_CeP2015.pptx
+++ b/soutelino_MSL_CeP2015.pptx
@@ -6,28 +6,27 @@
     <p:sldMasterId id="2147483648" r:id="rId2"/>
   </p:sldMasterIdLst>
   <p:notesMasterIdLst>
-    <p:notesMasterId r:id="rId19"/>
+    <p:notesMasterId r:id="rId18"/>
   </p:notesMasterIdLst>
   <p:handoutMasterIdLst>
-    <p:handoutMasterId r:id="rId20"/>
+    <p:handoutMasterId r:id="rId19"/>
   </p:handoutMasterIdLst>
   <p:sldIdLst>
     <p:sldId id="278" r:id="rId3"/>
     <p:sldId id="277" r:id="rId4"/>
     <p:sldId id="279" r:id="rId5"/>
     <p:sldId id="288" r:id="rId6"/>
-    <p:sldId id="290" r:id="rId7"/>
-    <p:sldId id="289" r:id="rId8"/>
-    <p:sldId id="280" r:id="rId9"/>
+    <p:sldId id="289" r:id="rId7"/>
+    <p:sldId id="280" r:id="rId8"/>
+    <p:sldId id="290" r:id="rId9"/>
     <p:sldId id="281" r:id="rId10"/>
     <p:sldId id="291" r:id="rId11"/>
     <p:sldId id="282" r:id="rId12"/>
-    <p:sldId id="283" r:id="rId13"/>
-    <p:sldId id="284" r:id="rId14"/>
-    <p:sldId id="285" r:id="rId15"/>
-    <p:sldId id="286" r:id="rId16"/>
-    <p:sldId id="287" r:id="rId17"/>
-    <p:sldId id="292" r:id="rId18"/>
+    <p:sldId id="284" r:id="rId13"/>
+    <p:sldId id="285" r:id="rId14"/>
+    <p:sldId id="286" r:id="rId15"/>
+    <p:sldId id="287" r:id="rId16"/>
+    <p:sldId id="292" r:id="rId17"/>
   </p:sldIdLst>
   <p:sldSz cx="12192000" cy="6858000"/>
   <p:notesSz cx="6858000" cy="9144000"/>
@@ -2269,12 +2268,129 @@
         </p:blipFill>
         <p:spPr>
           <a:xfrm>
-            <a:off x="687897" y="1809675"/>
+            <a:off x="903797" y="819075"/>
             <a:ext cx="10058400" cy="4429798"/>
           </a:xfrm>
           <a:prstGeom prst="rect">
             <a:avLst/>
           </a:prstGeom>
+        </p:spPr>
+      </p:pic>
+      <p:sp>
+        <p:nvSpPr>
+          <p:cNvPr id="6" name="Title 1"/>
+          <p:cNvSpPr txBox="1">
+            <a:spLocks/>
+          </p:cNvSpPr>
+          <p:nvPr/>
+        </p:nvSpPr>
+        <p:spPr>
+          <a:xfrm>
+            <a:off x="292099" y="263525"/>
+            <a:ext cx="11057389" cy="662781"/>
+          </a:xfrm>
+          <a:prstGeom prst="rect">
+            <a:avLst/>
+          </a:prstGeom>
+        </p:spPr>
+        <p:txBody>
+          <a:bodyPr/>
+          <a:lstStyle>
+            <a:lvl1pPr algn="l" defTabSz="914377" rtl="0" eaLnBrk="1" latinLnBrk="0" hangingPunct="1">
+              <a:lnSpc>
+                <a:spcPct val="90000"/>
+              </a:lnSpc>
+              <a:spcBef>
+                <a:spcPct val="0"/>
+              </a:spcBef>
+              <a:buNone/>
+              <a:defRPr sz="4400" kern="1200">
+                <a:solidFill>
+                  <a:schemeClr val="tx1"/>
+                </a:solidFill>
+                <a:latin typeface="+mj-lt"/>
+                <a:ea typeface="+mj-ea"/>
+                <a:cs typeface="+mj-cs"/>
+              </a:defRPr>
+            </a:lvl1pPr>
+          </a:lstStyle>
+          <a:p>
+            <a:r>
+              <a:rPr lang="en-US" sz="2800" dirty="0" smtClean="0">
+                <a:latin typeface="Arial" pitchFamily="34" charset="0"/>
+                <a:cs typeface="Arial" pitchFamily="34" charset="0"/>
+              </a:rPr>
+              <a:t>Results – average flow</a:t>
+            </a:r>
+            <a:endParaRPr lang="en-NZ" sz="2800" dirty="0">
+              <a:latin typeface="Arial" pitchFamily="34" charset="0"/>
+              <a:cs typeface="Arial" pitchFamily="34" charset="0"/>
+            </a:endParaRPr>
+          </a:p>
+        </p:txBody>
+      </p:sp>
+      <p:pic>
+        <p:nvPicPr>
+          <p:cNvPr id="7" name="Picture 2"/>
+          <p:cNvPicPr>
+            <a:picLocks noChangeAspect="1" noChangeArrowheads="1"/>
+          </p:cNvPicPr>
+          <p:nvPr/>
+        </p:nvPicPr>
+        <p:blipFill>
+          <a:blip r:embed="rId3">
+            <a:extLst>
+              <a:ext uri="{28A0092B-C50C-407E-A947-70E740481C1C}">
+                <a14:useLocalDpi xmlns:a14="http://schemas.microsoft.com/office/drawing/2010/main" val="0"/>
+              </a:ext>
+            </a:extLst>
+          </a:blip>
+          <a:srcRect/>
+          <a:stretch>
+            <a:fillRect/>
+          </a:stretch>
+        </p:blipFill>
+        <p:spPr bwMode="auto">
+          <a:xfrm>
+            <a:off x="3099952" y="5297664"/>
+            <a:ext cx="6005948" cy="1205328"/>
+          </a:xfrm>
+          <a:prstGeom prst="rect">
+            <a:avLst/>
+          </a:prstGeom>
+          <a:noFill/>
+          <a:ln>
+            <a:noFill/>
+          </a:ln>
+          <a:effectLst/>
+          <a:extLst>
+            <a:ext uri="{909E8E84-426E-40DD-AFC4-6F175D3DCCD1}">
+              <a14:hiddenFill xmlns:a14="http://schemas.microsoft.com/office/drawing/2010/main">
+                <a:solidFill>
+                  <a:schemeClr val="accent1"/>
+                </a:solidFill>
+              </a14:hiddenFill>
+            </a:ext>
+            <a:ext uri="{91240B29-F687-4F45-9708-019B960494DF}">
+              <a14:hiddenLine xmlns:a14="http://schemas.microsoft.com/office/drawing/2010/main" w="9525">
+                <a:solidFill>
+                  <a:schemeClr val="tx1"/>
+                </a:solidFill>
+                <a:miter lim="800000"/>
+                <a:headEnd/>
+                <a:tailEnd/>
+              </a14:hiddenLine>
+            </a:ext>
+            <a:ext uri="{AF507438-7753-43E0-B8FC-AC1667EBCBE1}">
+              <a14:hiddenEffects xmlns:a14="http://schemas.microsoft.com/office/drawing/2010/main">
+                <a:effectLst>
+                  <a:outerShdw dist="35921" dir="2700000" algn="ctr" rotWithShape="0">
+                    <a:schemeClr val="bg2"/>
+                  </a:outerShdw>
+                </a:effectLst>
+              </a14:hiddenEffects>
+            </a:ext>
+          </a:extLst>
         </p:spPr>
       </p:pic>
     </p:spTree>
@@ -2455,9 +2571,9 @@
       </p:sp>
       <p:pic>
         <p:nvPicPr>
-          <p:cNvPr id="2050" name="Picture 2"/>
+          <p:cNvPr id="3" name="Picture 2"/>
           <p:cNvPicPr>
-            <a:picLocks noChangeAspect="1" noChangeArrowheads="1"/>
+            <a:picLocks noChangeAspect="1"/>
           </p:cNvPicPr>
           <p:nvPr/>
         </p:nvPicPr>
@@ -2469,54 +2585,73 @@
               </a:ext>
             </a:extLst>
           </a:blip>
-          <a:srcRect/>
           <a:stretch>
             <a:fillRect/>
           </a:stretch>
         </p:blipFill>
-        <p:spPr bwMode="auto">
-          <a:xfrm>
-            <a:off x="2768368" y="3498010"/>
-            <a:ext cx="6517866" cy="1308064"/>
-          </a:xfrm>
-          <a:prstGeom prst="rect">
-            <a:avLst/>
-          </a:prstGeom>
-          <a:noFill/>
-          <a:ln>
-            <a:noFill/>
-          </a:ln>
-          <a:effectLst/>
-          <a:extLst>
-            <a:ext uri="{909E8E84-426E-40DD-AFC4-6F175D3DCCD1}">
-              <a14:hiddenFill xmlns:a14="http://schemas.microsoft.com/office/drawing/2010/main">
-                <a:solidFill>
-                  <a:schemeClr val="accent1"/>
-                </a:solidFill>
-              </a14:hiddenFill>
-            </a:ext>
-            <a:ext uri="{91240B29-F687-4F45-9708-019B960494DF}">
-              <a14:hiddenLine xmlns:a14="http://schemas.microsoft.com/office/drawing/2010/main" w="9525">
+        <p:spPr>
+          <a:xfrm>
+            <a:off x="398641" y="2364106"/>
+            <a:ext cx="11408570" cy="3843748"/>
+          </a:xfrm>
+          <a:prstGeom prst="rect">
+            <a:avLst/>
+          </a:prstGeom>
+        </p:spPr>
+      </p:pic>
+      <p:sp>
+        <p:nvSpPr>
+          <p:cNvPr id="7" name="Title 1"/>
+          <p:cNvSpPr txBox="1">
+            <a:spLocks/>
+          </p:cNvSpPr>
+          <p:nvPr/>
+        </p:nvSpPr>
+        <p:spPr>
+          <a:xfrm>
+            <a:off x="292099" y="263525"/>
+            <a:ext cx="11057389" cy="662781"/>
+          </a:xfrm>
+          <a:prstGeom prst="rect">
+            <a:avLst/>
+          </a:prstGeom>
+        </p:spPr>
+        <p:txBody>
+          <a:bodyPr/>
+          <a:lstStyle>
+            <a:lvl1pPr algn="l" defTabSz="914377" rtl="0" eaLnBrk="1" latinLnBrk="0" hangingPunct="1">
+              <a:lnSpc>
+                <a:spcPct val="90000"/>
+              </a:lnSpc>
+              <a:spcBef>
+                <a:spcPct val="0"/>
+              </a:spcBef>
+              <a:buNone/>
+              <a:defRPr sz="4400" kern="1200">
                 <a:solidFill>
                   <a:schemeClr val="tx1"/>
                 </a:solidFill>
-                <a:miter lim="800000"/>
-                <a:headEnd/>
-                <a:tailEnd/>
-              </a14:hiddenLine>
-            </a:ext>
-            <a:ext uri="{AF507438-7753-43E0-B8FC-AC1667EBCBE1}">
-              <a14:hiddenEffects xmlns:a14="http://schemas.microsoft.com/office/drawing/2010/main">
-                <a:effectLst>
-                  <a:outerShdw dist="35921" dir="2700000" algn="ctr" rotWithShape="0">
-                    <a:schemeClr val="bg2"/>
-                  </a:outerShdw>
-                </a:effectLst>
-              </a14:hiddenEffects>
-            </a:ext>
-          </a:extLst>
-        </p:spPr>
-      </p:pic>
+                <a:latin typeface="+mj-lt"/>
+                <a:ea typeface="+mj-ea"/>
+                <a:cs typeface="+mj-cs"/>
+              </a:defRPr>
+            </a:lvl1pPr>
+          </a:lstStyle>
+          <a:p>
+            <a:r>
+              <a:rPr lang="en-US" sz="2800" dirty="0" smtClean="0">
+                <a:latin typeface="Arial" pitchFamily="34" charset="0"/>
+                <a:cs typeface="Arial" pitchFamily="34" charset="0"/>
+              </a:rPr>
+              <a:t>Results – model validation</a:t>
+            </a:r>
+            <a:endParaRPr lang="en-NZ" sz="2800" dirty="0">
+              <a:latin typeface="Arial" pitchFamily="34" charset="0"/>
+              <a:cs typeface="Arial" pitchFamily="34" charset="0"/>
+            </a:endParaRPr>
+          </a:p>
+        </p:txBody>
+      </p:sp>
     </p:spTree>
     <p:extLst>
       <p:ext uri="{BB962C8B-B14F-4D97-AF65-F5344CB8AC3E}">
@@ -2715,14 +2850,67 @@
         </p:blipFill>
         <p:spPr>
           <a:xfrm>
-            <a:off x="398641" y="2364106"/>
-            <a:ext cx="11408570" cy="3843748"/>
+            <a:off x="3213100" y="920162"/>
+            <a:ext cx="5627252" cy="5576782"/>
           </a:xfrm>
           <a:prstGeom prst="rect">
             <a:avLst/>
           </a:prstGeom>
         </p:spPr>
       </p:pic>
+      <p:sp>
+        <p:nvSpPr>
+          <p:cNvPr id="6" name="Title 1"/>
+          <p:cNvSpPr txBox="1">
+            <a:spLocks/>
+          </p:cNvSpPr>
+          <p:nvPr/>
+        </p:nvSpPr>
+        <p:spPr>
+          <a:xfrm>
+            <a:off x="292099" y="263525"/>
+            <a:ext cx="11057389" cy="662781"/>
+          </a:xfrm>
+          <a:prstGeom prst="rect">
+            <a:avLst/>
+          </a:prstGeom>
+        </p:spPr>
+        <p:txBody>
+          <a:bodyPr/>
+          <a:lstStyle>
+            <a:lvl1pPr algn="l" defTabSz="914377" rtl="0" eaLnBrk="1" latinLnBrk="0" hangingPunct="1">
+              <a:lnSpc>
+                <a:spcPct val="90000"/>
+              </a:lnSpc>
+              <a:spcBef>
+                <a:spcPct val="0"/>
+              </a:spcBef>
+              <a:buNone/>
+              <a:defRPr sz="4400" kern="1200">
+                <a:solidFill>
+                  <a:schemeClr val="tx1"/>
+                </a:solidFill>
+                <a:latin typeface="+mj-lt"/>
+                <a:ea typeface="+mj-ea"/>
+                <a:cs typeface="+mj-cs"/>
+              </a:defRPr>
+            </a:lvl1pPr>
+          </a:lstStyle>
+          <a:p>
+            <a:r>
+              <a:rPr lang="en-US" sz="2800" dirty="0" smtClean="0">
+                <a:latin typeface="Arial" pitchFamily="34" charset="0"/>
+                <a:cs typeface="Arial" pitchFamily="34" charset="0"/>
+              </a:rPr>
+              <a:t>Results – model validation</a:t>
+            </a:r>
+            <a:endParaRPr lang="en-NZ" sz="2800" dirty="0">
+              <a:latin typeface="Arial" pitchFamily="34" charset="0"/>
+              <a:cs typeface="Arial" pitchFamily="34" charset="0"/>
+            </a:endParaRPr>
+          </a:p>
+        </p:txBody>
+      </p:sp>
     </p:spTree>
     <p:extLst>
       <p:ext uri="{BB962C8B-B14F-4D97-AF65-F5344CB8AC3E}">
@@ -2921,14 +3109,67 @@
         </p:blipFill>
         <p:spPr>
           <a:xfrm>
-            <a:off x="3874538" y="1919251"/>
-            <a:ext cx="4456776" cy="4416804"/>
+            <a:off x="2374900" y="797549"/>
+            <a:ext cx="7442200" cy="5497794"/>
           </a:xfrm>
           <a:prstGeom prst="rect">
             <a:avLst/>
           </a:prstGeom>
         </p:spPr>
       </p:pic>
+      <p:sp>
+        <p:nvSpPr>
+          <p:cNvPr id="6" name="Title 1"/>
+          <p:cNvSpPr txBox="1">
+            <a:spLocks/>
+          </p:cNvSpPr>
+          <p:nvPr/>
+        </p:nvSpPr>
+        <p:spPr>
+          <a:xfrm>
+            <a:off x="292099" y="263525"/>
+            <a:ext cx="11057389" cy="662781"/>
+          </a:xfrm>
+          <a:prstGeom prst="rect">
+            <a:avLst/>
+          </a:prstGeom>
+        </p:spPr>
+        <p:txBody>
+          <a:bodyPr/>
+          <a:lstStyle>
+            <a:lvl1pPr algn="l" defTabSz="914377" rtl="0" eaLnBrk="1" latinLnBrk="0" hangingPunct="1">
+              <a:lnSpc>
+                <a:spcPct val="90000"/>
+              </a:lnSpc>
+              <a:spcBef>
+                <a:spcPct val="0"/>
+              </a:spcBef>
+              <a:buNone/>
+              <a:defRPr sz="4400" kern="1200">
+                <a:solidFill>
+                  <a:schemeClr val="tx1"/>
+                </a:solidFill>
+                <a:latin typeface="+mj-lt"/>
+                <a:ea typeface="+mj-ea"/>
+                <a:cs typeface="+mj-cs"/>
+              </a:defRPr>
+            </a:lvl1pPr>
+          </a:lstStyle>
+          <a:p>
+            <a:r>
+              <a:rPr lang="en-US" sz="2800" dirty="0" smtClean="0">
+                <a:latin typeface="Arial" pitchFamily="34" charset="0"/>
+                <a:cs typeface="Arial" pitchFamily="34" charset="0"/>
+              </a:rPr>
+              <a:t>Results – along-shore flow analysis</a:t>
+            </a:r>
+            <a:endParaRPr lang="en-NZ" sz="2800" dirty="0">
+              <a:latin typeface="Arial" pitchFamily="34" charset="0"/>
+              <a:cs typeface="Arial" pitchFamily="34" charset="0"/>
+            </a:endParaRPr>
+          </a:p>
+        </p:txBody>
+      </p:sp>
     </p:spTree>
     <p:extLst>
       <p:ext uri="{BB962C8B-B14F-4D97-AF65-F5344CB8AC3E}">
@@ -3127,14 +3368,97 @@
         </p:blipFill>
         <p:spPr>
           <a:xfrm>
-            <a:off x="2220790" y="683703"/>
-            <a:ext cx="7750420" cy="5725486"/>
+            <a:off x="1006231" y="3958885"/>
+            <a:ext cx="10058400" cy="2392362"/>
           </a:xfrm>
           <a:prstGeom prst="rect">
             <a:avLst/>
           </a:prstGeom>
         </p:spPr>
       </p:pic>
+      <p:pic>
+        <p:nvPicPr>
+          <p:cNvPr id="4" name="Picture 3"/>
+          <p:cNvPicPr>
+            <a:picLocks noChangeAspect="1"/>
+          </p:cNvPicPr>
+          <p:nvPr/>
+        </p:nvPicPr>
+        <p:blipFill>
+          <a:blip r:embed="rId3">
+            <a:extLst>
+              <a:ext uri="{28A0092B-C50C-407E-A947-70E740481C1C}">
+                <a14:useLocalDpi xmlns:a14="http://schemas.microsoft.com/office/drawing/2010/main" val="0"/>
+              </a:ext>
+            </a:extLst>
+          </a:blip>
+          <a:stretch>
+            <a:fillRect/>
+          </a:stretch>
+        </p:blipFill>
+        <p:spPr>
+          <a:xfrm>
+            <a:off x="1006231" y="1320211"/>
+            <a:ext cx="10058400" cy="2398183"/>
+          </a:xfrm>
+          <a:prstGeom prst="rect">
+            <a:avLst/>
+          </a:prstGeom>
+        </p:spPr>
+      </p:pic>
+      <p:sp>
+        <p:nvSpPr>
+          <p:cNvPr id="7" name="Title 1"/>
+          <p:cNvSpPr txBox="1">
+            <a:spLocks/>
+          </p:cNvSpPr>
+          <p:nvPr/>
+        </p:nvSpPr>
+        <p:spPr>
+          <a:xfrm>
+            <a:off x="292099" y="263525"/>
+            <a:ext cx="11057389" cy="662781"/>
+          </a:xfrm>
+          <a:prstGeom prst="rect">
+            <a:avLst/>
+          </a:prstGeom>
+        </p:spPr>
+        <p:txBody>
+          <a:bodyPr/>
+          <a:lstStyle>
+            <a:lvl1pPr algn="l" defTabSz="914377" rtl="0" eaLnBrk="1" latinLnBrk="0" hangingPunct="1">
+              <a:lnSpc>
+                <a:spcPct val="90000"/>
+              </a:lnSpc>
+              <a:spcBef>
+                <a:spcPct val="0"/>
+              </a:spcBef>
+              <a:buNone/>
+              <a:defRPr sz="4400" kern="1200">
+                <a:solidFill>
+                  <a:schemeClr val="tx1"/>
+                </a:solidFill>
+                <a:latin typeface="+mj-lt"/>
+                <a:ea typeface="+mj-ea"/>
+                <a:cs typeface="+mj-cs"/>
+              </a:defRPr>
+            </a:lvl1pPr>
+          </a:lstStyle>
+          <a:p>
+            <a:r>
+              <a:rPr lang="en-US" sz="2800" dirty="0" smtClean="0">
+                <a:latin typeface="Arial" pitchFamily="34" charset="0"/>
+                <a:cs typeface="Arial" pitchFamily="34" charset="0"/>
+              </a:rPr>
+              <a:t>Results – potential effects on plume dispersion</a:t>
+            </a:r>
+            <a:endParaRPr lang="en-NZ" sz="2800" dirty="0">
+              <a:latin typeface="Arial" pitchFamily="34" charset="0"/>
+              <a:cs typeface="Arial" pitchFamily="34" charset="0"/>
+            </a:endParaRPr>
+          </a:p>
+        </p:txBody>
+      </p:sp>
     </p:spTree>
     <p:extLst>
       <p:ext uri="{BB962C8B-B14F-4D97-AF65-F5344CB8AC3E}">
@@ -3311,152 +3635,9 @@
           </a:p>
         </p:txBody>
       </p:sp>
-      <p:pic>
-        <p:nvPicPr>
-          <p:cNvPr id="3" name="Picture 2"/>
-          <p:cNvPicPr>
-            <a:picLocks noChangeAspect="1"/>
-          </p:cNvPicPr>
-          <p:nvPr/>
-        </p:nvPicPr>
-        <p:blipFill>
-          <a:blip r:embed="rId2">
-            <a:extLst>
-              <a:ext uri="{28A0092B-C50C-407E-A947-70E740481C1C}">
-                <a14:useLocalDpi xmlns:a14="http://schemas.microsoft.com/office/drawing/2010/main" val="0"/>
-              </a:ext>
-            </a:extLst>
-          </a:blip>
-          <a:stretch>
-            <a:fillRect/>
-          </a:stretch>
-        </p:blipFill>
-        <p:spPr>
-          <a:xfrm>
-            <a:off x="1006231" y="3958885"/>
-            <a:ext cx="10058400" cy="2392362"/>
-          </a:xfrm>
-          <a:prstGeom prst="rect">
-            <a:avLst/>
-          </a:prstGeom>
-        </p:spPr>
-      </p:pic>
-      <p:pic>
-        <p:nvPicPr>
-          <p:cNvPr id="4" name="Picture 3"/>
-          <p:cNvPicPr>
-            <a:picLocks noChangeAspect="1"/>
-          </p:cNvPicPr>
-          <p:nvPr/>
-        </p:nvPicPr>
-        <p:blipFill>
-          <a:blip r:embed="rId3">
-            <a:extLst>
-              <a:ext uri="{28A0092B-C50C-407E-A947-70E740481C1C}">
-                <a14:useLocalDpi xmlns:a14="http://schemas.microsoft.com/office/drawing/2010/main" val="0"/>
-              </a:ext>
-            </a:extLst>
-          </a:blip>
-          <a:stretch>
-            <a:fillRect/>
-          </a:stretch>
-        </p:blipFill>
-        <p:spPr>
-          <a:xfrm>
-            <a:off x="1006231" y="1320211"/>
-            <a:ext cx="10058400" cy="2398183"/>
-          </a:xfrm>
-          <a:prstGeom prst="rect">
-            <a:avLst/>
-          </a:prstGeom>
-        </p:spPr>
-      </p:pic>
-    </p:spTree>
-    <p:extLst>
-      <p:ext uri="{BB962C8B-B14F-4D97-AF65-F5344CB8AC3E}">
-        <p14:creationId xmlns:p14="http://schemas.microsoft.com/office/powerpoint/2010/main" val="3069137719"/>
-      </p:ext>
-    </p:extLst>
-  </p:cSld>
-  <p:clrMapOvr>
-    <a:masterClrMapping/>
-  </p:clrMapOvr>
-  <p:timing>
-    <p:tnLst>
-      <p:par>
-        <p:cTn id="1" dur="indefinite" restart="never" nodeType="tmRoot"/>
-      </p:par>
-    </p:tnLst>
-  </p:timing>
-</p:sld>
-</file>
-
-<file path=ppt/slides/slide16.xml><?xml version="1.0" encoding="utf-8"?>
-<p:sld xmlns:a="http://schemas.openxmlformats.org/drawingml/2006/main" xmlns:r="http://schemas.openxmlformats.org/officeDocument/2006/relationships" xmlns:p="http://schemas.openxmlformats.org/presentationml/2006/main">
-  <p:cSld>
-    <p:spTree>
-      <p:nvGrpSpPr>
-        <p:cNvPr id="1" name=""/>
-        <p:cNvGrpSpPr/>
-        <p:nvPr/>
-      </p:nvGrpSpPr>
-      <p:grpSpPr>
-        <a:xfrm>
-          <a:off x="0" y="0"/>
-          <a:ext cx="0" cy="0"/>
-          <a:chOff x="0" y="0"/>
-          <a:chExt cx="0" cy="0"/>
-        </a:xfrm>
-      </p:grpSpPr>
-      <p:sp>
-        <p:nvSpPr>
-          <p:cNvPr id="5" name="Round Same Side Corner Rectangle 4"/>
-          <p:cNvSpPr/>
-          <p:nvPr/>
-        </p:nvSpPr>
-        <p:spPr>
-          <a:xfrm>
-            <a:off x="110808" y="6554360"/>
-            <a:ext cx="11984236" cy="312163"/>
-          </a:xfrm>
-          <a:prstGeom prst="round2SameRect">
-            <a:avLst/>
-          </a:prstGeom>
-          <a:solidFill>
-            <a:schemeClr val="accent1">
-              <a:lumMod val="75000"/>
-            </a:schemeClr>
-          </a:solidFill>
-          <a:ln>
-            <a:noFill/>
-          </a:ln>
-        </p:spPr>
-        <p:style>
-          <a:lnRef idx="1">
-            <a:schemeClr val="accent1"/>
-          </a:lnRef>
-          <a:fillRef idx="3">
-            <a:schemeClr val="accent1"/>
-          </a:fillRef>
-          <a:effectRef idx="2">
-            <a:schemeClr val="accent1"/>
-          </a:effectRef>
-          <a:fontRef idx="minor">
-            <a:schemeClr val="lt1"/>
-          </a:fontRef>
-        </p:style>
-        <p:txBody>
-          <a:bodyPr rtlCol="0" anchor="ctr"/>
-          <a:lstStyle/>
-          <a:p>
-            <a:pPr algn="ctr"/>
-            <a:endParaRPr lang="en-US"/>
-          </a:p>
-        </p:txBody>
-      </p:sp>
-      <p:sp>
-        <p:nvSpPr>
-          <p:cNvPr id="9" name="Title 1"/>
+      <p:sp>
+        <p:nvSpPr>
+          <p:cNvPr id="6" name="Title 1"/>
           <p:cNvSpPr txBox="1">
             <a:spLocks/>
           </p:cNvSpPr>
@@ -3464,19 +3645,17 @@
         </p:nvSpPr>
         <p:spPr>
           <a:xfrm>
-            <a:off x="10086026" y="6520612"/>
-            <a:ext cx="1957210" cy="337388"/>
-          </a:xfrm>
-          <a:prstGeom prst="rect">
-            <a:avLst/>
-          </a:prstGeom>
-        </p:spPr>
-        <p:txBody>
-          <a:bodyPr vert="horz" lIns="91440" tIns="45720" rIns="91440" bIns="45720" rtlCol="0" anchor="b">
-            <a:normAutofit fontScale="92500"/>
-          </a:bodyPr>
+            <a:off x="292099" y="263525"/>
+            <a:ext cx="11057389" cy="662781"/>
+          </a:xfrm>
+          <a:prstGeom prst="rect">
+            <a:avLst/>
+          </a:prstGeom>
+        </p:spPr>
+        <p:txBody>
+          <a:bodyPr/>
           <a:lstStyle>
-            <a:lvl1pPr algn="ctr" defTabSz="914377" rtl="0" eaLnBrk="1" latinLnBrk="0" hangingPunct="1">
+            <a:lvl1pPr algn="l" defTabSz="914377" rtl="0" eaLnBrk="1" latinLnBrk="0" hangingPunct="1">
               <a:lnSpc>
                 <a:spcPct val="90000"/>
               </a:lnSpc>
@@ -3484,7 +3663,7 @@
                 <a:spcPct val="0"/>
               </a:spcBef>
               <a:buNone/>
-              <a:defRPr sz="6000" kern="1200">
+              <a:defRPr sz="4400" kern="1200">
                 <a:solidFill>
                   <a:schemeClr val="tx1"/>
                 </a:solidFill>
@@ -3495,55 +3674,17 @@
             </a:lvl1pPr>
           </a:lstStyle>
           <a:p>
-            <a:pPr algn="l" defTabSz="0"/>
-            <a:r>
-              <a:rPr lang="en-NZ" sz="1600" b="1" dirty="0" smtClean="0">
-                <a:solidFill>
-                  <a:schemeClr val="bg1"/>
-                </a:solidFill>
-                <a:latin typeface="+mn-lt"/>
+            <a:r>
+              <a:rPr lang="en-US" sz="2800" dirty="0" smtClean="0">
+                <a:latin typeface="Arial" pitchFamily="34" charset="0"/>
+                <a:cs typeface="Arial" pitchFamily="34" charset="0"/>
               </a:rPr>
-              <a:t>www.metocean.co.nz</a:t>
-            </a:r>
-            <a:endParaRPr lang="en-NZ" sz="2400" dirty="0">
-              <a:solidFill>
-                <a:schemeClr val="bg1">
-                  <a:lumMod val="75000"/>
-                </a:schemeClr>
-              </a:solidFill>
-              <a:latin typeface="+mn-lt"/>
+              <a:t>Final Remarks</a:t>
+            </a:r>
+            <a:endParaRPr lang="en-NZ" sz="2800" dirty="0">
+              <a:latin typeface="Arial" pitchFamily="34" charset="0"/>
+              <a:cs typeface="Arial" pitchFamily="34" charset="0"/>
             </a:endParaRPr>
-          </a:p>
-        </p:txBody>
-      </p:sp>
-      <p:sp>
-        <p:nvSpPr>
-          <p:cNvPr id="2" name="Title 1"/>
-          <p:cNvSpPr>
-            <a:spLocks noGrp="1"/>
-          </p:cNvSpPr>
-          <p:nvPr>
-            <p:ph type="ctrTitle" idx="4294967295"/>
-          </p:nvPr>
-        </p:nvSpPr>
-        <p:spPr>
-          <a:xfrm>
-            <a:off x="1524000" y="1122363"/>
-            <a:ext cx="9144000" cy="2387600"/>
-          </a:xfrm>
-          <a:prstGeom prst="rect">
-            <a:avLst/>
-          </a:prstGeom>
-        </p:spPr>
-        <p:txBody>
-          <a:bodyPr/>
-          <a:lstStyle/>
-          <a:p>
-            <a:r>
-              <a:rPr lang="en-NZ" dirty="0" smtClean="0"/>
-              <a:t>   </a:t>
-            </a:r>
-            <a:endParaRPr lang="en-NZ" dirty="0"/>
           </a:p>
         </p:txBody>
       </p:sp>
@@ -4228,9 +4369,9 @@
       </p:sp>
       <p:pic>
         <p:nvPicPr>
-          <p:cNvPr id="3" name="Picture 2"/>
+          <p:cNvPr id="5122" name="Picture 2"/>
           <p:cNvPicPr>
-            <a:picLocks noChangeAspect="1"/>
+            <a:picLocks noChangeAspect="1" noChangeArrowheads="1"/>
           </p:cNvPicPr>
           <p:nvPr/>
         </p:nvPicPr>
@@ -4242,20 +4383,188 @@
               </a:ext>
             </a:extLst>
           </a:blip>
+          <a:srcRect/>
           <a:stretch>
             <a:fillRect/>
           </a:stretch>
         </p:blipFill>
-        <p:spPr>
-          <a:xfrm>
-            <a:off x="1573131" y="1050682"/>
-            <a:ext cx="9045737" cy="4756635"/>
-          </a:xfrm>
-          <a:prstGeom prst="rect">
-            <a:avLst/>
-          </a:prstGeom>
+        <p:spPr bwMode="auto">
+          <a:xfrm>
+            <a:off x="812800" y="862706"/>
+            <a:ext cx="10134600" cy="5284988"/>
+          </a:xfrm>
+          <a:prstGeom prst="rect">
+            <a:avLst/>
+          </a:prstGeom>
+          <a:noFill/>
+          <a:ln>
+            <a:noFill/>
+          </a:ln>
+          <a:effectLst/>
+          <a:extLst>
+            <a:ext uri="{909E8E84-426E-40DD-AFC4-6F175D3DCCD1}">
+              <a14:hiddenFill xmlns:a14="http://schemas.microsoft.com/office/drawing/2010/main">
+                <a:solidFill>
+                  <a:schemeClr val="accent1"/>
+                </a:solidFill>
+              </a14:hiddenFill>
+            </a:ext>
+            <a:ext uri="{91240B29-F687-4F45-9708-019B960494DF}">
+              <a14:hiddenLine xmlns:a14="http://schemas.microsoft.com/office/drawing/2010/main" w="9525">
+                <a:solidFill>
+                  <a:schemeClr val="tx1"/>
+                </a:solidFill>
+                <a:miter lim="800000"/>
+                <a:headEnd/>
+                <a:tailEnd/>
+              </a14:hiddenLine>
+            </a:ext>
+            <a:ext uri="{AF507438-7753-43E0-B8FC-AC1667EBCBE1}">
+              <a14:hiddenEffects xmlns:a14="http://schemas.microsoft.com/office/drawing/2010/main">
+                <a:effectLst>
+                  <a:outerShdw dist="35921" dir="2700000" algn="ctr" rotWithShape="0">
+                    <a:schemeClr val="bg2"/>
+                  </a:outerShdw>
+                </a:effectLst>
+              </a14:hiddenEffects>
+            </a:ext>
+          </a:extLst>
         </p:spPr>
       </p:pic>
+      <p:sp>
+        <p:nvSpPr>
+          <p:cNvPr id="7" name="Title 1"/>
+          <p:cNvSpPr txBox="1">
+            <a:spLocks/>
+          </p:cNvSpPr>
+          <p:nvPr/>
+        </p:nvSpPr>
+        <p:spPr>
+          <a:xfrm>
+            <a:off x="234191" y="188956"/>
+            <a:ext cx="11057389" cy="662781"/>
+          </a:xfrm>
+          <a:prstGeom prst="rect">
+            <a:avLst/>
+          </a:prstGeom>
+        </p:spPr>
+        <p:txBody>
+          <a:bodyPr/>
+          <a:lstStyle>
+            <a:lvl1pPr algn="l" defTabSz="914377" rtl="0" eaLnBrk="1" latinLnBrk="0" hangingPunct="1">
+              <a:lnSpc>
+                <a:spcPct val="90000"/>
+              </a:lnSpc>
+              <a:spcBef>
+                <a:spcPct val="0"/>
+              </a:spcBef>
+              <a:buNone/>
+              <a:defRPr sz="4400" kern="1200">
+                <a:solidFill>
+                  <a:schemeClr val="tx1"/>
+                </a:solidFill>
+                <a:latin typeface="+mj-lt"/>
+                <a:ea typeface="+mj-ea"/>
+                <a:cs typeface="+mj-cs"/>
+              </a:defRPr>
+            </a:lvl1pPr>
+          </a:lstStyle>
+          <a:p>
+            <a:r>
+              <a:rPr lang="en-US" sz="2800" dirty="0" smtClean="0">
+                <a:latin typeface="Arial" pitchFamily="34" charset="0"/>
+                <a:cs typeface="Arial" pitchFamily="34" charset="0"/>
+              </a:rPr>
+              <a:t>Motivation</a:t>
+            </a:r>
+            <a:endParaRPr lang="en-NZ" sz="2800" dirty="0">
+              <a:latin typeface="Arial" pitchFamily="34" charset="0"/>
+              <a:cs typeface="Arial" pitchFamily="34" charset="0"/>
+            </a:endParaRPr>
+          </a:p>
+        </p:txBody>
+      </p:sp>
+      <p:sp>
+        <p:nvSpPr>
+          <p:cNvPr id="8" name="Title 1"/>
+          <p:cNvSpPr txBox="1">
+            <a:spLocks/>
+          </p:cNvSpPr>
+          <p:nvPr/>
+        </p:nvSpPr>
+        <p:spPr>
+          <a:xfrm>
+            <a:off x="43691" y="6160394"/>
+            <a:ext cx="11057389" cy="662781"/>
+          </a:xfrm>
+          <a:prstGeom prst="rect">
+            <a:avLst/>
+          </a:prstGeom>
+        </p:spPr>
+        <p:txBody>
+          <a:bodyPr/>
+          <a:lstStyle>
+            <a:lvl1pPr algn="l" defTabSz="914377" rtl="0" eaLnBrk="1" latinLnBrk="0" hangingPunct="1">
+              <a:lnSpc>
+                <a:spcPct val="90000"/>
+              </a:lnSpc>
+              <a:spcBef>
+                <a:spcPct val="0"/>
+              </a:spcBef>
+              <a:buNone/>
+              <a:defRPr sz="4400" kern="1200">
+                <a:solidFill>
+                  <a:schemeClr val="tx1"/>
+                </a:solidFill>
+                <a:latin typeface="+mj-lt"/>
+                <a:ea typeface="+mj-ea"/>
+                <a:cs typeface="+mj-cs"/>
+              </a:defRPr>
+            </a:lvl1pPr>
+          </a:lstStyle>
+          <a:p>
+            <a:r>
+              <a:rPr lang="en-US" sz="1600" dirty="0" smtClean="0">
+                <a:latin typeface="Arial" pitchFamily="34" charset="0"/>
+                <a:cs typeface="Arial" pitchFamily="34" charset="0"/>
+              </a:rPr>
+              <a:t>According to </a:t>
+            </a:r>
+            <a:r>
+              <a:rPr lang="en-US" sz="1600" dirty="0" err="1" smtClean="0">
+                <a:latin typeface="Arial" pitchFamily="34" charset="0"/>
+                <a:cs typeface="Arial" pitchFamily="34" charset="0"/>
+              </a:rPr>
+              <a:t>Chiswell</a:t>
+            </a:r>
+            <a:r>
+              <a:rPr lang="en-US" sz="1600" dirty="0" smtClean="0">
+                <a:latin typeface="Arial" pitchFamily="34" charset="0"/>
+                <a:cs typeface="Arial" pitchFamily="34" charset="0"/>
+              </a:rPr>
+              <a:t> (1996) and Reynolds-</a:t>
+            </a:r>
+            <a:r>
+              <a:rPr lang="en-US" sz="1600" dirty="0" err="1" smtClean="0">
+                <a:latin typeface="Arial" pitchFamily="34" charset="0"/>
+                <a:cs typeface="Arial" pitchFamily="34" charset="0"/>
+              </a:rPr>
+              <a:t>Flemming</a:t>
+            </a:r>
+            <a:r>
+              <a:rPr lang="en-US" sz="1600" dirty="0" smtClean="0">
+                <a:latin typeface="Arial" pitchFamily="34" charset="0"/>
+                <a:cs typeface="Arial" pitchFamily="34" charset="0"/>
+              </a:rPr>
+              <a:t> et al. (2005) </a:t>
+            </a:r>
+            <a:endParaRPr lang="en-NZ" sz="1600" dirty="0">
+              <a:latin typeface="Arial" pitchFamily="34" charset="0"/>
+              <a:cs typeface="Arial" pitchFamily="34" charset="0"/>
+            </a:endParaRPr>
+          </a:p>
+        </p:txBody>
+      </p:sp>
     </p:spTree>
     <p:extLst>
       <p:ext uri="{BB962C8B-B14F-4D97-AF65-F5344CB8AC3E}">
@@ -4476,7 +4785,7 @@
                 <a:latin typeface="Arial" pitchFamily="34" charset="0"/>
                 <a:cs typeface="Arial" pitchFamily="34" charset="0"/>
               </a:rPr>
-              <a:t>Forcing Mechanisms</a:t>
+              <a:t>Overview of the forcing mechanisms</a:t>
             </a:r>
             <a:endParaRPr lang="en-NZ" sz="2800" dirty="0">
               <a:latin typeface="Arial" pitchFamily="34" charset="0"/>
@@ -5680,6 +5989,70 @@
           </a:p>
         </p:txBody>
       </p:sp>
+      <p:pic>
+        <p:nvPicPr>
+          <p:cNvPr id="4099" name="Picture 3"/>
+          <p:cNvPicPr>
+            <a:picLocks noChangeAspect="1" noChangeArrowheads="1"/>
+          </p:cNvPicPr>
+          <p:nvPr/>
+        </p:nvPicPr>
+        <p:blipFill>
+          <a:blip r:embed="rId2">
+            <a:extLst>
+              <a:ext uri="{28A0092B-C50C-407E-A947-70E740481C1C}">
+                <a14:useLocalDpi xmlns:a14="http://schemas.microsoft.com/office/drawing/2010/main" val="0"/>
+              </a:ext>
+            </a:extLst>
+          </a:blip>
+          <a:srcRect/>
+          <a:stretch>
+            <a:fillRect/>
+          </a:stretch>
+        </p:blipFill>
+        <p:spPr bwMode="auto">
+          <a:xfrm>
+            <a:off x="391886" y="421103"/>
+            <a:ext cx="11350171" cy="5818912"/>
+          </a:xfrm>
+          <a:prstGeom prst="rect">
+            <a:avLst/>
+          </a:prstGeom>
+          <a:noFill/>
+          <a:ln>
+            <a:noFill/>
+          </a:ln>
+          <a:effectLst/>
+          <a:extLst>
+            <a:ext uri="{909E8E84-426E-40DD-AFC4-6F175D3DCCD1}">
+              <a14:hiddenFill xmlns:a14="http://schemas.microsoft.com/office/drawing/2010/main">
+                <a:solidFill>
+                  <a:schemeClr val="accent1"/>
+                </a:solidFill>
+              </a14:hiddenFill>
+            </a:ext>
+            <a:ext uri="{91240B29-F687-4F45-9708-019B960494DF}">
+              <a14:hiddenLine xmlns:a14="http://schemas.microsoft.com/office/drawing/2010/main" w="9525">
+                <a:solidFill>
+                  <a:schemeClr val="tx1"/>
+                </a:solidFill>
+                <a:miter lim="800000"/>
+                <a:headEnd/>
+                <a:tailEnd/>
+              </a14:hiddenLine>
+            </a:ext>
+            <a:ext uri="{AF507438-7753-43E0-B8FC-AC1667EBCBE1}">
+              <a14:hiddenEffects xmlns:a14="http://schemas.microsoft.com/office/drawing/2010/main">
+                <a:effectLst>
+                  <a:outerShdw dist="35921" dir="2700000" algn="ctr" rotWithShape="0">
+                    <a:schemeClr val="bg2"/>
+                  </a:outerShdw>
+                </a:effectLst>
+              </a14:hiddenEffects>
+            </a:ext>
+          </a:extLst>
+        </p:spPr>
+      </p:pic>
       <p:sp>
         <p:nvSpPr>
           <p:cNvPr id="6" name="Title 1"/>
@@ -5690,8 +6063,8 @@
         </p:nvSpPr>
         <p:spPr>
           <a:xfrm>
-            <a:off x="838199" y="365125"/>
-            <a:ext cx="11057389" cy="662781"/>
+            <a:off x="279377" y="6007630"/>
+            <a:ext cx="2630715" cy="662781"/>
           </a:xfrm>
           <a:prstGeom prst="rect">
             <a:avLst/>
@@ -5720,49 +6093,79 @@
           </a:lstStyle>
           <a:p>
             <a:r>
-              <a:rPr lang="en-US" dirty="0" smtClean="0">
+              <a:rPr lang="en-US" sz="1800" dirty="0" err="1" smtClean="0">
                 <a:latin typeface="Arial" pitchFamily="34" charset="0"/>
                 <a:cs typeface="Arial" pitchFamily="34" charset="0"/>
               </a:rPr>
-              <a:t>Hindcast Methodology</a:t>
-            </a:r>
-            <a:endParaRPr lang="en-NZ" dirty="0">
+              <a:t>Haidvogel</a:t>
+            </a:r>
+            <a:r>
+              <a:rPr lang="en-US" sz="1800" dirty="0" smtClean="0">
+                <a:latin typeface="Arial" pitchFamily="34" charset="0"/>
+                <a:cs typeface="Arial" pitchFamily="34" charset="0"/>
+              </a:rPr>
+              <a:t> et al. (2008)</a:t>
+            </a:r>
+            <a:endParaRPr lang="en-NZ" sz="1800" dirty="0">
               <a:latin typeface="Arial" pitchFamily="34" charset="0"/>
               <a:cs typeface="Arial" pitchFamily="34" charset="0"/>
             </a:endParaRPr>
           </a:p>
         </p:txBody>
       </p:sp>
-      <p:pic>
-        <p:nvPicPr>
-          <p:cNvPr id="8" name="Picture 7"/>
-          <p:cNvPicPr>
-            <a:picLocks noChangeAspect="1"/>
-          </p:cNvPicPr>
+      <p:sp>
+        <p:nvSpPr>
+          <p:cNvPr id="8" name="Title 1"/>
+          <p:cNvSpPr txBox="1">
+            <a:spLocks/>
+          </p:cNvSpPr>
           <p:nvPr/>
-        </p:nvPicPr>
-        <p:blipFill>
-          <a:blip r:embed="rId2" cstate="print">
-            <a:extLst>
-              <a:ext uri="{28A0092B-C50C-407E-A947-70E740481C1C}">
-                <a14:useLocalDpi xmlns:a14="http://schemas.microsoft.com/office/drawing/2010/main" val="0"/>
-              </a:ext>
-            </a:extLst>
-          </a:blip>
-          <a:stretch>
-            <a:fillRect/>
-          </a:stretch>
-        </p:blipFill>
-        <p:spPr>
-          <a:xfrm>
-            <a:off x="243281" y="2534919"/>
-            <a:ext cx="11698950" cy="3648958"/>
-          </a:xfrm>
-          <a:prstGeom prst="rect">
-            <a:avLst/>
-          </a:prstGeom>
-        </p:spPr>
-      </p:pic>
+        </p:nvSpPr>
+        <p:spPr>
+          <a:xfrm>
+            <a:off x="234191" y="188956"/>
+            <a:ext cx="11057389" cy="662781"/>
+          </a:xfrm>
+          <a:prstGeom prst="rect">
+            <a:avLst/>
+          </a:prstGeom>
+        </p:spPr>
+        <p:txBody>
+          <a:bodyPr/>
+          <a:lstStyle>
+            <a:lvl1pPr algn="l" defTabSz="914377" rtl="0" eaLnBrk="1" latinLnBrk="0" hangingPunct="1">
+              <a:lnSpc>
+                <a:spcPct val="90000"/>
+              </a:lnSpc>
+              <a:spcBef>
+                <a:spcPct val="0"/>
+              </a:spcBef>
+              <a:buNone/>
+              <a:defRPr sz="4400" kern="1200">
+                <a:solidFill>
+                  <a:schemeClr val="tx1"/>
+                </a:solidFill>
+                <a:latin typeface="+mj-lt"/>
+                <a:ea typeface="+mj-ea"/>
+                <a:cs typeface="+mj-cs"/>
+              </a:defRPr>
+            </a:lvl1pPr>
+          </a:lstStyle>
+          <a:p>
+            <a:r>
+              <a:rPr lang="en-US" sz="2800" dirty="0" smtClean="0">
+                <a:latin typeface="Arial" pitchFamily="34" charset="0"/>
+                <a:cs typeface="Arial" pitchFamily="34" charset="0"/>
+              </a:rPr>
+              <a:t>Numerical Model</a:t>
+            </a:r>
+            <a:endParaRPr lang="en-NZ" sz="2800" dirty="0">
+              <a:latin typeface="Arial" pitchFamily="34" charset="0"/>
+              <a:cs typeface="Arial" pitchFamily="34" charset="0"/>
+            </a:endParaRPr>
+          </a:p>
+        </p:txBody>
+      </p:sp>
     </p:spTree>
     <p:extLst>
       <p:ext uri="{BB962C8B-B14F-4D97-AF65-F5344CB8AC3E}">
@@ -5939,6 +6342,36 @@
           </a:p>
         </p:txBody>
       </p:sp>
+      <p:pic>
+        <p:nvPicPr>
+          <p:cNvPr id="3" name="Picture 2"/>
+          <p:cNvPicPr>
+            <a:picLocks noChangeAspect="1"/>
+          </p:cNvPicPr>
+          <p:nvPr/>
+        </p:nvPicPr>
+        <p:blipFill>
+          <a:blip r:embed="rId2">
+            <a:extLst>
+              <a:ext uri="{28A0092B-C50C-407E-A947-70E740481C1C}">
+                <a14:useLocalDpi xmlns:a14="http://schemas.microsoft.com/office/drawing/2010/main" val="0"/>
+              </a:ext>
+            </a:extLst>
+          </a:blip>
+          <a:stretch>
+            <a:fillRect/>
+          </a:stretch>
+        </p:blipFill>
+        <p:spPr>
+          <a:xfrm>
+            <a:off x="872455" y="2004777"/>
+            <a:ext cx="10058400" cy="4149405"/>
+          </a:xfrm>
+          <a:prstGeom prst="rect">
+            <a:avLst/>
+          </a:prstGeom>
+        </p:spPr>
+      </p:pic>
       <p:sp>
         <p:nvSpPr>
           <p:cNvPr id="6" name="Title 1"/>
@@ -5949,7 +6382,7 @@
         </p:nvSpPr>
         <p:spPr>
           <a:xfrm>
-            <a:off x="838199" y="365125"/>
+            <a:off x="234191" y="188956"/>
             <a:ext cx="11057389" cy="662781"/>
           </a:xfrm>
           <a:prstGeom prst="rect">
@@ -5979,13 +6412,13 @@
           </a:lstStyle>
           <a:p>
             <a:r>
-              <a:rPr lang="en-US" dirty="0" smtClean="0">
+              <a:rPr lang="en-US" sz="2800" dirty="0" smtClean="0">
                 <a:latin typeface="Arial" pitchFamily="34" charset="0"/>
                 <a:cs typeface="Arial" pitchFamily="34" charset="0"/>
               </a:rPr>
-              <a:t>ROMS</a:t>
-            </a:r>
-            <a:endParaRPr lang="en-NZ" dirty="0">
+              <a:t>Model setup</a:t>
+            </a:r>
+            <a:endParaRPr lang="en-NZ" sz="2800" dirty="0">
               <a:latin typeface="Arial" pitchFamily="34" charset="0"/>
               <a:cs typeface="Arial" pitchFamily="34" charset="0"/>
             </a:endParaRPr>
@@ -6168,16 +6601,69 @@
           </a:p>
         </p:txBody>
       </p:sp>
+      <p:sp>
+        <p:nvSpPr>
+          <p:cNvPr id="6" name="Title 1"/>
+          <p:cNvSpPr txBox="1">
+            <a:spLocks/>
+          </p:cNvSpPr>
+          <p:nvPr/>
+        </p:nvSpPr>
+        <p:spPr>
+          <a:xfrm>
+            <a:off x="355599" y="212725"/>
+            <a:ext cx="11057389" cy="662781"/>
+          </a:xfrm>
+          <a:prstGeom prst="rect">
+            <a:avLst/>
+          </a:prstGeom>
+        </p:spPr>
+        <p:txBody>
+          <a:bodyPr/>
+          <a:lstStyle>
+            <a:lvl1pPr algn="l" defTabSz="914377" rtl="0" eaLnBrk="1" latinLnBrk="0" hangingPunct="1">
+              <a:lnSpc>
+                <a:spcPct val="90000"/>
+              </a:lnSpc>
+              <a:spcBef>
+                <a:spcPct val="0"/>
+              </a:spcBef>
+              <a:buNone/>
+              <a:defRPr sz="4400" kern="1200">
+                <a:solidFill>
+                  <a:schemeClr val="tx1"/>
+                </a:solidFill>
+                <a:latin typeface="+mj-lt"/>
+                <a:ea typeface="+mj-ea"/>
+                <a:cs typeface="+mj-cs"/>
+              </a:defRPr>
+            </a:lvl1pPr>
+          </a:lstStyle>
+          <a:p>
+            <a:r>
+              <a:rPr lang="en-US" sz="2800" dirty="0" smtClean="0">
+                <a:latin typeface="Arial" pitchFamily="34" charset="0"/>
+                <a:cs typeface="Arial" pitchFamily="34" charset="0"/>
+              </a:rPr>
+              <a:t>Hindcast approach</a:t>
+            </a:r>
+            <a:endParaRPr lang="en-NZ" sz="2800" dirty="0">
+              <a:latin typeface="Arial" pitchFamily="34" charset="0"/>
+              <a:cs typeface="Arial" pitchFamily="34" charset="0"/>
+            </a:endParaRPr>
+          </a:p>
+        </p:txBody>
+      </p:sp>
       <p:pic>
         <p:nvPicPr>
-          <p:cNvPr id="3" name="Picture 2"/>
+          <p:cNvPr id="8" name="Picture 7"/>
           <p:cNvPicPr>
             <a:picLocks noChangeAspect="1"/>
           </p:cNvPicPr>
           <p:nvPr/>
         </p:nvPicPr>
         <p:blipFill>
-          <a:blip r:embed="rId2">
+          <a:blip r:embed="rId2" cstate="print">
             <a:extLst>
               <a:ext uri="{28A0092B-C50C-407E-A947-70E740481C1C}">
                 <a14:useLocalDpi xmlns:a14="http://schemas.microsoft.com/office/drawing/2010/main" val="0"/>
@@ -6190,8 +6676,8 @@
         </p:blipFill>
         <p:spPr>
           <a:xfrm>
-            <a:off x="872455" y="2004777"/>
-            <a:ext cx="10058400" cy="4149405"/>
+            <a:off x="243281" y="2534919"/>
+            <a:ext cx="11698950" cy="3648958"/>
           </a:xfrm>
           <a:prstGeom prst="rect">
             <a:avLst/>
@@ -6397,8 +6883,8 @@
         </p:blipFill>
         <p:spPr bwMode="auto">
           <a:xfrm>
-            <a:off x="1635854" y="1072979"/>
-            <a:ext cx="8631892" cy="5185002"/>
+            <a:off x="2070100" y="1333822"/>
+            <a:ext cx="7763400" cy="4663316"/>
           </a:xfrm>
           <a:prstGeom prst="rect">
             <a:avLst/>
@@ -6438,6 +6924,59 @@
           </a:extLst>
         </p:spPr>
       </p:pic>
+      <p:sp>
+        <p:nvSpPr>
+          <p:cNvPr id="6" name="Title 1"/>
+          <p:cNvSpPr txBox="1">
+            <a:spLocks/>
+          </p:cNvSpPr>
+          <p:nvPr/>
+        </p:nvSpPr>
+        <p:spPr>
+          <a:xfrm>
+            <a:off x="355599" y="212725"/>
+            <a:ext cx="11057389" cy="662781"/>
+          </a:xfrm>
+          <a:prstGeom prst="rect">
+            <a:avLst/>
+          </a:prstGeom>
+        </p:spPr>
+        <p:txBody>
+          <a:bodyPr/>
+          <a:lstStyle>
+            <a:lvl1pPr algn="l" defTabSz="914377" rtl="0" eaLnBrk="1" latinLnBrk="0" hangingPunct="1">
+              <a:lnSpc>
+                <a:spcPct val="90000"/>
+              </a:lnSpc>
+              <a:spcBef>
+                <a:spcPct val="0"/>
+              </a:spcBef>
+              <a:buNone/>
+              <a:defRPr sz="4400" kern="1200">
+                <a:solidFill>
+                  <a:schemeClr val="tx1"/>
+                </a:solidFill>
+                <a:latin typeface="+mj-lt"/>
+                <a:ea typeface="+mj-ea"/>
+                <a:cs typeface="+mj-cs"/>
+              </a:defRPr>
+            </a:lvl1pPr>
+          </a:lstStyle>
+          <a:p>
+            <a:r>
+              <a:rPr lang="en-US" sz="2800" dirty="0" smtClean="0">
+                <a:latin typeface="Arial" pitchFamily="34" charset="0"/>
+                <a:cs typeface="Arial" pitchFamily="34" charset="0"/>
+              </a:rPr>
+              <a:t>Investigation approach</a:t>
+            </a:r>
+            <a:endParaRPr lang="en-NZ" sz="2800" dirty="0">
+              <a:latin typeface="Arial" pitchFamily="34" charset="0"/>
+              <a:cs typeface="Arial" pitchFamily="34" charset="0"/>
+            </a:endParaRPr>
+          </a:p>
+        </p:txBody>
+      </p:sp>
     </p:spTree>
     <p:extLst>
       <p:ext uri="{BB962C8B-B14F-4D97-AF65-F5344CB8AC3E}">
@@ -6624,7 +7163,7 @@
         </p:nvSpPr>
         <p:spPr>
           <a:xfrm>
-            <a:off x="838199" y="365125"/>
+            <a:off x="292099" y="263525"/>
             <a:ext cx="11057389" cy="662781"/>
           </a:xfrm>
           <a:prstGeom prst="rect">
@@ -6654,13 +7193,13 @@
           </a:lstStyle>
           <a:p>
             <a:r>
-              <a:rPr lang="en-US" dirty="0" smtClean="0">
+              <a:rPr lang="en-US" sz="2800" dirty="0" smtClean="0">
                 <a:latin typeface="Arial" pitchFamily="34" charset="0"/>
                 <a:cs typeface="Arial" pitchFamily="34" charset="0"/>
               </a:rPr>
-              <a:t>Month animation</a:t>
-            </a:r>
-            <a:endParaRPr lang="en-NZ" dirty="0">
+              <a:t>Results</a:t>
+            </a:r>
+            <a:endParaRPr lang="en-NZ" sz="2800" dirty="0">
               <a:latin typeface="Arial" pitchFamily="34" charset="0"/>
               <a:cs typeface="Arial" pitchFamily="34" charset="0"/>
             </a:endParaRPr>
